--- a/Data 622.pptx
+++ b/Data 622.pptx
@@ -14,10 +14,38 @@
     <p:sldId id="264" r:id="rId8"/>
     <p:sldId id="265" r:id="rId9"/>
     <p:sldId id="266" r:id="rId10"/>
-    <p:sldId id="267" r:id="rId11"/>
-    <p:sldId id="275" r:id="rId12"/>
-    <p:sldId id="268" r:id="rId13"/>
-    <p:sldId id="269" r:id="rId14"/>
+    <p:sldId id="276" r:id="rId11"/>
+    <p:sldId id="267" r:id="rId12"/>
+    <p:sldId id="275" r:id="rId13"/>
+    <p:sldId id="268" r:id="rId14"/>
+    <p:sldId id="277" r:id="rId15"/>
+    <p:sldId id="278" r:id="rId16"/>
+    <p:sldId id="279" r:id="rId17"/>
+    <p:sldId id="280" r:id="rId18"/>
+    <p:sldId id="281" r:id="rId19"/>
+    <p:sldId id="282" r:id="rId20"/>
+    <p:sldId id="283" r:id="rId21"/>
+    <p:sldId id="284" r:id="rId22"/>
+    <p:sldId id="285" r:id="rId23"/>
+    <p:sldId id="286" r:id="rId24"/>
+    <p:sldId id="287" r:id="rId25"/>
+    <p:sldId id="288" r:id="rId26"/>
+    <p:sldId id="289" r:id="rId27"/>
+    <p:sldId id="290" r:id="rId28"/>
+    <p:sldId id="291" r:id="rId29"/>
+    <p:sldId id="292" r:id="rId30"/>
+    <p:sldId id="293" r:id="rId31"/>
+    <p:sldId id="294" r:id="rId32"/>
+    <p:sldId id="295" r:id="rId33"/>
+    <p:sldId id="296" r:id="rId34"/>
+    <p:sldId id="297" r:id="rId35"/>
+    <p:sldId id="298" r:id="rId36"/>
+    <p:sldId id="299" r:id="rId37"/>
+    <p:sldId id="300" r:id="rId38"/>
+    <p:sldId id="301" r:id="rId39"/>
+    <p:sldId id="302" r:id="rId40"/>
+    <p:sldId id="303" r:id="rId41"/>
+    <p:sldId id="304" r:id="rId42"/>
   </p:sldIdLst>
   <p:sldSz cx="12192000" cy="6858000"/>
   <p:notesSz cx="6858000" cy="9144000"/>
@@ -174,7 +202,7 @@
           <a:noFill/>
           <a:extLst>
             <a:ext uri="{909E8E84-426E-40dd-AFC4-6F175D3DCCD1}">
-              <a14:hiddenFill xmlns="" xmlns:a14="http://schemas.microsoft.com/office/drawing/2010/main">
+              <a14:hiddenFill xmlns:a14="http://schemas.microsoft.com/office/drawing/2010/main" xmlns="">
                 <a:solidFill>
                   <a:srgbClr val="FFFFFF"/>
                 </a:solidFill>
@@ -234,7 +262,7 @@
             </a:ln>
             <a:extLst>
               <a:ext uri="{91240B29-F687-4f45-9708-019B960494DF}">
-                <a14:hiddenLine xmlns="" xmlns:a14="http://schemas.microsoft.com/office/drawing/2010/main" w="9525">
+                <a14:hiddenLine xmlns:a14="http://schemas.microsoft.com/office/drawing/2010/main" xmlns="" w="9525">
                   <a:solidFill>
                     <a:srgbClr val="000000"/>
                   </a:solidFill>
@@ -324,7 +352,7 @@
             </a:ln>
             <a:extLst>
               <a:ext uri="{91240B29-F687-4f45-9708-019B960494DF}">
-                <a14:hiddenLine xmlns="" xmlns:a14="http://schemas.microsoft.com/office/drawing/2010/main" w="9525">
+                <a14:hiddenLine xmlns:a14="http://schemas.microsoft.com/office/drawing/2010/main" xmlns="" w="9525">
                   <a:solidFill>
                     <a:srgbClr val="000000"/>
                   </a:solidFill>
@@ -414,7 +442,7 @@
             </a:ln>
             <a:extLst>
               <a:ext uri="{91240B29-F687-4f45-9708-019B960494DF}">
-                <a14:hiddenLine xmlns="" xmlns:a14="http://schemas.microsoft.com/office/drawing/2010/main" w="9525">
+                <a14:hiddenLine xmlns:a14="http://schemas.microsoft.com/office/drawing/2010/main" xmlns="" w="9525">
                   <a:solidFill>
                     <a:srgbClr val="000000"/>
                   </a:solidFill>
@@ -448,7 +476,7 @@
             </a:ln>
             <a:extLst>
               <a:ext uri="{91240B29-F687-4f45-9708-019B960494DF}">
-                <a14:hiddenLine xmlns="" xmlns:a14="http://schemas.microsoft.com/office/drawing/2010/main" w="9525">
+                <a14:hiddenLine xmlns:a14="http://schemas.microsoft.com/office/drawing/2010/main" xmlns="" w="9525">
                   <a:solidFill>
                     <a:srgbClr val="000000"/>
                   </a:solidFill>
@@ -538,7 +566,7 @@
             </a:ln>
             <a:extLst>
               <a:ext uri="{91240B29-F687-4f45-9708-019B960494DF}">
-                <a14:hiddenLine xmlns="" xmlns:a14="http://schemas.microsoft.com/office/drawing/2010/main" w="9525">
+                <a14:hiddenLine xmlns:a14="http://schemas.microsoft.com/office/drawing/2010/main" xmlns="" w="9525">
                   <a:solidFill>
                     <a:srgbClr val="000000"/>
                   </a:solidFill>
@@ -600,7 +628,7 @@
             </a:ln>
             <a:extLst>
               <a:ext uri="{91240B29-F687-4f45-9708-019B960494DF}">
-                <a14:hiddenLine xmlns="" xmlns:a14="http://schemas.microsoft.com/office/drawing/2010/main" w="9525">
+                <a14:hiddenLine xmlns:a14="http://schemas.microsoft.com/office/drawing/2010/main" xmlns="" w="9525">
                   <a:solidFill>
                     <a:srgbClr val="000000"/>
                   </a:solidFill>
@@ -662,7 +690,7 @@
             </a:ln>
             <a:extLst>
               <a:ext uri="{91240B29-F687-4f45-9708-019B960494DF}">
-                <a14:hiddenLine xmlns="" xmlns:a14="http://schemas.microsoft.com/office/drawing/2010/main" w="9525">
+                <a14:hiddenLine xmlns:a14="http://schemas.microsoft.com/office/drawing/2010/main" xmlns="" w="9525">
                   <a:solidFill>
                     <a:srgbClr val="000000"/>
                   </a:solidFill>
@@ -752,7 +780,7 @@
             </a:ln>
             <a:extLst>
               <a:ext uri="{91240B29-F687-4f45-9708-019B960494DF}">
-                <a14:hiddenLine xmlns="" xmlns:a14="http://schemas.microsoft.com/office/drawing/2010/main" w="9525">
+                <a14:hiddenLine xmlns:a14="http://schemas.microsoft.com/office/drawing/2010/main" xmlns="" w="9525">
                   <a:solidFill>
                     <a:srgbClr val="000000"/>
                   </a:solidFill>
@@ -814,7 +842,7 @@
             </a:ln>
             <a:extLst>
               <a:ext uri="{91240B29-F687-4f45-9708-019B960494DF}">
-                <a14:hiddenLine xmlns="" xmlns:a14="http://schemas.microsoft.com/office/drawing/2010/main" w="9525">
+                <a14:hiddenLine xmlns:a14="http://schemas.microsoft.com/office/drawing/2010/main" xmlns="" w="9525">
                   <a:solidFill>
                     <a:srgbClr val="000000"/>
                   </a:solidFill>
@@ -876,7 +904,7 @@
             </a:ln>
             <a:extLst>
               <a:ext uri="{91240B29-F687-4f45-9708-019B960494DF}">
-                <a14:hiddenLine xmlns="" xmlns:a14="http://schemas.microsoft.com/office/drawing/2010/main" w="9525">
+                <a14:hiddenLine xmlns:a14="http://schemas.microsoft.com/office/drawing/2010/main" xmlns="" w="9525">
                   <a:solidFill>
                     <a:srgbClr val="000000"/>
                   </a:solidFill>
@@ -966,7 +994,7 @@
             </a:ln>
             <a:extLst>
               <a:ext uri="{91240B29-F687-4f45-9708-019B960494DF}">
-                <a14:hiddenLine xmlns="" xmlns:a14="http://schemas.microsoft.com/office/drawing/2010/main" w="9525">
+                <a14:hiddenLine xmlns:a14="http://schemas.microsoft.com/office/drawing/2010/main" xmlns="" w="9525">
                   <a:solidFill>
                     <a:srgbClr val="000000"/>
                   </a:solidFill>
@@ -1056,7 +1084,7 @@
             </a:ln>
             <a:extLst>
               <a:ext uri="{91240B29-F687-4f45-9708-019B960494DF}">
-                <a14:hiddenLine xmlns="" xmlns:a14="http://schemas.microsoft.com/office/drawing/2010/main" w="9525">
+                <a14:hiddenLine xmlns:a14="http://schemas.microsoft.com/office/drawing/2010/main" xmlns="" w="9525">
                   <a:solidFill>
                     <a:srgbClr val="000000"/>
                   </a:solidFill>
@@ -1118,7 +1146,7 @@
             </a:ln>
             <a:extLst>
               <a:ext uri="{91240B29-F687-4f45-9708-019B960494DF}">
-                <a14:hiddenLine xmlns="" xmlns:a14="http://schemas.microsoft.com/office/drawing/2010/main" w="9525">
+                <a14:hiddenLine xmlns:a14="http://schemas.microsoft.com/office/drawing/2010/main" xmlns="" w="9525">
                   <a:solidFill>
                     <a:srgbClr val="000000"/>
                   </a:solidFill>
@@ -1228,7 +1256,7 @@
             </a:ln>
             <a:extLst>
               <a:ext uri="{91240B29-F687-4f45-9708-019B960494DF}">
-                <a14:hiddenLine xmlns="" xmlns:a14="http://schemas.microsoft.com/office/drawing/2010/main" w="9525">
+                <a14:hiddenLine xmlns:a14="http://schemas.microsoft.com/office/drawing/2010/main" xmlns="" w="9525">
                   <a:solidFill>
                     <a:srgbClr val="000000"/>
                   </a:solidFill>
@@ -1290,7 +1318,7 @@
             </a:ln>
             <a:extLst>
               <a:ext uri="{91240B29-F687-4f45-9708-019B960494DF}">
-                <a14:hiddenLine xmlns="" xmlns:a14="http://schemas.microsoft.com/office/drawing/2010/main" w="9525">
+                <a14:hiddenLine xmlns:a14="http://schemas.microsoft.com/office/drawing/2010/main" xmlns="" w="9525">
                   <a:solidFill>
                     <a:srgbClr val="000000"/>
                   </a:solidFill>
@@ -1380,7 +1408,7 @@
             </a:ln>
             <a:extLst>
               <a:ext uri="{91240B29-F687-4f45-9708-019B960494DF}">
-                <a14:hiddenLine xmlns="" xmlns:a14="http://schemas.microsoft.com/office/drawing/2010/main" w="9525">
+                <a14:hiddenLine xmlns:a14="http://schemas.microsoft.com/office/drawing/2010/main" xmlns="" w="9525">
                   <a:solidFill>
                     <a:srgbClr val="000000"/>
                   </a:solidFill>
@@ -1470,7 +1498,7 @@
             </a:ln>
             <a:extLst>
               <a:ext uri="{91240B29-F687-4f45-9708-019B960494DF}">
-                <a14:hiddenLine xmlns="" xmlns:a14="http://schemas.microsoft.com/office/drawing/2010/main" w="9525">
+                <a14:hiddenLine xmlns:a14="http://schemas.microsoft.com/office/drawing/2010/main" xmlns="" w="9525">
                   <a:solidFill>
                     <a:srgbClr val="000000"/>
                   </a:solidFill>
@@ -1532,7 +1560,7 @@
             </a:ln>
             <a:extLst>
               <a:ext uri="{91240B29-F687-4f45-9708-019B960494DF}">
-                <a14:hiddenLine xmlns="" xmlns:a14="http://schemas.microsoft.com/office/drawing/2010/main" w="9525">
+                <a14:hiddenLine xmlns:a14="http://schemas.microsoft.com/office/drawing/2010/main" xmlns="" w="9525">
                   <a:solidFill>
                     <a:srgbClr val="000000"/>
                   </a:solidFill>
@@ -1622,7 +1650,7 @@
             </a:ln>
             <a:extLst>
               <a:ext uri="{91240B29-F687-4f45-9708-019B960494DF}">
-                <a14:hiddenLine xmlns="" xmlns:a14="http://schemas.microsoft.com/office/drawing/2010/main" w="9525">
+                <a14:hiddenLine xmlns:a14="http://schemas.microsoft.com/office/drawing/2010/main" xmlns="" w="9525">
                   <a:solidFill>
                     <a:srgbClr val="000000"/>
                   </a:solidFill>
@@ -1712,7 +1740,7 @@
             </a:ln>
             <a:extLst>
               <a:ext uri="{91240B29-F687-4f45-9708-019B960494DF}">
-                <a14:hiddenLine xmlns="" xmlns:a14="http://schemas.microsoft.com/office/drawing/2010/main" w="9525">
+                <a14:hiddenLine xmlns:a14="http://schemas.microsoft.com/office/drawing/2010/main" xmlns="" w="9525">
                   <a:solidFill>
                     <a:srgbClr val="000000"/>
                   </a:solidFill>
@@ -1768,7 +1796,7 @@
             </a:ln>
             <a:extLst>
               <a:ext uri="{91240B29-F687-4f45-9708-019B960494DF}">
-                <a14:hiddenLine xmlns="" xmlns:a14="http://schemas.microsoft.com/office/drawing/2010/main" w="9525">
+                <a14:hiddenLine xmlns:a14="http://schemas.microsoft.com/office/drawing/2010/main" xmlns="" w="9525">
                   <a:solidFill>
                     <a:srgbClr val="000000"/>
                   </a:solidFill>
@@ -1858,7 +1886,7 @@
             </a:ln>
             <a:extLst>
               <a:ext uri="{91240B29-F687-4f45-9708-019B960494DF}">
-                <a14:hiddenLine xmlns="" xmlns:a14="http://schemas.microsoft.com/office/drawing/2010/main" w="9525">
+                <a14:hiddenLine xmlns:a14="http://schemas.microsoft.com/office/drawing/2010/main" xmlns="" w="9525">
                   <a:solidFill>
                     <a:srgbClr val="000000"/>
                   </a:solidFill>
@@ -1914,7 +1942,7 @@
             </a:ln>
             <a:extLst>
               <a:ext uri="{91240B29-F687-4f45-9708-019B960494DF}">
-                <a14:hiddenLine xmlns="" xmlns:a14="http://schemas.microsoft.com/office/drawing/2010/main" w="9525">
+                <a14:hiddenLine xmlns:a14="http://schemas.microsoft.com/office/drawing/2010/main" xmlns="" w="9525">
                   <a:solidFill>
                     <a:srgbClr val="000000"/>
                   </a:solidFill>
@@ -2004,7 +2032,7 @@
             </a:ln>
             <a:extLst>
               <a:ext uri="{91240B29-F687-4f45-9708-019B960494DF}">
-                <a14:hiddenLine xmlns="" xmlns:a14="http://schemas.microsoft.com/office/drawing/2010/main" w="9525">
+                <a14:hiddenLine xmlns:a14="http://schemas.microsoft.com/office/drawing/2010/main" xmlns="" w="9525">
                   <a:solidFill>
                     <a:srgbClr val="000000"/>
                   </a:solidFill>
@@ -2072,7 +2100,7 @@
             </a:ln>
             <a:extLst>
               <a:ext uri="{91240B29-F687-4f45-9708-019B960494DF}">
-                <a14:hiddenLine xmlns="" xmlns:a14="http://schemas.microsoft.com/office/drawing/2010/main" w="9525">
+                <a14:hiddenLine xmlns:a14="http://schemas.microsoft.com/office/drawing/2010/main" xmlns="" w="9525">
                   <a:solidFill>
                     <a:srgbClr val="000000"/>
                   </a:solidFill>
@@ -2162,7 +2190,7 @@
             </a:ln>
             <a:extLst>
               <a:ext uri="{91240B29-F687-4f45-9708-019B960494DF}">
-                <a14:hiddenLine xmlns="" xmlns:a14="http://schemas.microsoft.com/office/drawing/2010/main" w="9525">
+                <a14:hiddenLine xmlns:a14="http://schemas.microsoft.com/office/drawing/2010/main" xmlns="" w="9525">
                   <a:solidFill>
                     <a:srgbClr val="000000"/>
                   </a:solidFill>
@@ -2230,7 +2258,7 @@
             </a:ln>
             <a:extLst>
               <a:ext uri="{91240B29-F687-4f45-9708-019B960494DF}">
-                <a14:hiddenLine xmlns="" xmlns:a14="http://schemas.microsoft.com/office/drawing/2010/main" w="9525">
+                <a14:hiddenLine xmlns:a14="http://schemas.microsoft.com/office/drawing/2010/main" xmlns="" w="9525">
                   <a:solidFill>
                     <a:srgbClr val="000000"/>
                   </a:solidFill>
@@ -2320,7 +2348,7 @@
             </a:ln>
             <a:extLst>
               <a:ext uri="{91240B29-F687-4f45-9708-019B960494DF}">
-                <a14:hiddenLine xmlns="" xmlns:a14="http://schemas.microsoft.com/office/drawing/2010/main" w="9525">
+                <a14:hiddenLine xmlns:a14="http://schemas.microsoft.com/office/drawing/2010/main" xmlns="" w="9525">
                   <a:solidFill>
                     <a:srgbClr val="000000"/>
                   </a:solidFill>
@@ -2354,7 +2382,7 @@
             </a:ln>
             <a:extLst>
               <a:ext uri="{91240B29-F687-4f45-9708-019B960494DF}">
-                <a14:hiddenLine xmlns="" xmlns:a14="http://schemas.microsoft.com/office/drawing/2010/main" w="9525">
+                <a14:hiddenLine xmlns:a14="http://schemas.microsoft.com/office/drawing/2010/main" xmlns="" w="9525">
                   <a:solidFill>
                     <a:srgbClr val="000000"/>
                   </a:solidFill>
@@ -2444,7 +2472,7 @@
             </a:ln>
             <a:extLst>
               <a:ext uri="{91240B29-F687-4f45-9708-019B960494DF}">
-                <a14:hiddenLine xmlns="" xmlns:a14="http://schemas.microsoft.com/office/drawing/2010/main" w="9525">
+                <a14:hiddenLine xmlns:a14="http://schemas.microsoft.com/office/drawing/2010/main" xmlns="" w="9525">
                   <a:solidFill>
                     <a:srgbClr val="000000"/>
                   </a:solidFill>
@@ -2506,7 +2534,7 @@
             </a:ln>
             <a:extLst>
               <a:ext uri="{91240B29-F687-4f45-9708-019B960494DF}">
-                <a14:hiddenLine xmlns="" xmlns:a14="http://schemas.microsoft.com/office/drawing/2010/main" w="9525">
+                <a14:hiddenLine xmlns:a14="http://schemas.microsoft.com/office/drawing/2010/main" xmlns="" w="9525">
                   <a:solidFill>
                     <a:srgbClr val="000000"/>
                   </a:solidFill>
@@ -2568,7 +2596,7 @@
             </a:ln>
             <a:extLst>
               <a:ext uri="{91240B29-F687-4f45-9708-019B960494DF}">
-                <a14:hiddenLine xmlns="" xmlns:a14="http://schemas.microsoft.com/office/drawing/2010/main" w="9525">
+                <a14:hiddenLine xmlns:a14="http://schemas.microsoft.com/office/drawing/2010/main" xmlns="" w="9525">
                   <a:solidFill>
                     <a:srgbClr val="000000"/>
                   </a:solidFill>
@@ -2658,7 +2686,7 @@
             </a:ln>
             <a:extLst>
               <a:ext uri="{91240B29-F687-4f45-9708-019B960494DF}">
-                <a14:hiddenLine xmlns="" xmlns:a14="http://schemas.microsoft.com/office/drawing/2010/main" w="9525">
+                <a14:hiddenLine xmlns:a14="http://schemas.microsoft.com/office/drawing/2010/main" xmlns="" w="9525">
                   <a:solidFill>
                     <a:srgbClr val="000000"/>
                   </a:solidFill>
@@ -2726,7 +2754,7 @@
             </a:ln>
             <a:extLst>
               <a:ext uri="{91240B29-F687-4f45-9708-019B960494DF}">
-                <a14:hiddenLine xmlns="" xmlns:a14="http://schemas.microsoft.com/office/drawing/2010/main" w="9525">
+                <a14:hiddenLine xmlns:a14="http://schemas.microsoft.com/office/drawing/2010/main" xmlns="" w="9525">
                   <a:solidFill>
                     <a:srgbClr val="000000"/>
                   </a:solidFill>
@@ -2788,7 +2816,7 @@
             </a:ln>
             <a:extLst>
               <a:ext uri="{91240B29-F687-4f45-9708-019B960494DF}">
-                <a14:hiddenLine xmlns="" xmlns:a14="http://schemas.microsoft.com/office/drawing/2010/main" w="9525">
+                <a14:hiddenLine xmlns:a14="http://schemas.microsoft.com/office/drawing/2010/main" xmlns="" w="9525">
                   <a:solidFill>
                     <a:srgbClr val="000000"/>
                   </a:solidFill>
@@ -2878,7 +2906,7 @@
             </a:ln>
             <a:extLst>
               <a:ext uri="{91240B29-F687-4f45-9708-019B960494DF}">
-                <a14:hiddenLine xmlns="" xmlns:a14="http://schemas.microsoft.com/office/drawing/2010/main" w="9525">
+                <a14:hiddenLine xmlns:a14="http://schemas.microsoft.com/office/drawing/2010/main" xmlns="" w="9525">
                   <a:solidFill>
                     <a:srgbClr val="000000"/>
                   </a:solidFill>
@@ -2940,7 +2968,7 @@
             </a:ln>
             <a:extLst>
               <a:ext uri="{91240B29-F687-4f45-9708-019B960494DF}">
-                <a14:hiddenLine xmlns="" xmlns:a14="http://schemas.microsoft.com/office/drawing/2010/main" w="9525">
+                <a14:hiddenLine xmlns:a14="http://schemas.microsoft.com/office/drawing/2010/main" xmlns="" w="9525">
                   <a:solidFill>
                     <a:srgbClr val="000000"/>
                   </a:solidFill>
@@ -3030,7 +3058,7 @@
             </a:ln>
             <a:extLst>
               <a:ext uri="{91240B29-F687-4f45-9708-019B960494DF}">
-                <a14:hiddenLine xmlns="" xmlns:a14="http://schemas.microsoft.com/office/drawing/2010/main" w="9525">
+                <a14:hiddenLine xmlns:a14="http://schemas.microsoft.com/office/drawing/2010/main" xmlns="" w="9525">
                   <a:solidFill>
                     <a:srgbClr val="000000"/>
                   </a:solidFill>
@@ -3092,7 +3120,7 @@
             </a:ln>
             <a:extLst>
               <a:ext uri="{91240B29-F687-4f45-9708-019B960494DF}">
-                <a14:hiddenLine xmlns="" xmlns:a14="http://schemas.microsoft.com/office/drawing/2010/main" w="9525">
+                <a14:hiddenLine xmlns:a14="http://schemas.microsoft.com/office/drawing/2010/main" xmlns="" w="9525">
                   <a:solidFill>
                     <a:srgbClr val="000000"/>
                   </a:solidFill>
@@ -3182,7 +3210,7 @@
             </a:ln>
             <a:extLst>
               <a:ext uri="{91240B29-F687-4f45-9708-019B960494DF}">
-                <a14:hiddenLine xmlns="" xmlns:a14="http://schemas.microsoft.com/office/drawing/2010/main" w="9525">
+                <a14:hiddenLine xmlns:a14="http://schemas.microsoft.com/office/drawing/2010/main" xmlns="" w="9525">
                   <a:solidFill>
                     <a:srgbClr val="000000"/>
                   </a:solidFill>
@@ -3216,7 +3244,7 @@
             </a:ln>
             <a:extLst>
               <a:ext uri="{91240B29-F687-4f45-9708-019B960494DF}">
-                <a14:hiddenLine xmlns="" xmlns:a14="http://schemas.microsoft.com/office/drawing/2010/main" w="9525">
+                <a14:hiddenLine xmlns:a14="http://schemas.microsoft.com/office/drawing/2010/main" xmlns="" w="9525">
                   <a:solidFill>
                     <a:srgbClr val="000000"/>
                   </a:solidFill>
@@ -3281,7 +3309,7 @@
             </a:ln>
             <a:extLst>
               <a:ext uri="{91240B29-F687-4f45-9708-019B960494DF}">
-                <a14:hiddenLine xmlns="" xmlns:a14="http://schemas.microsoft.com/office/drawing/2010/main" w="9525">
+                <a14:hiddenLine xmlns:a14="http://schemas.microsoft.com/office/drawing/2010/main" xmlns="" w="9525">
                   <a:solidFill>
                     <a:srgbClr val="000000"/>
                   </a:solidFill>
@@ -3371,7 +3399,7 @@
             </a:ln>
             <a:extLst>
               <a:ext uri="{91240B29-F687-4f45-9708-019B960494DF}">
-                <a14:hiddenLine xmlns="" xmlns:a14="http://schemas.microsoft.com/office/drawing/2010/main" w="9525">
+                <a14:hiddenLine xmlns:a14="http://schemas.microsoft.com/office/drawing/2010/main" xmlns="" w="9525">
                   <a:solidFill>
                     <a:srgbClr val="000000"/>
                   </a:solidFill>
@@ -3433,7 +3461,7 @@
             </a:ln>
             <a:extLst>
               <a:ext uri="{91240B29-F687-4f45-9708-019B960494DF}">
-                <a14:hiddenLine xmlns="" xmlns:a14="http://schemas.microsoft.com/office/drawing/2010/main" w="9525">
+                <a14:hiddenLine xmlns:a14="http://schemas.microsoft.com/office/drawing/2010/main" xmlns="" w="9525">
                   <a:solidFill>
                     <a:srgbClr val="000000"/>
                   </a:solidFill>
@@ -3523,7 +3551,7 @@
             </a:ln>
             <a:extLst>
               <a:ext uri="{91240B29-F687-4f45-9708-019B960494DF}">
-                <a14:hiddenLine xmlns="" xmlns:a14="http://schemas.microsoft.com/office/drawing/2010/main" w="9525">
+                <a14:hiddenLine xmlns:a14="http://schemas.microsoft.com/office/drawing/2010/main" xmlns="" w="9525">
                   <a:solidFill>
                     <a:srgbClr val="000000"/>
                   </a:solidFill>
@@ -3613,7 +3641,7 @@
             </a:ln>
             <a:extLst>
               <a:ext uri="{91240B29-F687-4f45-9708-019B960494DF}">
-                <a14:hiddenLine xmlns="" xmlns:a14="http://schemas.microsoft.com/office/drawing/2010/main" w="9525">
+                <a14:hiddenLine xmlns:a14="http://schemas.microsoft.com/office/drawing/2010/main" xmlns="" w="9525">
                   <a:solidFill>
                     <a:srgbClr val="000000"/>
                   </a:solidFill>
@@ -3678,7 +3706,7 @@
             </a:ln>
             <a:extLst>
               <a:ext uri="{91240B29-F687-4f45-9708-019B960494DF}">
-                <a14:hiddenLine xmlns="" xmlns:a14="http://schemas.microsoft.com/office/drawing/2010/main" w="9525">
+                <a14:hiddenLine xmlns:a14="http://schemas.microsoft.com/office/drawing/2010/main" xmlns="" w="9525">
                   <a:solidFill>
                     <a:srgbClr val="000000"/>
                   </a:solidFill>
@@ -3740,7 +3768,7 @@
             </a:ln>
             <a:extLst>
               <a:ext uri="{91240B29-F687-4f45-9708-019B960494DF}">
-                <a14:hiddenLine xmlns="" xmlns:a14="http://schemas.microsoft.com/office/drawing/2010/main" w="9525">
+                <a14:hiddenLine xmlns:a14="http://schemas.microsoft.com/office/drawing/2010/main" xmlns="" w="9525">
                   <a:solidFill>
                     <a:srgbClr val="000000"/>
                   </a:solidFill>
@@ -3830,7 +3858,7 @@
             </a:ln>
             <a:extLst>
               <a:ext uri="{91240B29-F687-4f45-9708-019B960494DF}">
-                <a14:hiddenLine xmlns="" xmlns:a14="http://schemas.microsoft.com/office/drawing/2010/main" w="9525">
+                <a14:hiddenLine xmlns:a14="http://schemas.microsoft.com/office/drawing/2010/main" xmlns="" w="9525">
                   <a:solidFill>
                     <a:srgbClr val="000000"/>
                   </a:solidFill>
@@ -3920,7 +3948,7 @@
             </a:ln>
             <a:extLst>
               <a:ext uri="{91240B29-F687-4f45-9708-019B960494DF}">
-                <a14:hiddenLine xmlns="" xmlns:a14="http://schemas.microsoft.com/office/drawing/2010/main" w="9525">
+                <a14:hiddenLine xmlns:a14="http://schemas.microsoft.com/office/drawing/2010/main" xmlns="" w="9525">
                   <a:solidFill>
                     <a:srgbClr val="000000"/>
                   </a:solidFill>
@@ -3982,7 +4010,7 @@
             </a:ln>
             <a:extLst>
               <a:ext uri="{91240B29-F687-4f45-9708-019B960494DF}">
-                <a14:hiddenLine xmlns="" xmlns:a14="http://schemas.microsoft.com/office/drawing/2010/main" w="9525">
+                <a14:hiddenLine xmlns:a14="http://schemas.microsoft.com/office/drawing/2010/main" xmlns="" w="9525">
                   <a:solidFill>
                     <a:srgbClr val="000000"/>
                   </a:solidFill>
@@ -4102,7 +4130,7 @@
             </a:ln>
             <a:extLst>
               <a:ext uri="{91240B29-F687-4f45-9708-019B960494DF}">
-                <a14:hiddenLine xmlns="" xmlns:a14="http://schemas.microsoft.com/office/drawing/2010/main" w="9525">
+                <a14:hiddenLine xmlns:a14="http://schemas.microsoft.com/office/drawing/2010/main" xmlns="" w="9525">
                   <a:solidFill>
                     <a:srgbClr val="000000"/>
                   </a:solidFill>
@@ -4170,7 +4198,7 @@
             </a:ln>
             <a:extLst>
               <a:ext uri="{91240B29-F687-4f45-9708-019B960494DF}">
-                <a14:hiddenLine xmlns="" xmlns:a14="http://schemas.microsoft.com/office/drawing/2010/main" w="9525">
+                <a14:hiddenLine xmlns:a14="http://schemas.microsoft.com/office/drawing/2010/main" xmlns="" w="9525">
                   <a:solidFill>
                     <a:srgbClr val="000000"/>
                   </a:solidFill>
@@ -4260,7 +4288,7 @@
             </a:ln>
             <a:extLst>
               <a:ext uri="{91240B29-F687-4f45-9708-019B960494DF}">
-                <a14:hiddenLine xmlns="" xmlns:a14="http://schemas.microsoft.com/office/drawing/2010/main" w="9525">
+                <a14:hiddenLine xmlns:a14="http://schemas.microsoft.com/office/drawing/2010/main" xmlns="" w="9525">
                   <a:solidFill>
                     <a:srgbClr val="000000"/>
                   </a:solidFill>
@@ -4400,7 +4428,7 @@
           <a:p>
             <a:fld id="{48A87A34-81AB-432B-8DAE-1953F412C126}" type="datetimeFigureOut">
               <a:rPr lang="en-US" dirty="0"/>
-              <a:t>12/5/2019</a:t>
+              <a:t>12/6/2019</a:t>
             </a:fld>
             <a:endParaRPr lang="en-US" dirty="0"/>
           </a:p>
@@ -4662,7 +4690,7 @@
           <a:p>
             <a:fld id="{48A87A34-81AB-432B-8DAE-1953F412C126}" type="datetimeFigureOut">
               <a:rPr lang="en-US" dirty="0"/>
-              <a:t>12/5/2019</a:t>
+              <a:t>12/6/2019</a:t>
             </a:fld>
             <a:endParaRPr lang="en-US" dirty="0"/>
           </a:p>
@@ -4853,7 +4881,7 @@
           <a:p>
             <a:fld id="{48A87A34-81AB-432B-8DAE-1953F412C126}" type="datetimeFigureOut">
               <a:rPr lang="en-US" dirty="0"/>
-              <a:t>12/5/2019</a:t>
+              <a:t>12/6/2019</a:t>
             </a:fld>
             <a:endParaRPr lang="en-US" dirty="0"/>
           </a:p>
@@ -5111,7 +5139,7 @@
           <a:p>
             <a:fld id="{48A87A34-81AB-432B-8DAE-1953F412C126}" type="datetimeFigureOut">
               <a:rPr lang="en-US" dirty="0"/>
-              <a:t>12/5/2019</a:t>
+              <a:t>12/6/2019</a:t>
             </a:fld>
             <a:endParaRPr lang="en-US" dirty="0"/>
           </a:p>
@@ -5540,7 +5568,7 @@
           <a:p>
             <a:fld id="{48A87A34-81AB-432B-8DAE-1953F412C126}" type="datetimeFigureOut">
               <a:rPr lang="en-US" dirty="0"/>
-              <a:t>12/5/2019</a:t>
+              <a:t>12/6/2019</a:t>
             </a:fld>
             <a:endParaRPr lang="en-US" dirty="0"/>
           </a:p>
@@ -6081,7 +6109,7 @@
           <a:p>
             <a:fld id="{48A87A34-81AB-432B-8DAE-1953F412C126}" type="datetimeFigureOut">
               <a:rPr lang="en-US" dirty="0"/>
-              <a:t>12/5/2019</a:t>
+              <a:t>12/6/2019</a:t>
             </a:fld>
             <a:endParaRPr lang="en-US" dirty="0"/>
           </a:p>
@@ -6796,7 +6824,7 @@
           <a:p>
             <a:fld id="{48A87A34-81AB-432B-8DAE-1953F412C126}" type="datetimeFigureOut">
               <a:rPr lang="en-US" dirty="0"/>
-              <a:t>12/5/2019</a:t>
+              <a:t>12/6/2019</a:t>
             </a:fld>
             <a:endParaRPr lang="en-US" dirty="0"/>
           </a:p>
@@ -6961,7 +6989,7 @@
           <a:p>
             <a:fld id="{48A87A34-81AB-432B-8DAE-1953F412C126}" type="datetimeFigureOut">
               <a:rPr lang="en-US" dirty="0"/>
-              <a:t>12/5/2019</a:t>
+              <a:t>12/6/2019</a:t>
             </a:fld>
             <a:endParaRPr lang="en-US" dirty="0"/>
           </a:p>
@@ -7136,7 +7164,7 @@
           <a:p>
             <a:fld id="{48A87A34-81AB-432B-8DAE-1953F412C126}" type="datetimeFigureOut">
               <a:rPr lang="en-US" dirty="0"/>
-              <a:t>12/5/2019</a:t>
+              <a:t>12/6/2019</a:t>
             </a:fld>
             <a:endParaRPr lang="en-US" dirty="0"/>
           </a:p>
@@ -7301,7 +7329,7 @@
           <a:p>
             <a:fld id="{48A87A34-81AB-432B-8DAE-1953F412C126}" type="datetimeFigureOut">
               <a:rPr lang="en-US" dirty="0"/>
-              <a:t>12/5/2019</a:t>
+              <a:t>12/6/2019</a:t>
             </a:fld>
             <a:endParaRPr lang="en-US" dirty="0"/>
           </a:p>
@@ -7546,7 +7574,7 @@
           <a:p>
             <a:fld id="{48A87A34-81AB-432B-8DAE-1953F412C126}" type="datetimeFigureOut">
               <a:rPr lang="en-US" dirty="0"/>
-              <a:t>12/5/2019</a:t>
+              <a:t>12/6/2019</a:t>
             </a:fld>
             <a:endParaRPr lang="en-US" dirty="0"/>
           </a:p>
@@ -7773,7 +7801,7 @@
           <a:p>
             <a:fld id="{48A87A34-81AB-432B-8DAE-1953F412C126}" type="datetimeFigureOut">
               <a:rPr lang="en-US" dirty="0"/>
-              <a:t>12/5/2019</a:t>
+              <a:t>12/6/2019</a:t>
             </a:fld>
             <a:endParaRPr lang="en-US" dirty="0"/>
           </a:p>
@@ -8149,7 +8177,7 @@
           <a:p>
             <a:fld id="{48A87A34-81AB-432B-8DAE-1953F412C126}" type="datetimeFigureOut">
               <a:rPr lang="en-US" dirty="0"/>
-              <a:t>12/5/2019</a:t>
+              <a:t>12/6/2019</a:t>
             </a:fld>
             <a:endParaRPr lang="en-US" dirty="0"/>
           </a:p>
@@ -8262,7 +8290,7 @@
           <a:p>
             <a:fld id="{48A87A34-81AB-432B-8DAE-1953F412C126}" type="datetimeFigureOut">
               <a:rPr lang="en-US" dirty="0"/>
-              <a:t>12/5/2019</a:t>
+              <a:t>12/6/2019</a:t>
             </a:fld>
             <a:endParaRPr lang="en-US" dirty="0"/>
           </a:p>
@@ -8352,7 +8380,7 @@
           <a:p>
             <a:fld id="{48A87A34-81AB-432B-8DAE-1953F412C126}" type="datetimeFigureOut">
               <a:rPr lang="en-US" dirty="0"/>
-              <a:t>12/5/2019</a:t>
+              <a:t>12/6/2019</a:t>
             </a:fld>
             <a:endParaRPr lang="en-US" dirty="0"/>
           </a:p>
@@ -8596,7 +8624,7 @@
           <a:p>
             <a:fld id="{48A87A34-81AB-432B-8DAE-1953F412C126}" type="datetimeFigureOut">
               <a:rPr lang="en-US" dirty="0"/>
-              <a:t>12/5/2019</a:t>
+              <a:t>12/6/2019</a:t>
             </a:fld>
             <a:endParaRPr lang="en-US" dirty="0"/>
           </a:p>
@@ -8871,7 +8899,7 @@
           <a:p>
             <a:fld id="{48A87A34-81AB-432B-8DAE-1953F412C126}" type="datetimeFigureOut">
               <a:rPr lang="en-US" dirty="0"/>
-              <a:t>12/5/2019</a:t>
+              <a:t>12/6/2019</a:t>
             </a:fld>
             <a:endParaRPr lang="en-US" dirty="0"/>
           </a:p>
@@ -8982,7 +9010,7 @@
           <a:noFill/>
           <a:extLst>
             <a:ext uri="{909E8E84-426E-40dd-AFC4-6F175D3DCCD1}">
-              <a14:hiddenFill xmlns="" xmlns:a14="http://schemas.microsoft.com/office/drawing/2010/main">
+              <a14:hiddenFill xmlns:a14="http://schemas.microsoft.com/office/drawing/2010/main" xmlns="">
                 <a:solidFill>
                   <a:srgbClr val="FFFFFF"/>
                 </a:solidFill>
@@ -9056,7 +9084,7 @@
               </a:ln>
               <a:extLst>
                 <a:ext uri="{91240B29-F687-4f45-9708-019B960494DF}">
-                  <a14:hiddenLine xmlns="" xmlns:a14="http://schemas.microsoft.com/office/drawing/2010/main" w="9525">
+                  <a14:hiddenLine xmlns:a14="http://schemas.microsoft.com/office/drawing/2010/main" xmlns="" w="9525">
                     <a:solidFill>
                       <a:srgbClr val="000000"/>
                     </a:solidFill>
@@ -9146,7 +9174,7 @@
               </a:ln>
               <a:extLst>
                 <a:ext uri="{91240B29-F687-4f45-9708-019B960494DF}">
-                  <a14:hiddenLine xmlns="" xmlns:a14="http://schemas.microsoft.com/office/drawing/2010/main" w="9525">
+                  <a14:hiddenLine xmlns:a14="http://schemas.microsoft.com/office/drawing/2010/main" xmlns="" w="9525">
                     <a:solidFill>
                       <a:srgbClr val="000000"/>
                     </a:solidFill>
@@ -9236,7 +9264,7 @@
               </a:ln>
               <a:extLst>
                 <a:ext uri="{91240B29-F687-4f45-9708-019B960494DF}">
-                  <a14:hiddenLine xmlns="" xmlns:a14="http://schemas.microsoft.com/office/drawing/2010/main" w="9525">
+                  <a14:hiddenLine xmlns:a14="http://schemas.microsoft.com/office/drawing/2010/main" xmlns="" w="9525">
                     <a:solidFill>
                       <a:srgbClr val="000000"/>
                     </a:solidFill>
@@ -9298,7 +9326,7 @@
               </a:ln>
               <a:extLst>
                 <a:ext uri="{91240B29-F687-4f45-9708-019B960494DF}">
-                  <a14:hiddenLine xmlns="" xmlns:a14="http://schemas.microsoft.com/office/drawing/2010/main" w="9525">
+                  <a14:hiddenLine xmlns:a14="http://schemas.microsoft.com/office/drawing/2010/main" xmlns="" w="9525">
                     <a:solidFill>
                       <a:srgbClr val="000000"/>
                     </a:solidFill>
@@ -9388,7 +9416,7 @@
               </a:ln>
               <a:extLst>
                 <a:ext uri="{91240B29-F687-4f45-9708-019B960494DF}">
-                  <a14:hiddenLine xmlns="" xmlns:a14="http://schemas.microsoft.com/office/drawing/2010/main" w="9525">
+                  <a14:hiddenLine xmlns:a14="http://schemas.microsoft.com/office/drawing/2010/main" xmlns="" w="9525">
                     <a:solidFill>
                       <a:srgbClr val="000000"/>
                     </a:solidFill>
@@ -9450,7 +9478,7 @@
               </a:ln>
               <a:extLst>
                 <a:ext uri="{91240B29-F687-4f45-9708-019B960494DF}">
-                  <a14:hiddenLine xmlns="" xmlns:a14="http://schemas.microsoft.com/office/drawing/2010/main" w="9525">
+                  <a14:hiddenLine xmlns:a14="http://schemas.microsoft.com/office/drawing/2010/main" xmlns="" w="9525">
                     <a:solidFill>
                       <a:srgbClr val="000000"/>
                     </a:solidFill>
@@ -9512,7 +9540,7 @@
               </a:ln>
               <a:extLst>
                 <a:ext uri="{91240B29-F687-4f45-9708-019B960494DF}">
-                  <a14:hiddenLine xmlns="" xmlns:a14="http://schemas.microsoft.com/office/drawing/2010/main" w="9525">
+                  <a14:hiddenLine xmlns:a14="http://schemas.microsoft.com/office/drawing/2010/main" xmlns="" w="9525">
                     <a:solidFill>
                       <a:srgbClr val="000000"/>
                     </a:solidFill>
@@ -9602,7 +9630,7 @@
               </a:ln>
               <a:extLst>
                 <a:ext uri="{91240B29-F687-4f45-9708-019B960494DF}">
-                  <a14:hiddenLine xmlns="" xmlns:a14="http://schemas.microsoft.com/office/drawing/2010/main" w="9525">
+                  <a14:hiddenLine xmlns:a14="http://schemas.microsoft.com/office/drawing/2010/main" xmlns="" w="9525">
                     <a:solidFill>
                       <a:srgbClr val="000000"/>
                     </a:solidFill>
@@ -9692,7 +9720,7 @@
               </a:ln>
               <a:extLst>
                 <a:ext uri="{91240B29-F687-4f45-9708-019B960494DF}">
-                  <a14:hiddenLine xmlns="" xmlns:a14="http://schemas.microsoft.com/office/drawing/2010/main" w="9525">
+                  <a14:hiddenLine xmlns:a14="http://schemas.microsoft.com/office/drawing/2010/main" xmlns="" w="9525">
                     <a:solidFill>
                       <a:srgbClr val="000000"/>
                     </a:solidFill>
@@ -9754,7 +9782,7 @@
               </a:ln>
               <a:extLst>
                 <a:ext uri="{91240B29-F687-4f45-9708-019B960494DF}">
-                  <a14:hiddenLine xmlns="" xmlns:a14="http://schemas.microsoft.com/office/drawing/2010/main" w="9525">
+                  <a14:hiddenLine xmlns:a14="http://schemas.microsoft.com/office/drawing/2010/main" xmlns="" w="9525">
                     <a:solidFill>
                       <a:srgbClr val="000000"/>
                     </a:solidFill>
@@ -9864,7 +9892,7 @@
               </a:ln>
               <a:extLst>
                 <a:ext uri="{91240B29-F687-4f45-9708-019B960494DF}">
-                  <a14:hiddenLine xmlns="" xmlns:a14="http://schemas.microsoft.com/office/drawing/2010/main" w="9525">
+                  <a14:hiddenLine xmlns:a14="http://schemas.microsoft.com/office/drawing/2010/main" xmlns="" w="9525">
                     <a:solidFill>
                       <a:srgbClr val="000000"/>
                     </a:solidFill>
@@ -9948,7 +9976,7 @@
               </a:ln>
               <a:extLst>
                 <a:ext uri="{91240B29-F687-4f45-9708-019B960494DF}">
-                  <a14:hiddenLine xmlns="" xmlns:a14="http://schemas.microsoft.com/office/drawing/2010/main" w="9525">
+                  <a14:hiddenLine xmlns:a14="http://schemas.microsoft.com/office/drawing/2010/main" xmlns="" w="9525">
                     <a:solidFill>
                       <a:srgbClr val="000000"/>
                     </a:solidFill>
@@ -10010,7 +10038,7 @@
               </a:ln>
               <a:extLst>
                 <a:ext uri="{91240B29-F687-4f45-9708-019B960494DF}">
-                  <a14:hiddenLine xmlns="" xmlns:a14="http://schemas.microsoft.com/office/drawing/2010/main" w="9525">
+                  <a14:hiddenLine xmlns:a14="http://schemas.microsoft.com/office/drawing/2010/main" xmlns="" w="9525">
                     <a:solidFill>
                       <a:srgbClr val="000000"/>
                     </a:solidFill>
@@ -10072,7 +10100,7 @@
               </a:ln>
               <a:extLst>
                 <a:ext uri="{91240B29-F687-4f45-9708-019B960494DF}">
-                  <a14:hiddenLine xmlns="" xmlns:a14="http://schemas.microsoft.com/office/drawing/2010/main" w="9525">
+                  <a14:hiddenLine xmlns:a14="http://schemas.microsoft.com/office/drawing/2010/main" xmlns="" w="9525">
                     <a:solidFill>
                       <a:srgbClr val="000000"/>
                     </a:solidFill>
@@ -10162,7 +10190,7 @@
               </a:ln>
               <a:extLst>
                 <a:ext uri="{91240B29-F687-4f45-9708-019B960494DF}">
-                  <a14:hiddenLine xmlns="" xmlns:a14="http://schemas.microsoft.com/office/drawing/2010/main" w="9525">
+                  <a14:hiddenLine xmlns:a14="http://schemas.microsoft.com/office/drawing/2010/main" xmlns="" w="9525">
                     <a:solidFill>
                       <a:srgbClr val="000000"/>
                     </a:solidFill>
@@ -10196,7 +10224,7 @@
               </a:ln>
               <a:extLst>
                 <a:ext uri="{91240B29-F687-4f45-9708-019B960494DF}">
-                  <a14:hiddenLine xmlns="" xmlns:a14="http://schemas.microsoft.com/office/drawing/2010/main" w="9525">
+                  <a14:hiddenLine xmlns:a14="http://schemas.microsoft.com/office/drawing/2010/main" xmlns="" w="9525">
                     <a:solidFill>
                       <a:srgbClr val="000000"/>
                     </a:solidFill>
@@ -10261,7 +10289,7 @@
               </a:ln>
               <a:extLst>
                 <a:ext uri="{91240B29-F687-4f45-9708-019B960494DF}">
-                  <a14:hiddenLine xmlns="" xmlns:a14="http://schemas.microsoft.com/office/drawing/2010/main" w="9525">
+                  <a14:hiddenLine xmlns:a14="http://schemas.microsoft.com/office/drawing/2010/main" xmlns="" w="9525">
                     <a:solidFill>
                       <a:srgbClr val="000000"/>
                     </a:solidFill>
@@ -10351,7 +10379,7 @@
               </a:ln>
               <a:extLst>
                 <a:ext uri="{91240B29-F687-4f45-9708-019B960494DF}">
-                  <a14:hiddenLine xmlns="" xmlns:a14="http://schemas.microsoft.com/office/drawing/2010/main" w="9525">
+                  <a14:hiddenLine xmlns:a14="http://schemas.microsoft.com/office/drawing/2010/main" xmlns="" w="9525">
                     <a:solidFill>
                       <a:srgbClr val="000000"/>
                     </a:solidFill>
@@ -10413,7 +10441,7 @@
               </a:ln>
               <a:extLst>
                 <a:ext uri="{91240B29-F687-4f45-9708-019B960494DF}">
-                  <a14:hiddenLine xmlns="" xmlns:a14="http://schemas.microsoft.com/office/drawing/2010/main" w="9525">
+                  <a14:hiddenLine xmlns:a14="http://schemas.microsoft.com/office/drawing/2010/main" xmlns="" w="9525">
                     <a:solidFill>
                       <a:srgbClr val="000000"/>
                     </a:solidFill>
@@ -10503,7 +10531,7 @@
               </a:ln>
               <a:extLst>
                 <a:ext uri="{91240B29-F687-4f45-9708-019B960494DF}">
-                  <a14:hiddenLine xmlns="" xmlns:a14="http://schemas.microsoft.com/office/drawing/2010/main" w="9525">
+                  <a14:hiddenLine xmlns:a14="http://schemas.microsoft.com/office/drawing/2010/main" xmlns="" w="9525">
                     <a:solidFill>
                       <a:srgbClr val="000000"/>
                     </a:solidFill>
@@ -10568,7 +10596,7 @@
               </a:ln>
               <a:extLst>
                 <a:ext uri="{91240B29-F687-4f45-9708-019B960494DF}">
-                  <a14:hiddenLine xmlns="" xmlns:a14="http://schemas.microsoft.com/office/drawing/2010/main" w="9525">
+                  <a14:hiddenLine xmlns:a14="http://schemas.microsoft.com/office/drawing/2010/main" xmlns="" w="9525">
                     <a:solidFill>
                       <a:srgbClr val="000000"/>
                     </a:solidFill>
@@ -10630,7 +10658,7 @@
               </a:ln>
               <a:extLst>
                 <a:ext uri="{91240B29-F687-4f45-9708-019B960494DF}">
-                  <a14:hiddenLine xmlns="" xmlns:a14="http://schemas.microsoft.com/office/drawing/2010/main" w="9525">
+                  <a14:hiddenLine xmlns:a14="http://schemas.microsoft.com/office/drawing/2010/main" xmlns="" w="9525">
                     <a:solidFill>
                       <a:srgbClr val="000000"/>
                     </a:solidFill>
@@ -10720,7 +10748,7 @@
               </a:ln>
               <a:extLst>
                 <a:ext uri="{91240B29-F687-4f45-9708-019B960494DF}">
-                  <a14:hiddenLine xmlns="" xmlns:a14="http://schemas.microsoft.com/office/drawing/2010/main" w="9525">
+                  <a14:hiddenLine xmlns:a14="http://schemas.microsoft.com/office/drawing/2010/main" xmlns="" w="9525">
                     <a:solidFill>
                       <a:srgbClr val="000000"/>
                     </a:solidFill>
@@ -10810,7 +10838,7 @@
               </a:ln>
               <a:extLst>
                 <a:ext uri="{91240B29-F687-4f45-9708-019B960494DF}">
-                  <a14:hiddenLine xmlns="" xmlns:a14="http://schemas.microsoft.com/office/drawing/2010/main" w="9525">
+                  <a14:hiddenLine xmlns:a14="http://schemas.microsoft.com/office/drawing/2010/main" xmlns="" w="9525">
                     <a:solidFill>
                       <a:srgbClr val="000000"/>
                     </a:solidFill>
@@ -10875,7 +10903,7 @@
               </a:ln>
               <a:extLst>
                 <a:ext uri="{91240B29-F687-4f45-9708-019B960494DF}">
-                  <a14:hiddenLine xmlns="" xmlns:a14="http://schemas.microsoft.com/office/drawing/2010/main" w="9525">
+                  <a14:hiddenLine xmlns:a14="http://schemas.microsoft.com/office/drawing/2010/main" xmlns="" w="9525">
                     <a:solidFill>
                       <a:srgbClr val="000000"/>
                     </a:solidFill>
@@ -10995,7 +11023,7 @@
               </a:ln>
               <a:extLst>
                 <a:ext uri="{91240B29-F687-4f45-9708-019B960494DF}">
-                  <a14:hiddenLine xmlns="" xmlns:a14="http://schemas.microsoft.com/office/drawing/2010/main" w="9525">
+                  <a14:hiddenLine xmlns:a14="http://schemas.microsoft.com/office/drawing/2010/main" xmlns="" w="9525">
                     <a:solidFill>
                       <a:srgbClr val="000000"/>
                     </a:solidFill>
@@ -11093,7 +11121,7 @@
               </a:ln>
               <a:extLst>
                 <a:ext uri="{91240B29-F687-4f45-9708-019B960494DF}">
-                  <a14:hiddenLine xmlns="" xmlns:a14="http://schemas.microsoft.com/office/drawing/2010/main" w="9525">
+                  <a14:hiddenLine xmlns:a14="http://schemas.microsoft.com/office/drawing/2010/main" xmlns="" w="9525">
                     <a:solidFill>
                       <a:srgbClr val="000000"/>
                     </a:solidFill>
@@ -11208,7 +11236,7 @@
               </a:ln>
               <a:extLst>
                 <a:ext uri="{91240B29-F687-4f45-9708-019B960494DF}">
-                  <a14:hiddenLine xmlns="" xmlns:a14="http://schemas.microsoft.com/office/drawing/2010/main" w="9525">
+                  <a14:hiddenLine xmlns:a14="http://schemas.microsoft.com/office/drawing/2010/main" xmlns="" w="9525">
                     <a:solidFill>
                       <a:srgbClr val="000000"/>
                     </a:solidFill>
@@ -11298,7 +11326,7 @@
               </a:ln>
               <a:extLst>
                 <a:ext uri="{91240B29-F687-4f45-9708-019B960494DF}">
-                  <a14:hiddenLine xmlns="" xmlns:a14="http://schemas.microsoft.com/office/drawing/2010/main" w="9525">
+                  <a14:hiddenLine xmlns:a14="http://schemas.microsoft.com/office/drawing/2010/main" xmlns="" w="9525">
                     <a:solidFill>
                       <a:srgbClr val="000000"/>
                     </a:solidFill>
@@ -11363,7 +11391,7 @@
               </a:ln>
               <a:extLst>
                 <a:ext uri="{91240B29-F687-4f45-9708-019B960494DF}">
-                  <a14:hiddenLine xmlns="" xmlns:a14="http://schemas.microsoft.com/office/drawing/2010/main" w="9525">
+                  <a14:hiddenLine xmlns:a14="http://schemas.microsoft.com/office/drawing/2010/main" xmlns="" w="9525">
                     <a:solidFill>
                       <a:srgbClr val="000000"/>
                     </a:solidFill>
@@ -11453,7 +11481,7 @@
               </a:ln>
               <a:extLst>
                 <a:ext uri="{91240B29-F687-4f45-9708-019B960494DF}">
-                  <a14:hiddenLine xmlns="" xmlns:a14="http://schemas.microsoft.com/office/drawing/2010/main" w="9525">
+                  <a14:hiddenLine xmlns:a14="http://schemas.microsoft.com/office/drawing/2010/main" xmlns="" w="9525">
                     <a:solidFill>
                       <a:srgbClr val="000000"/>
                     </a:solidFill>
@@ -11521,7 +11549,7 @@
               </a:ln>
               <a:extLst>
                 <a:ext uri="{91240B29-F687-4f45-9708-019B960494DF}">
-                  <a14:hiddenLine xmlns="" xmlns:a14="http://schemas.microsoft.com/office/drawing/2010/main" w="9525">
+                  <a14:hiddenLine xmlns:a14="http://schemas.microsoft.com/office/drawing/2010/main" xmlns="" w="9525">
                     <a:solidFill>
                       <a:srgbClr val="000000"/>
                     </a:solidFill>
@@ -11611,7 +11639,7 @@
               </a:ln>
               <a:extLst>
                 <a:ext uri="{91240B29-F687-4f45-9708-019B960494DF}">
-                  <a14:hiddenLine xmlns="" xmlns:a14="http://schemas.microsoft.com/office/drawing/2010/main" w="9525">
+                  <a14:hiddenLine xmlns:a14="http://schemas.microsoft.com/office/drawing/2010/main" xmlns="" w="9525">
                     <a:solidFill>
                       <a:srgbClr val="000000"/>
                     </a:solidFill>
@@ -11679,7 +11707,7 @@
               </a:ln>
               <a:extLst>
                 <a:ext uri="{91240B29-F687-4f45-9708-019B960494DF}">
-                  <a14:hiddenLine xmlns="" xmlns:a14="http://schemas.microsoft.com/office/drawing/2010/main" w="9525">
+                  <a14:hiddenLine xmlns:a14="http://schemas.microsoft.com/office/drawing/2010/main" xmlns="" w="9525">
                     <a:solidFill>
                       <a:srgbClr val="000000"/>
                     </a:solidFill>
@@ -11769,7 +11797,7 @@
               </a:ln>
               <a:extLst>
                 <a:ext uri="{91240B29-F687-4f45-9708-019B960494DF}">
-                  <a14:hiddenLine xmlns="" xmlns:a14="http://schemas.microsoft.com/office/drawing/2010/main" w="9525">
+                  <a14:hiddenLine xmlns:a14="http://schemas.microsoft.com/office/drawing/2010/main" xmlns="" w="9525">
                     <a:solidFill>
                       <a:srgbClr val="000000"/>
                     </a:solidFill>
@@ -11803,7 +11831,7 @@
               </a:ln>
               <a:extLst>
                 <a:ext uri="{91240B29-F687-4f45-9708-019B960494DF}">
-                  <a14:hiddenLine xmlns="" xmlns:a14="http://schemas.microsoft.com/office/drawing/2010/main" w="9525">
+                  <a14:hiddenLine xmlns:a14="http://schemas.microsoft.com/office/drawing/2010/main" xmlns="" w="9525">
                     <a:solidFill>
                       <a:srgbClr val="000000"/>
                     </a:solidFill>
@@ -11944,7 +11972,7 @@
             <a:fld id="{48A87A34-81AB-432B-8DAE-1953F412C126}" type="datetimeFigureOut">
               <a:rPr lang="en-US" dirty="0"/>
               <a:pPr/>
-              <a:t>12/5/2019</a:t>
+              <a:t>12/6/2019</a:t>
             </a:fld>
             <a:endParaRPr lang="en-US" dirty="0"/>
           </a:p>
@@ -12451,7 +12479,7 @@
           <p:cNvPr id="2" name="Title 1">
             <a:extLst>
               <a:ext uri="{FF2B5EF4-FFF2-40B4-BE49-F238E27FC236}">
-                <a16:creationId xmlns:a16="http://schemas.microsoft.com/office/drawing/2014/main" id="{38982483-F467-4B13-8FCF-E5081E0D3611}"/>
+                <a16:creationId xmlns:a16="http://schemas.microsoft.com/office/drawing/2014/main" id="{6040005E-215D-4FDB-9DEC-06BBE68155D4}"/>
               </a:ext>
             </a:extLst>
           </p:cNvPr>
@@ -12479,7 +12507,7 @@
           <p:cNvPr id="3" name="Content Placeholder 2">
             <a:extLst>
               <a:ext uri="{FF2B5EF4-FFF2-40B4-BE49-F238E27FC236}">
-                <a16:creationId xmlns:a16="http://schemas.microsoft.com/office/drawing/2014/main" id="{C8831033-EE6E-4A41-AD4A-472E7A6628CE}"/>
+                <a16:creationId xmlns:a16="http://schemas.microsoft.com/office/drawing/2014/main" id="{B5FA3EE8-FF3C-4D80-A0E4-EA36D1799379}"/>
               </a:ext>
             </a:extLst>
           </p:cNvPr>
@@ -12492,53 +12520,65 @@
         </p:nvSpPr>
         <p:spPr/>
         <p:txBody>
-          <a:bodyPr/>
+          <a:bodyPr>
+            <a:normAutofit lnSpcReduction="10000"/>
+          </a:bodyPr>
           <a:lstStyle/>
           <a:p>
             <a:r>
               <a:rPr lang="en-US" dirty="0"/>
-              <a:t>OSEMN</a:t>
+              <a:t>Python code should be:</a:t>
             </a:r>
           </a:p>
           <a:p>
             <a:pPr lvl="1"/>
             <a:r>
               <a:rPr lang="en-US" dirty="0"/>
-              <a:t>Obtain Data.</a:t>
+              <a:t>Reproducible</a:t>
             </a:r>
           </a:p>
           <a:p>
             <a:pPr lvl="1"/>
             <a:r>
               <a:rPr lang="en-US" dirty="0"/>
-              <a:t>Scrub Data.</a:t>
+              <a:t>Scalable</a:t>
             </a:r>
           </a:p>
           <a:p>
             <a:pPr lvl="1"/>
             <a:r>
               <a:rPr lang="en-US" dirty="0"/>
-              <a:t>Explore Data.</a:t>
+              <a:t>Simple, clear, and concise</a:t>
             </a:r>
           </a:p>
           <a:p>
             <a:pPr lvl="1"/>
             <a:r>
               <a:rPr lang="en-US" dirty="0"/>
-              <a:t>Model Data.</a:t>
+              <a:t>Names should be understandable</a:t>
             </a:r>
           </a:p>
           <a:p>
             <a:pPr lvl="1"/>
             <a:r>
               <a:rPr lang="en-US" dirty="0"/>
-              <a:t>Interpret Data.</a:t>
-            </a:r>
-          </a:p>
-          <a:p>
-            <a:pPr marL="457200" lvl="1" indent="0">
-              <a:buNone/>
-            </a:pPr>
+              <a:t>Function do only one thing</a:t>
+            </a:r>
+          </a:p>
+          <a:p>
+            <a:pPr lvl="1"/>
+            <a:r>
+              <a:rPr lang="en-US" dirty="0"/>
+              <a:t>No repetition</a:t>
+            </a:r>
+          </a:p>
+          <a:p>
+            <a:r>
+              <a:rPr lang="en-US" dirty="0"/>
+              <a:t>Avoid Technical Debt – reworking your code due to initial mistakes</a:t>
+            </a:r>
+          </a:p>
+          <a:p>
             <a:endParaRPr lang="en-US" dirty="0"/>
           </a:p>
         </p:txBody>
@@ -12546,7 +12586,7 @@
     </p:spTree>
     <p:extLst>
       <p:ext uri="{BB962C8B-B14F-4D97-AF65-F5344CB8AC3E}">
-        <p14:creationId xmlns:p14="http://schemas.microsoft.com/office/powerpoint/2010/main" val="2074600108"/>
+        <p14:creationId xmlns:p14="http://schemas.microsoft.com/office/powerpoint/2010/main" val="707760383"/>
       </p:ext>
     </p:extLst>
   </p:cSld>
@@ -12578,7 +12618,7 @@
           <p:cNvPr id="2" name="Title 1">
             <a:extLst>
               <a:ext uri="{FF2B5EF4-FFF2-40B4-BE49-F238E27FC236}">
-                <a16:creationId xmlns:a16="http://schemas.microsoft.com/office/drawing/2014/main" id="{47F1BE82-EAE9-42B9-82B9-17D4AF4D8D55}"/>
+                <a16:creationId xmlns:a16="http://schemas.microsoft.com/office/drawing/2014/main" id="{38982483-F467-4B13-8FCF-E5081E0D3611}"/>
               </a:ext>
             </a:extLst>
           </p:cNvPr>
@@ -12606,7 +12646,7 @@
           <p:cNvPr id="3" name="Content Placeholder 2">
             <a:extLst>
               <a:ext uri="{FF2B5EF4-FFF2-40B4-BE49-F238E27FC236}">
-                <a16:creationId xmlns:a16="http://schemas.microsoft.com/office/drawing/2014/main" id="{6DB4AB15-1926-4032-A409-6F92A9BD5D0B}"/>
+                <a16:creationId xmlns:a16="http://schemas.microsoft.com/office/drawing/2014/main" id="{C8831033-EE6E-4A41-AD4A-472E7A6628CE}"/>
               </a:ext>
             </a:extLst>
           </p:cNvPr>
@@ -12624,49 +12664,56 @@
           <a:p>
             <a:r>
               <a:rPr lang="en-US" dirty="0"/>
-              <a:t>Data Scientist is also an Engineer and Researcher.</a:t>
-            </a:r>
-          </a:p>
-          <a:p>
-            <a:r>
-              <a:rPr lang="en-US" dirty="0"/>
-              <a:t>Agile Manifesto:</a:t>
+              <a:t>OSEMN</a:t>
             </a:r>
           </a:p>
           <a:p>
             <a:pPr lvl="1"/>
             <a:r>
               <a:rPr lang="en-US" dirty="0"/>
-              <a:t>Iterate, iterate, iterate</a:t>
+              <a:t>Obtain Data.</a:t>
             </a:r>
           </a:p>
           <a:p>
             <a:pPr lvl="1"/>
             <a:r>
               <a:rPr lang="en-US" dirty="0"/>
-              <a:t>Ship intermediate output.</a:t>
+              <a:t>Scrub Data.</a:t>
             </a:r>
           </a:p>
           <a:p>
             <a:pPr lvl="1"/>
             <a:r>
               <a:rPr lang="en-US" dirty="0"/>
-              <a:t>Get meta. Describe whole process, not the end results only.</a:t>
+              <a:t>Explore Data.</a:t>
             </a:r>
           </a:p>
           <a:p>
             <a:pPr lvl="1"/>
             <a:r>
               <a:rPr lang="en-US" dirty="0"/>
-              <a:t>Actions, predictions, reports, charts, records.</a:t>
-            </a:r>
+              <a:t>Model Data.</a:t>
+            </a:r>
+          </a:p>
+          <a:p>
+            <a:pPr lvl="1"/>
+            <a:r>
+              <a:rPr lang="en-US" dirty="0"/>
+              <a:t>Interpret Data.</a:t>
+            </a:r>
+          </a:p>
+          <a:p>
+            <a:pPr marL="457200" lvl="1" indent="0">
+              <a:buNone/>
+            </a:pPr>
+            <a:endParaRPr lang="en-US" dirty="0"/>
           </a:p>
         </p:txBody>
       </p:sp>
     </p:spTree>
     <p:extLst>
       <p:ext uri="{BB962C8B-B14F-4D97-AF65-F5344CB8AC3E}">
-        <p14:creationId xmlns:p14="http://schemas.microsoft.com/office/powerpoint/2010/main" val="607413761"/>
+        <p14:creationId xmlns:p14="http://schemas.microsoft.com/office/powerpoint/2010/main" val="2074600108"/>
       </p:ext>
     </p:extLst>
   </p:cSld>
@@ -12698,7 +12745,7 @@
           <p:cNvPr id="2" name="Title 1">
             <a:extLst>
               <a:ext uri="{FF2B5EF4-FFF2-40B4-BE49-F238E27FC236}">
-                <a16:creationId xmlns:a16="http://schemas.microsoft.com/office/drawing/2014/main" id="{6C5F53F5-0266-4C05-B35E-B5FE54EB0D0D}"/>
+                <a16:creationId xmlns:a16="http://schemas.microsoft.com/office/drawing/2014/main" id="{47F1BE82-EAE9-42B9-82B9-17D4AF4D8D55}"/>
               </a:ext>
             </a:extLst>
           </p:cNvPr>
@@ -12726,7 +12773,7 @@
           <p:cNvPr id="3" name="Content Placeholder 2">
             <a:extLst>
               <a:ext uri="{FF2B5EF4-FFF2-40B4-BE49-F238E27FC236}">
-                <a16:creationId xmlns:a16="http://schemas.microsoft.com/office/drawing/2014/main" id="{BD3A1639-225C-4093-93EE-4FB58742B507}"/>
+                <a16:creationId xmlns:a16="http://schemas.microsoft.com/office/drawing/2014/main" id="{6DB4AB15-1926-4032-A409-6F92A9BD5D0B}"/>
               </a:ext>
             </a:extLst>
           </p:cNvPr>
@@ -12739,67 +12786,46 @@
         </p:nvSpPr>
         <p:spPr/>
         <p:txBody>
-          <a:bodyPr>
-            <a:normAutofit fontScale="85000" lnSpcReduction="10000"/>
-          </a:bodyPr>
+          <a:bodyPr/>
           <a:lstStyle/>
           <a:p>
             <a:r>
               <a:rPr lang="en-US" dirty="0"/>
-              <a:t>Process Steps:</a:t>
+              <a:t>Data Scientist is also an Engineer and Researcher.</a:t>
+            </a:r>
+          </a:p>
+          <a:p>
+            <a:r>
+              <a:rPr lang="en-US" dirty="0"/>
+              <a:t>Agile Manifesto:</a:t>
             </a:r>
           </a:p>
           <a:p>
             <a:pPr lvl="1"/>
             <a:r>
               <a:rPr lang="en-US" dirty="0"/>
-              <a:t>API Developer.</a:t>
+              <a:t>Iterate, iterate, iterate</a:t>
             </a:r>
           </a:p>
           <a:p>
             <a:pPr lvl="1"/>
             <a:r>
               <a:rPr lang="en-US" dirty="0"/>
-              <a:t>Web Developer.</a:t>
+              <a:t>Ship intermediate output.</a:t>
             </a:r>
           </a:p>
           <a:p>
             <a:pPr lvl="1"/>
             <a:r>
               <a:rPr lang="en-US" dirty="0"/>
-              <a:t>Visualization Engineer.</a:t>
+              <a:t>Get meta. Describe whole process, not the end results only.</a:t>
             </a:r>
           </a:p>
           <a:p>
             <a:pPr lvl="1"/>
             <a:r>
               <a:rPr lang="en-US" dirty="0"/>
-              <a:t>Designer</a:t>
-            </a:r>
-          </a:p>
-          <a:p>
-            <a:pPr lvl="1"/>
-            <a:r>
-              <a:rPr lang="en-US" dirty="0"/>
-              <a:t>Stakeholder</a:t>
-            </a:r>
-          </a:p>
-          <a:p>
-            <a:r>
-              <a:rPr lang="en-US" dirty="0"/>
-              <a:t>Agile – Incremental approach to software development.</a:t>
-            </a:r>
-          </a:p>
-          <a:p>
-            <a:r>
-              <a:rPr lang="en-US" dirty="0"/>
-              <a:t>User Story. Process Requirements.</a:t>
-            </a:r>
-          </a:p>
-          <a:p>
-            <a:r>
-              <a:rPr lang="en-US" dirty="0"/>
-              <a:t>Task Board. Visual Display of progress. Project Management. </a:t>
+              <a:t>Actions, predictions, reports, charts, records.</a:t>
             </a:r>
           </a:p>
         </p:txBody>
@@ -12807,7 +12833,7 @@
     </p:spTree>
     <p:extLst>
       <p:ext uri="{BB962C8B-B14F-4D97-AF65-F5344CB8AC3E}">
-        <p14:creationId xmlns:p14="http://schemas.microsoft.com/office/powerpoint/2010/main" val="3023057919"/>
+        <p14:creationId xmlns:p14="http://schemas.microsoft.com/office/powerpoint/2010/main" val="607413761"/>
       </p:ext>
     </p:extLst>
   </p:cSld>
@@ -12839,7 +12865,7 @@
           <p:cNvPr id="2" name="Title 1">
             <a:extLst>
               <a:ext uri="{FF2B5EF4-FFF2-40B4-BE49-F238E27FC236}">
-                <a16:creationId xmlns:a16="http://schemas.microsoft.com/office/drawing/2014/main" id="{45E2A4B0-542C-4C72-8219-A3B36868E375}"/>
+                <a16:creationId xmlns:a16="http://schemas.microsoft.com/office/drawing/2014/main" id="{6C5F53F5-0266-4C05-B35E-B5FE54EB0D0D}"/>
               </a:ext>
             </a:extLst>
           </p:cNvPr>
@@ -12857,7 +12883,7 @@
           <a:p>
             <a:r>
               <a:rPr lang="en-US" dirty="0"/>
-              <a:t>Week 4 -  network analysis: centrality measures.</a:t>
+              <a:t>PDF. Data Pipeline. Slide 4.</a:t>
             </a:r>
           </a:p>
         </p:txBody>
@@ -12867,7 +12893,7 @@
           <p:cNvPr id="3" name="Content Placeholder 2">
             <a:extLst>
               <a:ext uri="{FF2B5EF4-FFF2-40B4-BE49-F238E27FC236}">
-                <a16:creationId xmlns:a16="http://schemas.microsoft.com/office/drawing/2014/main" id="{505B35E9-A86A-4A47-BD18-B7AD91A0631C}"/>
+                <a16:creationId xmlns:a16="http://schemas.microsoft.com/office/drawing/2014/main" id="{BD3A1639-225C-4093-93EE-4FB58742B507}"/>
               </a:ext>
             </a:extLst>
           </p:cNvPr>
@@ -12880,52 +12906,67 @@
         </p:nvSpPr>
         <p:spPr/>
         <p:txBody>
-          <a:bodyPr/>
+          <a:bodyPr>
+            <a:normAutofit fontScale="85000" lnSpcReduction="10000"/>
+          </a:bodyPr>
           <a:lstStyle/>
           <a:p>
             <a:r>
               <a:rPr lang="en-US" dirty="0"/>
-              <a:t>SNA for Startups. Ch 3.</a:t>
-            </a:r>
-          </a:p>
-          <a:p>
-            <a:r>
-              <a:rPr lang="en-US" dirty="0"/>
-              <a:t>Assignment – Centrality Measures.</a:t>
+              <a:t>Process Steps:</a:t>
             </a:r>
           </a:p>
           <a:p>
             <a:pPr lvl="1"/>
             <a:r>
               <a:rPr lang="en-US" dirty="0"/>
-              <a:t>ID interesting network data, with at least one categorical variable.</a:t>
+              <a:t>API Developer.</a:t>
             </a:r>
           </a:p>
           <a:p>
             <a:pPr lvl="1"/>
             <a:r>
               <a:rPr lang="en-US" dirty="0"/>
-              <a:t>Plan on how to load data and possible outcome of analysis.</a:t>
-            </a:r>
-          </a:p>
-          <a:p>
-            <a:r>
-              <a:rPr lang="en-US" dirty="0"/>
-              <a:t>Project 1. </a:t>
+              <a:t>Web Developer.</a:t>
             </a:r>
           </a:p>
           <a:p>
             <a:pPr lvl="1"/>
             <a:r>
               <a:rPr lang="en-US" dirty="0"/>
-              <a:t>For each node calculate degree centrality and eigenvector centrality.</a:t>
+              <a:t>Visualization Engineer.</a:t>
             </a:r>
           </a:p>
           <a:p>
             <a:pPr lvl="1"/>
             <a:r>
               <a:rPr lang="en-US" dirty="0"/>
-              <a:t>Compare centrality measure across categorical groups.</a:t>
+              <a:t>Designer</a:t>
+            </a:r>
+          </a:p>
+          <a:p>
+            <a:pPr lvl="1"/>
+            <a:r>
+              <a:rPr lang="en-US" dirty="0"/>
+              <a:t>Stakeholder</a:t>
+            </a:r>
+          </a:p>
+          <a:p>
+            <a:r>
+              <a:rPr lang="en-US" dirty="0"/>
+              <a:t>Agile – Incremental approach to software development.</a:t>
+            </a:r>
+          </a:p>
+          <a:p>
+            <a:r>
+              <a:rPr lang="en-US" dirty="0"/>
+              <a:t>User Story. Process Requirements.</a:t>
+            </a:r>
+          </a:p>
+          <a:p>
+            <a:r>
+              <a:rPr lang="en-US" dirty="0"/>
+              <a:t>Task Board. Visual Display of progress. Project Management. </a:t>
             </a:r>
           </a:p>
         </p:txBody>
@@ -12933,7 +12974,1582 @@
     </p:spTree>
     <p:extLst>
       <p:ext uri="{BB962C8B-B14F-4D97-AF65-F5344CB8AC3E}">
-        <p14:creationId xmlns:p14="http://schemas.microsoft.com/office/powerpoint/2010/main" val="3252580734"/>
+        <p14:creationId xmlns:p14="http://schemas.microsoft.com/office/powerpoint/2010/main" val="3023057919"/>
+      </p:ext>
+    </p:extLst>
+  </p:cSld>
+  <p:clrMapOvr>
+    <a:masterClrMapping/>
+  </p:clrMapOvr>
+</p:sld>
+</file>
+
+<file path=ppt/slides/slide14.xml><?xml version="1.0" encoding="utf-8"?>
+<p:sld xmlns:a="http://schemas.openxmlformats.org/drawingml/2006/main" xmlns:r="http://schemas.openxmlformats.org/officeDocument/2006/relationships" xmlns:p="http://schemas.openxmlformats.org/presentationml/2006/main">
+  <p:cSld>
+    <p:spTree>
+      <p:nvGrpSpPr>
+        <p:cNvPr id="1" name=""/>
+        <p:cNvGrpSpPr/>
+        <p:nvPr/>
+      </p:nvGrpSpPr>
+      <p:grpSpPr>
+        <a:xfrm>
+          <a:off x="0" y="0"/>
+          <a:ext cx="0" cy="0"/>
+          <a:chOff x="0" y="0"/>
+          <a:chExt cx="0" cy="0"/>
+        </a:xfrm>
+      </p:grpSpPr>
+      <p:sp>
+        <p:nvSpPr>
+          <p:cNvPr id="2" name="Title 1">
+            <a:extLst>
+              <a:ext uri="{FF2B5EF4-FFF2-40B4-BE49-F238E27FC236}">
+                <a16:creationId xmlns:a16="http://schemas.microsoft.com/office/drawing/2014/main" id="{96FA8B00-1D6B-4044-98EC-E20DF3973103}"/>
+              </a:ext>
+            </a:extLst>
+          </p:cNvPr>
+          <p:cNvSpPr>
+            <a:spLocks noGrp="1"/>
+          </p:cNvSpPr>
+          <p:nvPr>
+            <p:ph type="title"/>
+          </p:nvPr>
+        </p:nvSpPr>
+        <p:spPr>
+          <a:xfrm>
+            <a:off x="1141413" y="618518"/>
+            <a:ext cx="9905998" cy="1465463"/>
+          </a:xfrm>
+        </p:spPr>
+        <p:txBody>
+          <a:bodyPr/>
+          <a:lstStyle/>
+          <a:p>
+            <a:r>
+              <a:rPr lang="en-US" dirty="0"/>
+              <a:t>Big Data Architecture - AWs</a:t>
+            </a:r>
+          </a:p>
+        </p:txBody>
+      </p:sp>
+      <p:sp>
+        <p:nvSpPr>
+          <p:cNvPr id="3" name="Content Placeholder 2">
+            <a:extLst>
+              <a:ext uri="{FF2B5EF4-FFF2-40B4-BE49-F238E27FC236}">
+                <a16:creationId xmlns:a16="http://schemas.microsoft.com/office/drawing/2014/main" id="{6ADEC81C-91D6-466B-A55F-0DD727235B16}"/>
+              </a:ext>
+            </a:extLst>
+          </p:cNvPr>
+          <p:cNvSpPr>
+            <a:spLocks noGrp="1"/>
+          </p:cNvSpPr>
+          <p:nvPr>
+            <p:ph idx="1"/>
+          </p:nvPr>
+        </p:nvSpPr>
+        <p:spPr>
+          <a:xfrm>
+            <a:off x="1141412" y="2222206"/>
+            <a:ext cx="9905999" cy="3678864"/>
+          </a:xfrm>
+        </p:spPr>
+        <p:txBody>
+          <a:bodyPr>
+            <a:normAutofit fontScale="85000" lnSpcReduction="20000"/>
+          </a:bodyPr>
+          <a:lstStyle/>
+          <a:p>
+            <a:r>
+              <a:rPr lang="en-US" dirty="0"/>
+              <a:t>3 V’s – Variety, Velocity, Volume</a:t>
+            </a:r>
+          </a:p>
+          <a:p>
+            <a:r>
+              <a:rPr lang="en-US" dirty="0"/>
+              <a:t>Big Data Evolution:</a:t>
+            </a:r>
+          </a:p>
+          <a:p>
+            <a:pPr lvl="1"/>
+            <a:r>
+              <a:rPr lang="en-US" dirty="0"/>
+              <a:t>Batch processing</a:t>
+            </a:r>
+          </a:p>
+          <a:p>
+            <a:pPr lvl="1"/>
+            <a:r>
+              <a:rPr lang="en-US" dirty="0"/>
+              <a:t>Stream processing</a:t>
+            </a:r>
+          </a:p>
+          <a:p>
+            <a:pPr lvl="1"/>
+            <a:r>
+              <a:rPr lang="en-US" dirty="0"/>
+              <a:t>Machine learning</a:t>
+            </a:r>
+          </a:p>
+          <a:p>
+            <a:r>
+              <a:rPr lang="en-US" dirty="0"/>
+              <a:t>Cloud Service Evolution:</a:t>
+            </a:r>
+          </a:p>
+          <a:p>
+            <a:pPr lvl="1"/>
+            <a:r>
+              <a:rPr lang="en-US" dirty="0"/>
+              <a:t>Virtual machines</a:t>
+            </a:r>
+          </a:p>
+          <a:p>
+            <a:pPr lvl="1"/>
+            <a:r>
+              <a:rPr lang="en-US" dirty="0"/>
+              <a:t>Managed services</a:t>
+            </a:r>
+          </a:p>
+          <a:p>
+            <a:pPr lvl="1"/>
+            <a:r>
+              <a:rPr lang="en-US" dirty="0"/>
+              <a:t>Serverless</a:t>
+            </a:r>
+            <a:br>
+              <a:rPr lang="en-US" dirty="0"/>
+            </a:br>
+            <a:endParaRPr lang="en-US" dirty="0"/>
+          </a:p>
+        </p:txBody>
+      </p:sp>
+    </p:spTree>
+    <p:extLst>
+      <p:ext uri="{BB962C8B-B14F-4D97-AF65-F5344CB8AC3E}">
+        <p14:creationId xmlns:p14="http://schemas.microsoft.com/office/powerpoint/2010/main" val="1289433627"/>
+      </p:ext>
+    </p:extLst>
+  </p:cSld>
+  <p:clrMapOvr>
+    <a:masterClrMapping/>
+  </p:clrMapOvr>
+</p:sld>
+</file>
+
+<file path=ppt/slides/slide15.xml><?xml version="1.0" encoding="utf-8"?>
+<p:sld xmlns:a="http://schemas.openxmlformats.org/drawingml/2006/main" xmlns:r="http://schemas.openxmlformats.org/officeDocument/2006/relationships" xmlns:p="http://schemas.openxmlformats.org/presentationml/2006/main">
+  <p:cSld>
+    <p:spTree>
+      <p:nvGrpSpPr>
+        <p:cNvPr id="1" name=""/>
+        <p:cNvGrpSpPr/>
+        <p:nvPr/>
+      </p:nvGrpSpPr>
+      <p:grpSpPr>
+        <a:xfrm>
+          <a:off x="0" y="0"/>
+          <a:ext cx="0" cy="0"/>
+          <a:chOff x="0" y="0"/>
+          <a:chExt cx="0" cy="0"/>
+        </a:xfrm>
+      </p:grpSpPr>
+      <p:sp>
+        <p:nvSpPr>
+          <p:cNvPr id="2" name="Title 1">
+            <a:extLst>
+              <a:ext uri="{FF2B5EF4-FFF2-40B4-BE49-F238E27FC236}">
+                <a16:creationId xmlns:a16="http://schemas.microsoft.com/office/drawing/2014/main" id="{033F80EC-45E6-43D3-9EC4-6780D05C736C}"/>
+              </a:ext>
+            </a:extLst>
+          </p:cNvPr>
+          <p:cNvSpPr>
+            <a:spLocks noGrp="1"/>
+          </p:cNvSpPr>
+          <p:nvPr>
+            <p:ph type="title"/>
+          </p:nvPr>
+        </p:nvSpPr>
+        <p:spPr/>
+        <p:txBody>
+          <a:bodyPr/>
+          <a:lstStyle/>
+          <a:p>
+            <a:r>
+              <a:rPr lang="en-US" dirty="0"/>
+              <a:t>Data Lakes</a:t>
+            </a:r>
+          </a:p>
+        </p:txBody>
+      </p:sp>
+      <p:sp>
+        <p:nvSpPr>
+          <p:cNvPr id="3" name="Content Placeholder 2">
+            <a:extLst>
+              <a:ext uri="{FF2B5EF4-FFF2-40B4-BE49-F238E27FC236}">
+                <a16:creationId xmlns:a16="http://schemas.microsoft.com/office/drawing/2014/main" id="{24B1A2FF-FD22-4D05-B0C6-E94D8C024646}"/>
+              </a:ext>
+            </a:extLst>
+          </p:cNvPr>
+          <p:cNvSpPr>
+            <a:spLocks noGrp="1"/>
+          </p:cNvSpPr>
+          <p:nvPr>
+            <p:ph idx="1"/>
+          </p:nvPr>
+        </p:nvSpPr>
+        <p:spPr>
+          <a:xfrm>
+            <a:off x="1141412" y="2249486"/>
+            <a:ext cx="10065304" cy="3989996"/>
+          </a:xfrm>
+        </p:spPr>
+        <p:txBody>
+          <a:bodyPr>
+            <a:normAutofit lnSpcReduction="10000"/>
+          </a:bodyPr>
+          <a:lstStyle/>
+          <a:p>
+            <a:r>
+              <a:rPr lang="en-US" dirty="0"/>
+              <a:t>Increased Agility.</a:t>
+            </a:r>
+          </a:p>
+          <a:p>
+            <a:r>
+              <a:rPr lang="en-US" dirty="0"/>
+              <a:t>New Insights.</a:t>
+            </a:r>
+          </a:p>
+          <a:p>
+            <a:r>
+              <a:rPr lang="en-US" dirty="0"/>
+              <a:t>Improved Scalability.</a:t>
+            </a:r>
+          </a:p>
+          <a:p>
+            <a:r>
+              <a:rPr lang="en-US" dirty="0"/>
+              <a:t>Allows to store all types of data in its raw format.</a:t>
+            </a:r>
+          </a:p>
+          <a:p>
+            <a:r>
+              <a:rPr lang="en-US" dirty="0"/>
+              <a:t>Allows to create Refined, Standardized, Trusted datasets</a:t>
+            </a:r>
+          </a:p>
+          <a:p>
+            <a:r>
+              <a:rPr lang="en-US" dirty="0"/>
+              <a:t>Data architecture modernization</a:t>
+            </a:r>
+          </a:p>
+          <a:p>
+            <a:pPr lvl="1"/>
+            <a:r>
+              <a:rPr lang="en-US" dirty="0"/>
+              <a:t>Traditional: Sources</a:t>
+            </a:r>
+          </a:p>
+          <a:p>
+            <a:pPr lvl="1"/>
+            <a:r>
+              <a:rPr lang="en-US" dirty="0"/>
+              <a:t>Modern: Streaming/Unstructured Data/Various Sources</a:t>
+            </a:r>
+          </a:p>
+          <a:p>
+            <a:endParaRPr lang="en-US" dirty="0"/>
+          </a:p>
+        </p:txBody>
+      </p:sp>
+      <p:sp>
+        <p:nvSpPr>
+          <p:cNvPr id="7" name="Arrow: Right 6">
+            <a:extLst>
+              <a:ext uri="{FF2B5EF4-FFF2-40B4-BE49-F238E27FC236}">
+                <a16:creationId xmlns:a16="http://schemas.microsoft.com/office/drawing/2014/main" id="{DEDEE88E-4A5A-4B17-82E3-2B168DE10BDC}"/>
+              </a:ext>
+            </a:extLst>
+          </p:cNvPr>
+          <p:cNvSpPr/>
+          <p:nvPr/>
+        </p:nvSpPr>
+        <p:spPr>
+          <a:xfrm>
+            <a:off x="3995547" y="5401338"/>
+            <a:ext cx="861238" cy="369332"/>
+          </a:xfrm>
+          <a:prstGeom prst="rightArrow">
+            <a:avLst/>
+          </a:prstGeom>
+          <a:ln>
+            <a:solidFill>
+              <a:srgbClr val="002060"/>
+            </a:solidFill>
+          </a:ln>
+        </p:spPr>
+        <p:style>
+          <a:lnRef idx="2">
+            <a:schemeClr val="accent1">
+              <a:shade val="50000"/>
+            </a:schemeClr>
+          </a:lnRef>
+          <a:fillRef idx="1">
+            <a:schemeClr val="accent1"/>
+          </a:fillRef>
+          <a:effectRef idx="0">
+            <a:schemeClr val="accent1"/>
+          </a:effectRef>
+          <a:fontRef idx="minor">
+            <a:schemeClr val="lt1"/>
+          </a:fontRef>
+        </p:style>
+        <p:txBody>
+          <a:bodyPr rtlCol="0" anchor="ctr"/>
+          <a:lstStyle/>
+          <a:p>
+            <a:pPr algn="ctr"/>
+            <a:endParaRPr lang="en-US"/>
+          </a:p>
+        </p:txBody>
+      </p:sp>
+      <p:sp>
+        <p:nvSpPr>
+          <p:cNvPr id="8" name="TextBox 7">
+            <a:extLst>
+              <a:ext uri="{FF2B5EF4-FFF2-40B4-BE49-F238E27FC236}">
+                <a16:creationId xmlns:a16="http://schemas.microsoft.com/office/drawing/2014/main" id="{90CE4D11-720A-4F01-AE7A-6CEFFD46AB8B}"/>
+              </a:ext>
+            </a:extLst>
+          </p:cNvPr>
+          <p:cNvSpPr txBox="1"/>
+          <p:nvPr/>
+        </p:nvSpPr>
+        <p:spPr>
+          <a:xfrm>
+            <a:off x="4903908" y="5401338"/>
+            <a:ext cx="584790" cy="369332"/>
+          </a:xfrm>
+          <a:prstGeom prst="rect">
+            <a:avLst/>
+          </a:prstGeom>
+          <a:noFill/>
+        </p:spPr>
+        <p:txBody>
+          <a:bodyPr wrap="square" rtlCol="0">
+            <a:spAutoFit/>
+          </a:bodyPr>
+          <a:lstStyle/>
+          <a:p>
+            <a:r>
+              <a:rPr lang="en-US" dirty="0"/>
+              <a:t>ETL</a:t>
+            </a:r>
+          </a:p>
+        </p:txBody>
+      </p:sp>
+      <p:sp>
+        <p:nvSpPr>
+          <p:cNvPr id="9" name="Arrow: Right 8">
+            <a:extLst>
+              <a:ext uri="{FF2B5EF4-FFF2-40B4-BE49-F238E27FC236}">
+                <a16:creationId xmlns:a16="http://schemas.microsoft.com/office/drawing/2014/main" id="{F6865F6B-CDB8-48EF-97E4-E55E198BC3AE}"/>
+              </a:ext>
+            </a:extLst>
+          </p:cNvPr>
+          <p:cNvSpPr/>
+          <p:nvPr/>
+        </p:nvSpPr>
+        <p:spPr>
+          <a:xfrm>
+            <a:off x="5391859" y="5348731"/>
+            <a:ext cx="754912" cy="418580"/>
+          </a:xfrm>
+          <a:prstGeom prst="rightArrow">
+            <a:avLst/>
+          </a:prstGeom>
+          <a:ln>
+            <a:solidFill>
+              <a:srgbClr val="002060"/>
+            </a:solidFill>
+          </a:ln>
+        </p:spPr>
+        <p:style>
+          <a:lnRef idx="2">
+            <a:schemeClr val="accent1">
+              <a:shade val="50000"/>
+            </a:schemeClr>
+          </a:lnRef>
+          <a:fillRef idx="1">
+            <a:schemeClr val="accent1"/>
+          </a:fillRef>
+          <a:effectRef idx="0">
+            <a:schemeClr val="accent1"/>
+          </a:effectRef>
+          <a:fontRef idx="minor">
+            <a:schemeClr val="lt1"/>
+          </a:fontRef>
+        </p:style>
+        <p:txBody>
+          <a:bodyPr rtlCol="0" anchor="ctr"/>
+          <a:lstStyle/>
+          <a:p>
+            <a:pPr algn="ctr"/>
+            <a:endParaRPr lang="en-US"/>
+          </a:p>
+        </p:txBody>
+      </p:sp>
+      <p:sp>
+        <p:nvSpPr>
+          <p:cNvPr id="10" name="TextBox 9">
+            <a:extLst>
+              <a:ext uri="{FF2B5EF4-FFF2-40B4-BE49-F238E27FC236}">
+                <a16:creationId xmlns:a16="http://schemas.microsoft.com/office/drawing/2014/main" id="{F23D4263-B271-4E6B-9563-439A07A62D1D}"/>
+              </a:ext>
+            </a:extLst>
+          </p:cNvPr>
+          <p:cNvSpPr txBox="1"/>
+          <p:nvPr/>
+        </p:nvSpPr>
+        <p:spPr>
+          <a:xfrm>
+            <a:off x="6120578" y="5376715"/>
+            <a:ext cx="754912" cy="369332"/>
+          </a:xfrm>
+          <a:prstGeom prst="rect">
+            <a:avLst/>
+          </a:prstGeom>
+          <a:noFill/>
+        </p:spPr>
+        <p:txBody>
+          <a:bodyPr wrap="square" rtlCol="0">
+            <a:spAutoFit/>
+          </a:bodyPr>
+          <a:lstStyle/>
+          <a:p>
+            <a:r>
+              <a:rPr lang="en-US" dirty="0"/>
+              <a:t>EDW</a:t>
+            </a:r>
+          </a:p>
+        </p:txBody>
+      </p:sp>
+      <p:sp>
+        <p:nvSpPr>
+          <p:cNvPr id="11" name="Arrow: Right 10">
+            <a:extLst>
+              <a:ext uri="{FF2B5EF4-FFF2-40B4-BE49-F238E27FC236}">
+                <a16:creationId xmlns:a16="http://schemas.microsoft.com/office/drawing/2014/main" id="{DAFF5768-7FC1-4547-9A23-5BFC1D17272B}"/>
+              </a:ext>
+            </a:extLst>
+          </p:cNvPr>
+          <p:cNvSpPr/>
+          <p:nvPr/>
+        </p:nvSpPr>
+        <p:spPr>
+          <a:xfrm>
+            <a:off x="6780315" y="5310463"/>
+            <a:ext cx="754912" cy="417733"/>
+          </a:xfrm>
+          <a:prstGeom prst="rightArrow">
+            <a:avLst/>
+          </a:prstGeom>
+          <a:ln>
+            <a:solidFill>
+              <a:srgbClr val="002060"/>
+            </a:solidFill>
+          </a:ln>
+        </p:spPr>
+        <p:style>
+          <a:lnRef idx="2">
+            <a:schemeClr val="accent1">
+              <a:shade val="50000"/>
+            </a:schemeClr>
+          </a:lnRef>
+          <a:fillRef idx="1">
+            <a:schemeClr val="accent1"/>
+          </a:fillRef>
+          <a:effectRef idx="0">
+            <a:schemeClr val="accent1"/>
+          </a:effectRef>
+          <a:fontRef idx="minor">
+            <a:schemeClr val="lt1"/>
+          </a:fontRef>
+        </p:style>
+        <p:txBody>
+          <a:bodyPr rtlCol="0" anchor="ctr"/>
+          <a:lstStyle/>
+          <a:p>
+            <a:pPr algn="ctr"/>
+            <a:endParaRPr lang="en-US"/>
+          </a:p>
+        </p:txBody>
+      </p:sp>
+      <p:sp>
+        <p:nvSpPr>
+          <p:cNvPr id="12" name="TextBox 11">
+            <a:extLst>
+              <a:ext uri="{FF2B5EF4-FFF2-40B4-BE49-F238E27FC236}">
+                <a16:creationId xmlns:a16="http://schemas.microsoft.com/office/drawing/2014/main" id="{E6E5C8C7-DA40-4AD0-BE9D-6867A6C14C9C}"/>
+              </a:ext>
+            </a:extLst>
+          </p:cNvPr>
+          <p:cNvSpPr txBox="1"/>
+          <p:nvPr/>
+        </p:nvSpPr>
+        <p:spPr>
+          <a:xfrm>
+            <a:off x="7507370" y="5337546"/>
+            <a:ext cx="754912" cy="418580"/>
+          </a:xfrm>
+          <a:prstGeom prst="rect">
+            <a:avLst/>
+          </a:prstGeom>
+          <a:noFill/>
+        </p:spPr>
+        <p:txBody>
+          <a:bodyPr wrap="square" rtlCol="0">
+            <a:noAutofit/>
+          </a:bodyPr>
+          <a:lstStyle/>
+          <a:p>
+            <a:r>
+              <a:rPr lang="en-US" dirty="0"/>
+              <a:t>BI</a:t>
+            </a:r>
+          </a:p>
+        </p:txBody>
+      </p:sp>
+      <p:sp>
+        <p:nvSpPr>
+          <p:cNvPr id="13" name="Arrow: Right 12">
+            <a:extLst>
+              <a:ext uri="{FF2B5EF4-FFF2-40B4-BE49-F238E27FC236}">
+                <a16:creationId xmlns:a16="http://schemas.microsoft.com/office/drawing/2014/main" id="{8BF54BF2-C5C8-4D3F-92F4-C641760BFFF2}"/>
+              </a:ext>
+            </a:extLst>
+          </p:cNvPr>
+          <p:cNvSpPr/>
+          <p:nvPr/>
+        </p:nvSpPr>
+        <p:spPr>
+          <a:xfrm>
+            <a:off x="7557308" y="5838560"/>
+            <a:ext cx="553709" cy="293801"/>
+          </a:xfrm>
+          <a:prstGeom prst="rightArrow">
+            <a:avLst/>
+          </a:prstGeom>
+          <a:ln>
+            <a:solidFill>
+              <a:schemeClr val="bg1"/>
+            </a:solidFill>
+          </a:ln>
+        </p:spPr>
+        <p:style>
+          <a:lnRef idx="2">
+            <a:schemeClr val="accent1">
+              <a:shade val="50000"/>
+            </a:schemeClr>
+          </a:lnRef>
+          <a:fillRef idx="1">
+            <a:schemeClr val="accent1"/>
+          </a:fillRef>
+          <a:effectRef idx="0">
+            <a:schemeClr val="accent1"/>
+          </a:effectRef>
+          <a:fontRef idx="minor">
+            <a:schemeClr val="lt1"/>
+          </a:fontRef>
+        </p:style>
+        <p:txBody>
+          <a:bodyPr rtlCol="0" anchor="ctr"/>
+          <a:lstStyle/>
+          <a:p>
+            <a:pPr algn="ctr"/>
+            <a:endParaRPr lang="en-US" dirty="0"/>
+          </a:p>
+        </p:txBody>
+      </p:sp>
+      <p:sp>
+        <p:nvSpPr>
+          <p:cNvPr id="14" name="TextBox 13">
+            <a:extLst>
+              <a:ext uri="{FF2B5EF4-FFF2-40B4-BE49-F238E27FC236}">
+                <a16:creationId xmlns:a16="http://schemas.microsoft.com/office/drawing/2014/main" id="{3B0D8E2B-B59F-43C0-9B78-0EBB1BC8221C}"/>
+              </a:ext>
+            </a:extLst>
+          </p:cNvPr>
+          <p:cNvSpPr txBox="1"/>
+          <p:nvPr/>
+        </p:nvSpPr>
+        <p:spPr>
+          <a:xfrm>
+            <a:off x="8068317" y="5778433"/>
+            <a:ext cx="1232560" cy="438741"/>
+          </a:xfrm>
+          <a:prstGeom prst="rect">
+            <a:avLst/>
+          </a:prstGeom>
+          <a:noFill/>
+        </p:spPr>
+        <p:txBody>
+          <a:bodyPr wrap="square" rtlCol="0">
+            <a:noAutofit/>
+          </a:bodyPr>
+          <a:lstStyle/>
+          <a:p>
+            <a:r>
+              <a:rPr lang="en-US" dirty="0"/>
+              <a:t>Data Lake</a:t>
+            </a:r>
+          </a:p>
+        </p:txBody>
+      </p:sp>
+      <p:sp>
+        <p:nvSpPr>
+          <p:cNvPr id="15" name="Arrow: Right 14">
+            <a:extLst>
+              <a:ext uri="{FF2B5EF4-FFF2-40B4-BE49-F238E27FC236}">
+                <a16:creationId xmlns:a16="http://schemas.microsoft.com/office/drawing/2014/main" id="{ED583E83-3B3F-4CA7-8CEC-96730E08C22B}"/>
+              </a:ext>
+            </a:extLst>
+          </p:cNvPr>
+          <p:cNvSpPr/>
+          <p:nvPr/>
+        </p:nvSpPr>
+        <p:spPr>
+          <a:xfrm>
+            <a:off x="9130848" y="5842472"/>
+            <a:ext cx="600647" cy="293801"/>
+          </a:xfrm>
+          <a:prstGeom prst="rightArrow">
+            <a:avLst/>
+          </a:prstGeom>
+          <a:ln>
+            <a:solidFill>
+              <a:schemeClr val="bg1"/>
+            </a:solidFill>
+          </a:ln>
+        </p:spPr>
+        <p:style>
+          <a:lnRef idx="2">
+            <a:schemeClr val="accent1">
+              <a:shade val="50000"/>
+            </a:schemeClr>
+          </a:lnRef>
+          <a:fillRef idx="1">
+            <a:schemeClr val="accent1"/>
+          </a:fillRef>
+          <a:effectRef idx="0">
+            <a:schemeClr val="accent1"/>
+          </a:effectRef>
+          <a:fontRef idx="minor">
+            <a:schemeClr val="lt1"/>
+          </a:fontRef>
+        </p:style>
+        <p:txBody>
+          <a:bodyPr rtlCol="0" anchor="ctr"/>
+          <a:lstStyle/>
+          <a:p>
+            <a:pPr algn="ctr"/>
+            <a:endParaRPr lang="en-US"/>
+          </a:p>
+        </p:txBody>
+      </p:sp>
+      <p:sp>
+        <p:nvSpPr>
+          <p:cNvPr id="16" name="TextBox 15">
+            <a:extLst>
+              <a:ext uri="{FF2B5EF4-FFF2-40B4-BE49-F238E27FC236}">
+                <a16:creationId xmlns:a16="http://schemas.microsoft.com/office/drawing/2014/main" id="{9EB1AD83-08F4-426A-8C6B-54E3361392F1}"/>
+              </a:ext>
+            </a:extLst>
+          </p:cNvPr>
+          <p:cNvSpPr txBox="1"/>
+          <p:nvPr/>
+        </p:nvSpPr>
+        <p:spPr>
+          <a:xfrm>
+            <a:off x="9666348" y="5800794"/>
+            <a:ext cx="744279" cy="369332"/>
+          </a:xfrm>
+          <a:prstGeom prst="rect">
+            <a:avLst/>
+          </a:prstGeom>
+          <a:noFill/>
+        </p:spPr>
+        <p:txBody>
+          <a:bodyPr wrap="square" rtlCol="0">
+            <a:spAutoFit/>
+          </a:bodyPr>
+          <a:lstStyle/>
+          <a:p>
+            <a:r>
+              <a:rPr lang="en-US" dirty="0"/>
+              <a:t>EDW</a:t>
+            </a:r>
+          </a:p>
+        </p:txBody>
+      </p:sp>
+      <p:sp>
+        <p:nvSpPr>
+          <p:cNvPr id="17" name="Arrow: Right 16">
+            <a:extLst>
+              <a:ext uri="{FF2B5EF4-FFF2-40B4-BE49-F238E27FC236}">
+                <a16:creationId xmlns:a16="http://schemas.microsoft.com/office/drawing/2014/main" id="{4026D5C1-2053-492A-8C5B-DAD5F689390B}"/>
+              </a:ext>
+            </a:extLst>
+          </p:cNvPr>
+          <p:cNvSpPr/>
+          <p:nvPr/>
+        </p:nvSpPr>
+        <p:spPr>
+          <a:xfrm>
+            <a:off x="10232389" y="5778433"/>
+            <a:ext cx="665259" cy="369333"/>
+          </a:xfrm>
+          <a:prstGeom prst="rightArrow">
+            <a:avLst/>
+          </a:prstGeom>
+          <a:ln>
+            <a:solidFill>
+              <a:schemeClr val="bg1"/>
+            </a:solidFill>
+          </a:ln>
+        </p:spPr>
+        <p:style>
+          <a:lnRef idx="2">
+            <a:schemeClr val="accent1">
+              <a:shade val="50000"/>
+            </a:schemeClr>
+          </a:lnRef>
+          <a:fillRef idx="1">
+            <a:schemeClr val="accent1"/>
+          </a:fillRef>
+          <a:effectRef idx="0">
+            <a:schemeClr val="accent1"/>
+          </a:effectRef>
+          <a:fontRef idx="minor">
+            <a:schemeClr val="lt1"/>
+          </a:fontRef>
+        </p:style>
+        <p:txBody>
+          <a:bodyPr rtlCol="0" anchor="ctr"/>
+          <a:lstStyle/>
+          <a:p>
+            <a:pPr algn="ctr"/>
+            <a:endParaRPr lang="en-US"/>
+          </a:p>
+        </p:txBody>
+      </p:sp>
+      <p:sp>
+        <p:nvSpPr>
+          <p:cNvPr id="18" name="TextBox 17">
+            <a:extLst>
+              <a:ext uri="{FF2B5EF4-FFF2-40B4-BE49-F238E27FC236}">
+                <a16:creationId xmlns:a16="http://schemas.microsoft.com/office/drawing/2014/main" id="{E91DBE3F-B18A-491D-AA07-D4456010A8AC}"/>
+              </a:ext>
+            </a:extLst>
+          </p:cNvPr>
+          <p:cNvSpPr txBox="1"/>
+          <p:nvPr/>
+        </p:nvSpPr>
+        <p:spPr>
+          <a:xfrm>
+            <a:off x="10911521" y="5778433"/>
+            <a:ext cx="552168" cy="369332"/>
+          </a:xfrm>
+          <a:prstGeom prst="rect">
+            <a:avLst/>
+          </a:prstGeom>
+          <a:noFill/>
+        </p:spPr>
+        <p:txBody>
+          <a:bodyPr wrap="square" rtlCol="0">
+            <a:spAutoFit/>
+          </a:bodyPr>
+          <a:lstStyle/>
+          <a:p>
+            <a:r>
+              <a:rPr lang="en-US" dirty="0"/>
+              <a:t>BI</a:t>
+            </a:r>
+          </a:p>
+        </p:txBody>
+      </p:sp>
+    </p:spTree>
+    <p:extLst>
+      <p:ext uri="{BB962C8B-B14F-4D97-AF65-F5344CB8AC3E}">
+        <p14:creationId xmlns:p14="http://schemas.microsoft.com/office/powerpoint/2010/main" val="2817258524"/>
+      </p:ext>
+    </p:extLst>
+  </p:cSld>
+  <p:clrMapOvr>
+    <a:masterClrMapping/>
+  </p:clrMapOvr>
+</p:sld>
+</file>
+
+<file path=ppt/slides/slide16.xml><?xml version="1.0" encoding="utf-8"?>
+<p:sld xmlns:a="http://schemas.openxmlformats.org/drawingml/2006/main" xmlns:r="http://schemas.openxmlformats.org/officeDocument/2006/relationships" xmlns:p="http://schemas.openxmlformats.org/presentationml/2006/main">
+  <p:cSld>
+    <p:spTree>
+      <p:nvGrpSpPr>
+        <p:cNvPr id="1" name=""/>
+        <p:cNvGrpSpPr/>
+        <p:nvPr/>
+      </p:nvGrpSpPr>
+      <p:grpSpPr>
+        <a:xfrm>
+          <a:off x="0" y="0"/>
+          <a:ext cx="0" cy="0"/>
+          <a:chOff x="0" y="0"/>
+          <a:chExt cx="0" cy="0"/>
+        </a:xfrm>
+      </p:grpSpPr>
+      <p:sp>
+        <p:nvSpPr>
+          <p:cNvPr id="2" name="Title 1">
+            <a:extLst>
+              <a:ext uri="{FF2B5EF4-FFF2-40B4-BE49-F238E27FC236}">
+                <a16:creationId xmlns:a16="http://schemas.microsoft.com/office/drawing/2014/main" id="{D6754A88-6453-4E2D-A201-554F69747EE2}"/>
+              </a:ext>
+            </a:extLst>
+          </p:cNvPr>
+          <p:cNvSpPr>
+            <a:spLocks noGrp="1"/>
+          </p:cNvSpPr>
+          <p:nvPr>
+            <p:ph type="title"/>
+          </p:nvPr>
+        </p:nvSpPr>
+        <p:spPr/>
+        <p:txBody>
+          <a:bodyPr/>
+          <a:lstStyle/>
+          <a:p>
+            <a:r>
+              <a:rPr lang="en-US" dirty="0"/>
+              <a:t>HW 2. Slide 1.</a:t>
+            </a:r>
+          </a:p>
+        </p:txBody>
+      </p:sp>
+      <p:sp>
+        <p:nvSpPr>
+          <p:cNvPr id="3" name="Content Placeholder 2">
+            <a:extLst>
+              <a:ext uri="{FF2B5EF4-FFF2-40B4-BE49-F238E27FC236}">
+                <a16:creationId xmlns:a16="http://schemas.microsoft.com/office/drawing/2014/main" id="{A1500803-E698-4D6E-8880-D89FEBC01143}"/>
+              </a:ext>
+            </a:extLst>
+          </p:cNvPr>
+          <p:cNvSpPr>
+            <a:spLocks noGrp="1"/>
+          </p:cNvSpPr>
+          <p:nvPr>
+            <p:ph idx="1"/>
+          </p:nvPr>
+        </p:nvSpPr>
+        <p:spPr/>
+        <p:txBody>
+          <a:bodyPr>
+            <a:normAutofit fontScale="92500" lnSpcReduction="10000"/>
+          </a:bodyPr>
+          <a:lstStyle/>
+          <a:p>
+            <a:r>
+              <a:rPr lang="en-US" dirty="0"/>
+              <a:t>Required Reading</a:t>
+            </a:r>
+          </a:p>
+          <a:p>
+            <a:pPr lvl="1"/>
+            <a:r>
+              <a:rPr lang="en-US" dirty="0"/>
+              <a:t>Deep Learning Book. Chapter 4.</a:t>
+            </a:r>
+          </a:p>
+          <a:p>
+            <a:pPr lvl="1"/>
+            <a:r>
+              <a:rPr lang="en-US" dirty="0"/>
+              <a:t>Deep Learning Book. Chapter 5. </a:t>
+            </a:r>
+          </a:p>
+          <a:p>
+            <a:pPr lvl="1"/>
+            <a:r>
+              <a:rPr lang="en-US" dirty="0"/>
+              <a:t>Agile Data Science 2.0. Ch 1.</a:t>
+            </a:r>
+          </a:p>
+          <a:p>
+            <a:r>
+              <a:rPr lang="en-US" dirty="0"/>
+              <a:t>Date Pipeline using Python</a:t>
+            </a:r>
+          </a:p>
+          <a:p>
+            <a:pPr lvl="1"/>
+            <a:r>
+              <a:rPr lang="en-US" dirty="0"/>
+              <a:t>Build a data pipeline in Python that</a:t>
+            </a:r>
+          </a:p>
+          <a:p>
+            <a:pPr lvl="2"/>
+            <a:r>
+              <a:rPr lang="en-US" dirty="0"/>
+              <a:t>Downloads data using the </a:t>
+            </a:r>
+            <a:r>
+              <a:rPr lang="en-US" dirty="0" err="1"/>
+              <a:t>urls</a:t>
+            </a:r>
+            <a:r>
+              <a:rPr lang="en-US" dirty="0"/>
+              <a:t> below</a:t>
+            </a:r>
+          </a:p>
+          <a:p>
+            <a:pPr lvl="2"/>
+            <a:r>
+              <a:rPr lang="en-US" dirty="0"/>
+              <a:t>Trains random forest model on the training dataset using </a:t>
+            </a:r>
+            <a:r>
+              <a:rPr lang="en-US" dirty="0" err="1"/>
+              <a:t>sklearn</a:t>
+            </a:r>
+            <a:endParaRPr lang="en-US" dirty="0"/>
+          </a:p>
+          <a:p>
+            <a:pPr lvl="2"/>
+            <a:r>
+              <a:rPr lang="en-US" dirty="0"/>
+              <a:t>And scores the model on the test dataset.</a:t>
+            </a:r>
+          </a:p>
+          <a:p>
+            <a:pPr marL="914400" lvl="2" indent="0">
+              <a:buNone/>
+            </a:pPr>
+            <a:endParaRPr lang="en-US" dirty="0"/>
+          </a:p>
+          <a:p>
+            <a:pPr lvl="2"/>
+            <a:endParaRPr lang="en-US" dirty="0"/>
+          </a:p>
+        </p:txBody>
+      </p:sp>
+    </p:spTree>
+    <p:extLst>
+      <p:ext uri="{BB962C8B-B14F-4D97-AF65-F5344CB8AC3E}">
+        <p14:creationId xmlns:p14="http://schemas.microsoft.com/office/powerpoint/2010/main" val="806394416"/>
+      </p:ext>
+    </p:extLst>
+  </p:cSld>
+  <p:clrMapOvr>
+    <a:masterClrMapping/>
+  </p:clrMapOvr>
+</p:sld>
+</file>
+
+<file path=ppt/slides/slide17.xml><?xml version="1.0" encoding="utf-8"?>
+<p:sld xmlns:a="http://schemas.openxmlformats.org/drawingml/2006/main" xmlns:r="http://schemas.openxmlformats.org/officeDocument/2006/relationships" xmlns:p="http://schemas.openxmlformats.org/presentationml/2006/main">
+  <p:cSld>
+    <p:spTree>
+      <p:nvGrpSpPr>
+        <p:cNvPr id="1" name=""/>
+        <p:cNvGrpSpPr/>
+        <p:nvPr/>
+      </p:nvGrpSpPr>
+      <p:grpSpPr>
+        <a:xfrm>
+          <a:off x="0" y="0"/>
+          <a:ext cx="0" cy="0"/>
+          <a:chOff x="0" y="0"/>
+          <a:chExt cx="0" cy="0"/>
+        </a:xfrm>
+      </p:grpSpPr>
+      <p:sp>
+        <p:nvSpPr>
+          <p:cNvPr id="2" name="Title 1">
+            <a:extLst>
+              <a:ext uri="{FF2B5EF4-FFF2-40B4-BE49-F238E27FC236}">
+                <a16:creationId xmlns:a16="http://schemas.microsoft.com/office/drawing/2014/main" id="{872E7011-706D-48EA-A647-12DEFBEA9C73}"/>
+              </a:ext>
+            </a:extLst>
+          </p:cNvPr>
+          <p:cNvSpPr>
+            <a:spLocks noGrp="1"/>
+          </p:cNvSpPr>
+          <p:nvPr>
+            <p:ph type="title"/>
+          </p:nvPr>
+        </p:nvSpPr>
+        <p:spPr/>
+        <p:txBody>
+          <a:bodyPr/>
+          <a:lstStyle/>
+          <a:p>
+            <a:r>
+              <a:rPr lang="en-US" dirty="0"/>
+              <a:t>HW 2. Slide 2.</a:t>
+            </a:r>
+          </a:p>
+        </p:txBody>
+      </p:sp>
+      <p:sp>
+        <p:nvSpPr>
+          <p:cNvPr id="3" name="Content Placeholder 2">
+            <a:extLst>
+              <a:ext uri="{FF2B5EF4-FFF2-40B4-BE49-F238E27FC236}">
+                <a16:creationId xmlns:a16="http://schemas.microsoft.com/office/drawing/2014/main" id="{5CCDA292-B35B-4292-86C7-41C1F6F5B4E7}"/>
+              </a:ext>
+            </a:extLst>
+          </p:cNvPr>
+          <p:cNvSpPr>
+            <a:spLocks noGrp="1"/>
+          </p:cNvSpPr>
+          <p:nvPr>
+            <p:ph idx="1"/>
+          </p:nvPr>
+        </p:nvSpPr>
+        <p:spPr/>
+        <p:txBody>
+          <a:bodyPr>
+            <a:normAutofit fontScale="85000" lnSpcReduction="20000"/>
+          </a:bodyPr>
+          <a:lstStyle/>
+          <a:p>
+            <a:r>
+              <a:rPr lang="en-US" dirty="0"/>
+              <a:t>Date Pipeline using Python</a:t>
+            </a:r>
+          </a:p>
+          <a:p>
+            <a:pPr lvl="1"/>
+            <a:r>
+              <a:rPr lang="en-US" dirty="0"/>
+              <a:t>Scoring Rubric. The HW will be scored based on:</a:t>
+            </a:r>
+          </a:p>
+          <a:p>
+            <a:pPr lvl="2"/>
+            <a:r>
+              <a:rPr lang="en-US" dirty="0"/>
+              <a:t>Code efficiency (hint: use functions, not stream of consciousness coding).</a:t>
+            </a:r>
+          </a:p>
+          <a:p>
+            <a:pPr lvl="2"/>
+            <a:r>
+              <a:rPr lang="en-US" dirty="0"/>
+              <a:t>Code </a:t>
+            </a:r>
+            <a:r>
+              <a:rPr lang="en-US" dirty="0" err="1"/>
+              <a:t>cleaniless</a:t>
+            </a:r>
+            <a:r>
+              <a:rPr lang="en-US" dirty="0"/>
+              <a:t>.</a:t>
+            </a:r>
+          </a:p>
+          <a:p>
+            <a:pPr lvl="2"/>
+            <a:r>
+              <a:rPr lang="en-US" dirty="0"/>
+              <a:t>And critical thinking.</a:t>
+            </a:r>
+          </a:p>
+          <a:p>
+            <a:pPr lvl="1"/>
+            <a:r>
+              <a:rPr lang="en-US" dirty="0"/>
+              <a:t>Instructions. Submit the following 5 items on </a:t>
+            </a:r>
+            <a:r>
+              <a:rPr lang="en-US" dirty="0" err="1"/>
+              <a:t>github</a:t>
+            </a:r>
+            <a:r>
+              <a:rPr lang="en-US" dirty="0"/>
+              <a:t>.</a:t>
+            </a:r>
+          </a:p>
+          <a:p>
+            <a:pPr lvl="2"/>
+            <a:r>
+              <a:rPr lang="en-US" dirty="0"/>
+              <a:t>ReadMe.md</a:t>
+            </a:r>
+          </a:p>
+          <a:p>
+            <a:pPr lvl="2"/>
+            <a:r>
+              <a:rPr lang="en-US" dirty="0"/>
+              <a:t>requirements.txt</a:t>
+            </a:r>
+          </a:p>
+          <a:p>
+            <a:pPr lvl="2"/>
+            <a:r>
+              <a:rPr lang="en-US" dirty="0"/>
+              <a:t>Pull_data.py</a:t>
+            </a:r>
+          </a:p>
+          <a:p>
+            <a:pPr lvl="2"/>
+            <a:r>
+              <a:rPr lang="en-US" dirty="0"/>
+              <a:t>Train_model.py</a:t>
+            </a:r>
+          </a:p>
+          <a:p>
+            <a:pPr lvl="2"/>
+            <a:r>
+              <a:rPr lang="en-US" dirty="0"/>
+              <a:t>Score_model.py</a:t>
+            </a:r>
+          </a:p>
+          <a:p>
+            <a:pPr lvl="2"/>
+            <a:endParaRPr lang="en-US" dirty="0"/>
+          </a:p>
+          <a:p>
+            <a:pPr lvl="2"/>
+            <a:endParaRPr lang="en-US" dirty="0"/>
+          </a:p>
+        </p:txBody>
+      </p:sp>
+    </p:spTree>
+    <p:extLst>
+      <p:ext uri="{BB962C8B-B14F-4D97-AF65-F5344CB8AC3E}">
+        <p14:creationId xmlns:p14="http://schemas.microsoft.com/office/powerpoint/2010/main" val="4027266618"/>
+      </p:ext>
+    </p:extLst>
+  </p:cSld>
+  <p:clrMapOvr>
+    <a:masterClrMapping/>
+  </p:clrMapOvr>
+</p:sld>
+</file>
+
+<file path=ppt/slides/slide18.xml><?xml version="1.0" encoding="utf-8"?>
+<p:sld xmlns:a="http://schemas.openxmlformats.org/drawingml/2006/main" xmlns:r="http://schemas.openxmlformats.org/officeDocument/2006/relationships" xmlns:p="http://schemas.openxmlformats.org/presentationml/2006/main">
+  <p:cSld>
+    <p:spTree>
+      <p:nvGrpSpPr>
+        <p:cNvPr id="1" name=""/>
+        <p:cNvGrpSpPr/>
+        <p:nvPr/>
+      </p:nvGrpSpPr>
+      <p:grpSpPr>
+        <a:xfrm>
+          <a:off x="0" y="0"/>
+          <a:ext cx="0" cy="0"/>
+          <a:chOff x="0" y="0"/>
+          <a:chExt cx="0" cy="0"/>
+        </a:xfrm>
+      </p:grpSpPr>
+      <p:sp>
+        <p:nvSpPr>
+          <p:cNvPr id="2" name="Title 1">
+            <a:extLst>
+              <a:ext uri="{FF2B5EF4-FFF2-40B4-BE49-F238E27FC236}">
+                <a16:creationId xmlns:a16="http://schemas.microsoft.com/office/drawing/2014/main" id="{F4A478A1-2A18-40E2-9458-D71E75D5ADE6}"/>
+              </a:ext>
+            </a:extLst>
+          </p:cNvPr>
+          <p:cNvSpPr>
+            <a:spLocks noGrp="1"/>
+          </p:cNvSpPr>
+          <p:nvPr>
+            <p:ph type="title"/>
+          </p:nvPr>
+        </p:nvSpPr>
+        <p:spPr>
+          <a:xfrm>
+            <a:off x="1141413" y="127592"/>
+            <a:ext cx="9905998" cy="1690576"/>
+          </a:xfrm>
+        </p:spPr>
+        <p:txBody>
+          <a:bodyPr/>
+          <a:lstStyle/>
+          <a:p>
+            <a:r>
+              <a:rPr lang="en-US" dirty="0"/>
+              <a:t>HW 2. slide 3.</a:t>
+            </a:r>
+          </a:p>
+        </p:txBody>
+      </p:sp>
+      <p:sp>
+        <p:nvSpPr>
+          <p:cNvPr id="3" name="Content Placeholder 2">
+            <a:extLst>
+              <a:ext uri="{FF2B5EF4-FFF2-40B4-BE49-F238E27FC236}">
+                <a16:creationId xmlns:a16="http://schemas.microsoft.com/office/drawing/2014/main" id="{C95F4C53-B43E-4232-A9F2-39D14DA33A78}"/>
+              </a:ext>
+            </a:extLst>
+          </p:cNvPr>
+          <p:cNvSpPr>
+            <a:spLocks noGrp="1"/>
+          </p:cNvSpPr>
+          <p:nvPr>
+            <p:ph idx="1"/>
+          </p:nvPr>
+        </p:nvSpPr>
+        <p:spPr>
+          <a:xfrm>
+            <a:off x="1141412" y="1669312"/>
+            <a:ext cx="9905999" cy="4869711"/>
+          </a:xfrm>
+        </p:spPr>
+        <p:txBody>
+          <a:bodyPr>
+            <a:normAutofit fontScale="92500"/>
+          </a:bodyPr>
+          <a:lstStyle/>
+          <a:p>
+            <a:r>
+              <a:rPr lang="en-US" dirty="0"/>
+              <a:t>More details.</a:t>
+            </a:r>
+          </a:p>
+          <a:p>
+            <a:pPr lvl="1"/>
+            <a:r>
+              <a:rPr lang="en-US" dirty="0"/>
+              <a:t>Requirements.txt. File of all dependencies of on the top existing packages.</a:t>
+            </a:r>
+          </a:p>
+          <a:p>
+            <a:pPr lvl="1"/>
+            <a:r>
+              <a:rPr lang="en-US" dirty="0"/>
+              <a:t>Pull_data.py. From 2 Kaggle </a:t>
+            </a:r>
+            <a:r>
+              <a:rPr lang="en-US" dirty="0" err="1"/>
+              <a:t>urls</a:t>
+            </a:r>
+            <a:r>
+              <a:rPr lang="en-US" dirty="0"/>
+              <a:t> pulls the 2 datasets and saves them as </a:t>
+            </a:r>
+            <a:r>
+              <a:rPr lang="en-US" dirty="0" err="1"/>
+              <a:t>cvs</a:t>
+            </a:r>
+            <a:r>
+              <a:rPr lang="en-US" dirty="0"/>
+              <a:t> files.</a:t>
+            </a:r>
+          </a:p>
+          <a:p>
+            <a:pPr lvl="1"/>
+            <a:r>
+              <a:rPr lang="en-US" dirty="0"/>
+              <a:t>Train_model.py. Takes the training dataset </a:t>
+            </a:r>
+            <a:r>
+              <a:rPr lang="en-US" dirty="0" err="1"/>
+              <a:t>cvs</a:t>
+            </a:r>
+            <a:r>
+              <a:rPr lang="en-US" dirty="0"/>
+              <a:t>, cleans, imputes the data, fits the model.</a:t>
+            </a:r>
+          </a:p>
+          <a:p>
+            <a:pPr lvl="1"/>
+            <a:r>
+              <a:rPr lang="en-US" dirty="0"/>
+              <a:t>Score_model.py. Takes the .</a:t>
+            </a:r>
+            <a:r>
+              <a:rPr lang="en-US" dirty="0" err="1"/>
+              <a:t>pkl</a:t>
+            </a:r>
+            <a:r>
+              <a:rPr lang="en-US" dirty="0"/>
+              <a:t> random forest model and </a:t>
+            </a:r>
+            <a:r>
+              <a:rPr lang="en-US" dirty="0" err="1"/>
+              <a:t>appy</a:t>
+            </a:r>
+            <a:r>
+              <a:rPr lang="en-US" dirty="0"/>
+              <a:t> the model to scoring dataset</a:t>
+            </a:r>
+          </a:p>
+          <a:p>
+            <a:r>
+              <a:rPr lang="en-US" dirty="0"/>
+              <a:t>Critical Thinking.</a:t>
+            </a:r>
+          </a:p>
+          <a:p>
+            <a:pPr lvl="1"/>
+            <a:r>
+              <a:rPr lang="en-US" dirty="0"/>
+              <a:t>Kaggle changes links/file location/login process/file content.</a:t>
+            </a:r>
+          </a:p>
+          <a:p>
+            <a:pPr lvl="1"/>
+            <a:r>
+              <a:rPr lang="en-US" dirty="0"/>
+              <a:t>We run out of space on HD/local permission issue – can’t save files.</a:t>
+            </a:r>
+          </a:p>
+          <a:p>
+            <a:pPr lvl="1"/>
+            <a:r>
+              <a:rPr lang="en-US" dirty="0"/>
+              <a:t>Someone updated Python packages with unintended effect.</a:t>
+            </a:r>
+          </a:p>
+          <a:p>
+            <a:pPr lvl="1"/>
+            <a:r>
+              <a:rPr lang="en-US" dirty="0"/>
+              <a:t>Docker issues – lost internet within Docket due to some IP binding to VM or some local routing issues. </a:t>
+            </a:r>
+          </a:p>
+          <a:p>
+            <a:pPr lvl="1"/>
+            <a:endParaRPr lang="en-US" dirty="0"/>
+          </a:p>
+        </p:txBody>
+      </p:sp>
+    </p:spTree>
+    <p:extLst>
+      <p:ext uri="{BB962C8B-B14F-4D97-AF65-F5344CB8AC3E}">
+        <p14:creationId xmlns:p14="http://schemas.microsoft.com/office/powerpoint/2010/main" val="1668699208"/>
+      </p:ext>
+    </p:extLst>
+  </p:cSld>
+  <p:clrMapOvr>
+    <a:masterClrMapping/>
+  </p:clrMapOvr>
+</p:sld>
+</file>
+
+<file path=ppt/slides/slide19.xml><?xml version="1.0" encoding="utf-8"?>
+<p:sld xmlns:a="http://schemas.openxmlformats.org/drawingml/2006/main" xmlns:r="http://schemas.openxmlformats.org/officeDocument/2006/relationships" xmlns:p="http://schemas.openxmlformats.org/presentationml/2006/main">
+  <p:cSld>
+    <p:spTree>
+      <p:nvGrpSpPr>
+        <p:cNvPr id="1" name=""/>
+        <p:cNvGrpSpPr/>
+        <p:nvPr/>
+      </p:nvGrpSpPr>
+      <p:grpSpPr>
+        <a:xfrm>
+          <a:off x="0" y="0"/>
+          <a:ext cx="0" cy="0"/>
+          <a:chOff x="0" y="0"/>
+          <a:chExt cx="0" cy="0"/>
+        </a:xfrm>
+      </p:grpSpPr>
+      <p:sp>
+        <p:nvSpPr>
+          <p:cNvPr id="2" name="Title 1">
+            <a:extLst>
+              <a:ext uri="{FF2B5EF4-FFF2-40B4-BE49-F238E27FC236}">
+                <a16:creationId xmlns:a16="http://schemas.microsoft.com/office/drawing/2014/main" id="{27C3DB39-2FB9-44A0-970E-EFF98483FE42}"/>
+              </a:ext>
+            </a:extLst>
+          </p:cNvPr>
+          <p:cNvSpPr>
+            <a:spLocks noGrp="1"/>
+          </p:cNvSpPr>
+          <p:nvPr>
+            <p:ph type="title"/>
+          </p:nvPr>
+        </p:nvSpPr>
+        <p:spPr/>
+        <p:txBody>
+          <a:bodyPr/>
+          <a:lstStyle/>
+          <a:p>
+            <a:r>
+              <a:rPr lang="en-US" dirty="0"/>
+              <a:t>HW Useful Resources. Slide 1.</a:t>
+            </a:r>
+          </a:p>
+        </p:txBody>
+      </p:sp>
+      <p:sp>
+        <p:nvSpPr>
+          <p:cNvPr id="3" name="Content Placeholder 2">
+            <a:extLst>
+              <a:ext uri="{FF2B5EF4-FFF2-40B4-BE49-F238E27FC236}">
+                <a16:creationId xmlns:a16="http://schemas.microsoft.com/office/drawing/2014/main" id="{0EAFFBAE-1BE8-4FED-A2D1-E4B2B61AC9DC}"/>
+              </a:ext>
+            </a:extLst>
+          </p:cNvPr>
+          <p:cNvSpPr>
+            <a:spLocks noGrp="1"/>
+          </p:cNvSpPr>
+          <p:nvPr>
+            <p:ph idx="1"/>
+          </p:nvPr>
+        </p:nvSpPr>
+        <p:spPr>
+          <a:xfrm>
+            <a:off x="1141412" y="2249487"/>
+            <a:ext cx="9905999" cy="3640950"/>
+          </a:xfrm>
+        </p:spPr>
+        <p:txBody>
+          <a:bodyPr>
+            <a:normAutofit fontScale="77500" lnSpcReduction="20000"/>
+          </a:bodyPr>
+          <a:lstStyle/>
+          <a:p>
+            <a:r>
+              <a:rPr lang="en-US" dirty="0"/>
+              <a:t>How to build a Python pipeline using </a:t>
+            </a:r>
+            <a:r>
+              <a:rPr lang="en-US" dirty="0" err="1"/>
+              <a:t>Sklearn</a:t>
+            </a:r>
+            <a:endParaRPr lang="en-US" dirty="0"/>
+          </a:p>
+          <a:p>
+            <a:pPr lvl="1"/>
+            <a:r>
+              <a:rPr lang="en-US" dirty="0"/>
+              <a:t>Kevin </a:t>
+            </a:r>
+            <a:r>
+              <a:rPr lang="en-US" dirty="0" err="1"/>
+              <a:t>Goetsch</a:t>
+            </a:r>
+            <a:r>
+              <a:rPr lang="en-US" dirty="0"/>
+              <a:t>. Deploying Machine Learning using </a:t>
+            </a:r>
+            <a:r>
+              <a:rPr lang="en-US" dirty="0" err="1"/>
+              <a:t>sklearn</a:t>
+            </a:r>
+            <a:r>
+              <a:rPr lang="en-US" dirty="0"/>
+              <a:t> pipelines.</a:t>
+            </a:r>
+          </a:p>
+          <a:p>
+            <a:pPr lvl="2"/>
+            <a:r>
+              <a:rPr lang="en-US" dirty="0"/>
+              <a:t>Transformer.</a:t>
+            </a:r>
+          </a:p>
+          <a:p>
+            <a:pPr lvl="2"/>
+            <a:r>
+              <a:rPr lang="en-US" dirty="0"/>
+              <a:t>Estimator.</a:t>
+            </a:r>
+          </a:p>
+          <a:p>
+            <a:pPr lvl="2"/>
+            <a:r>
+              <a:rPr lang="en-US" dirty="0"/>
+              <a:t>Pipeline.</a:t>
+            </a:r>
+          </a:p>
+          <a:p>
+            <a:pPr lvl="2"/>
+            <a:r>
+              <a:rPr lang="en-US" dirty="0"/>
+              <a:t>Feature Union.</a:t>
+            </a:r>
+          </a:p>
+          <a:p>
+            <a:pPr lvl="1"/>
+            <a:r>
+              <a:rPr lang="en-US" dirty="0"/>
+              <a:t>How to prepare your data for machine learning in Python with </a:t>
+            </a:r>
+            <a:r>
+              <a:rPr lang="en-US" dirty="0" err="1"/>
+              <a:t>Scikit</a:t>
+            </a:r>
+            <a:r>
+              <a:rPr lang="en-US" dirty="0"/>
+              <a:t>-Learn.</a:t>
+            </a:r>
+          </a:p>
+          <a:p>
+            <a:pPr lvl="2"/>
+            <a:r>
+              <a:rPr lang="en-US" dirty="0"/>
+              <a:t>Data Preprocessing.</a:t>
+            </a:r>
+          </a:p>
+          <a:p>
+            <a:pPr lvl="2"/>
+            <a:r>
+              <a:rPr lang="en-US" dirty="0"/>
+              <a:t>Rescale Data.</a:t>
+            </a:r>
+          </a:p>
+          <a:p>
+            <a:pPr lvl="2"/>
+            <a:r>
+              <a:rPr lang="en-US" dirty="0"/>
+              <a:t>Standardize Data.</a:t>
+            </a:r>
+          </a:p>
+          <a:p>
+            <a:pPr lvl="2"/>
+            <a:r>
+              <a:rPr lang="en-US" dirty="0"/>
+              <a:t>Normalize Data.</a:t>
+            </a:r>
+          </a:p>
+          <a:p>
+            <a:pPr lvl="2"/>
+            <a:r>
+              <a:rPr lang="en-US" dirty="0"/>
+              <a:t>Binarize Data.</a:t>
+            </a:r>
+          </a:p>
+          <a:p>
+            <a:pPr lvl="2"/>
+            <a:endParaRPr lang="en-US" dirty="0"/>
+          </a:p>
+          <a:p>
+            <a:pPr lvl="2"/>
+            <a:endParaRPr lang="en-US" dirty="0"/>
+          </a:p>
+          <a:p>
+            <a:pPr lvl="1"/>
+            <a:endParaRPr lang="en-US" dirty="0"/>
+          </a:p>
+        </p:txBody>
+      </p:sp>
+    </p:spTree>
+    <p:extLst>
+      <p:ext uri="{BB962C8B-B14F-4D97-AF65-F5344CB8AC3E}">
+        <p14:creationId xmlns:p14="http://schemas.microsoft.com/office/powerpoint/2010/main" val="624068144"/>
       </p:ext>
     </p:extLst>
   </p:cSld>
@@ -13051,6 +14667,1968 @@
 </p:sld>
 </file>
 
+<file path=ppt/slides/slide20.xml><?xml version="1.0" encoding="utf-8"?>
+<p:sld xmlns:a="http://schemas.openxmlformats.org/drawingml/2006/main" xmlns:r="http://schemas.openxmlformats.org/officeDocument/2006/relationships" xmlns:p="http://schemas.openxmlformats.org/presentationml/2006/main">
+  <p:cSld>
+    <p:spTree>
+      <p:nvGrpSpPr>
+        <p:cNvPr id="1" name=""/>
+        <p:cNvGrpSpPr/>
+        <p:nvPr/>
+      </p:nvGrpSpPr>
+      <p:grpSpPr>
+        <a:xfrm>
+          <a:off x="0" y="0"/>
+          <a:ext cx="0" cy="0"/>
+          <a:chOff x="0" y="0"/>
+          <a:chExt cx="0" cy="0"/>
+        </a:xfrm>
+      </p:grpSpPr>
+      <p:sp>
+        <p:nvSpPr>
+          <p:cNvPr id="2" name="Title 1">
+            <a:extLst>
+              <a:ext uri="{FF2B5EF4-FFF2-40B4-BE49-F238E27FC236}">
+                <a16:creationId xmlns:a16="http://schemas.microsoft.com/office/drawing/2014/main" id="{AD3D6A48-419E-47CF-86FD-5E6D2754FCEA}"/>
+              </a:ext>
+            </a:extLst>
+          </p:cNvPr>
+          <p:cNvSpPr>
+            <a:spLocks noGrp="1"/>
+          </p:cNvSpPr>
+          <p:nvPr>
+            <p:ph type="title"/>
+          </p:nvPr>
+        </p:nvSpPr>
+        <p:spPr/>
+        <p:txBody>
+          <a:bodyPr/>
+          <a:lstStyle/>
+          <a:p>
+            <a:r>
+              <a:rPr lang="en-US" dirty="0"/>
+              <a:t>HW Useful Resources. Slide 2.</a:t>
+            </a:r>
+          </a:p>
+        </p:txBody>
+      </p:sp>
+      <p:sp>
+        <p:nvSpPr>
+          <p:cNvPr id="3" name="Content Placeholder 2">
+            <a:extLst>
+              <a:ext uri="{FF2B5EF4-FFF2-40B4-BE49-F238E27FC236}">
+                <a16:creationId xmlns:a16="http://schemas.microsoft.com/office/drawing/2014/main" id="{50BD3F34-9151-428C-B504-ABDFE2D35046}"/>
+              </a:ext>
+            </a:extLst>
+          </p:cNvPr>
+          <p:cNvSpPr>
+            <a:spLocks noGrp="1"/>
+          </p:cNvSpPr>
+          <p:nvPr>
+            <p:ph idx="1"/>
+          </p:nvPr>
+        </p:nvSpPr>
+        <p:spPr>
+          <a:xfrm>
+            <a:off x="1141412" y="2249486"/>
+            <a:ext cx="9905999" cy="3651583"/>
+          </a:xfrm>
+        </p:spPr>
+        <p:txBody>
+          <a:bodyPr>
+            <a:normAutofit lnSpcReduction="10000"/>
+          </a:bodyPr>
+          <a:lstStyle/>
+          <a:p>
+            <a:r>
+              <a:rPr lang="en-US" sz="2000" dirty="0"/>
+              <a:t>How to build a Python pipeline using </a:t>
+            </a:r>
+            <a:r>
+              <a:rPr lang="en-US" sz="2000" dirty="0" err="1"/>
+              <a:t>Sklearn</a:t>
+            </a:r>
+            <a:endParaRPr lang="en-US" sz="1900" dirty="0"/>
+          </a:p>
+          <a:p>
+            <a:pPr lvl="1"/>
+            <a:r>
+              <a:rPr lang="en-US" sz="1500" dirty="0"/>
+              <a:t>Automate Machine Learning Workflows with Pipelines in Python and </a:t>
+            </a:r>
+            <a:r>
+              <a:rPr lang="en-US" sz="1500" dirty="0" err="1"/>
+              <a:t>scikit</a:t>
+            </a:r>
+            <a:r>
+              <a:rPr lang="en-US" sz="1500" dirty="0"/>
+              <a:t>-learn.</a:t>
+            </a:r>
+          </a:p>
+          <a:p>
+            <a:pPr lvl="2"/>
+            <a:r>
+              <a:rPr lang="en-US" sz="1400" dirty="0"/>
+              <a:t>Data Preparation and Modeling</a:t>
+            </a:r>
+            <a:r>
+              <a:rPr lang="en-US" sz="1300" dirty="0"/>
+              <a:t>.</a:t>
+            </a:r>
+          </a:p>
+          <a:p>
+            <a:pPr lvl="2"/>
+            <a:r>
+              <a:rPr lang="en-US" sz="1300" dirty="0"/>
+              <a:t>Feature Extraction and Modeling.</a:t>
+            </a:r>
+          </a:p>
+          <a:p>
+            <a:pPr lvl="1"/>
+            <a:r>
+              <a:rPr lang="en-US" sz="1500" dirty="0"/>
+              <a:t>Preprocessing data.</a:t>
+            </a:r>
+          </a:p>
+          <a:p>
+            <a:pPr lvl="2"/>
+            <a:r>
+              <a:rPr lang="en-US" sz="1400" dirty="0"/>
+              <a:t>Standardization, or mean removal and variance scaling.</a:t>
+            </a:r>
+          </a:p>
+          <a:p>
+            <a:pPr lvl="3"/>
+            <a:r>
+              <a:rPr lang="en-US" sz="1200" dirty="0"/>
+              <a:t>Scaling features to range.</a:t>
+            </a:r>
+          </a:p>
+          <a:p>
+            <a:pPr lvl="3"/>
+            <a:r>
+              <a:rPr lang="en-US" sz="1200" dirty="0"/>
+              <a:t>Scaling sparse data.</a:t>
+            </a:r>
+          </a:p>
+          <a:p>
+            <a:pPr lvl="3"/>
+            <a:r>
+              <a:rPr lang="en-US" sz="1200" dirty="0"/>
+              <a:t>Scaling data with outliers.</a:t>
+            </a:r>
+          </a:p>
+          <a:p>
+            <a:pPr lvl="2"/>
+            <a:r>
+              <a:rPr lang="en-US" sz="1400" dirty="0"/>
+              <a:t>Non-linear transformation.</a:t>
+            </a:r>
+          </a:p>
+          <a:p>
+            <a:pPr lvl="3"/>
+            <a:r>
+              <a:rPr lang="en-US" sz="1200" dirty="0"/>
+              <a:t>Mapping to uniform distribution.</a:t>
+            </a:r>
+          </a:p>
+          <a:p>
+            <a:pPr lvl="3"/>
+            <a:r>
+              <a:rPr lang="en-US" sz="1200" dirty="0"/>
+              <a:t>Mapping to Gaussian distribution.</a:t>
+            </a:r>
+          </a:p>
+          <a:p>
+            <a:pPr marL="914400" lvl="2" indent="0">
+              <a:buNone/>
+            </a:pPr>
+            <a:endParaRPr lang="en-US" sz="1400" dirty="0"/>
+          </a:p>
+          <a:p>
+            <a:pPr lvl="1"/>
+            <a:endParaRPr lang="en-US" sz="1600" dirty="0"/>
+          </a:p>
+          <a:p>
+            <a:pPr lvl="1"/>
+            <a:endParaRPr lang="en-US" sz="1500" dirty="0"/>
+          </a:p>
+          <a:p>
+            <a:endParaRPr lang="en-US" sz="1900" dirty="0"/>
+          </a:p>
+          <a:p>
+            <a:pPr lvl="1"/>
+            <a:endParaRPr lang="en-US" sz="1500" dirty="0"/>
+          </a:p>
+          <a:p>
+            <a:pPr lvl="1"/>
+            <a:endParaRPr lang="en-US" sz="1500" dirty="0"/>
+          </a:p>
+          <a:p>
+            <a:endParaRPr lang="en-US" dirty="0"/>
+          </a:p>
+        </p:txBody>
+      </p:sp>
+    </p:spTree>
+    <p:extLst>
+      <p:ext uri="{BB962C8B-B14F-4D97-AF65-F5344CB8AC3E}">
+        <p14:creationId xmlns:p14="http://schemas.microsoft.com/office/powerpoint/2010/main" val="3488739785"/>
+      </p:ext>
+    </p:extLst>
+  </p:cSld>
+  <p:clrMapOvr>
+    <a:masterClrMapping/>
+  </p:clrMapOvr>
+</p:sld>
+</file>
+
+<file path=ppt/slides/slide21.xml><?xml version="1.0" encoding="utf-8"?>
+<p:sld xmlns:a="http://schemas.openxmlformats.org/drawingml/2006/main" xmlns:r="http://schemas.openxmlformats.org/officeDocument/2006/relationships" xmlns:p="http://schemas.openxmlformats.org/presentationml/2006/main">
+  <p:cSld>
+    <p:spTree>
+      <p:nvGrpSpPr>
+        <p:cNvPr id="1" name=""/>
+        <p:cNvGrpSpPr/>
+        <p:nvPr/>
+      </p:nvGrpSpPr>
+      <p:grpSpPr>
+        <a:xfrm>
+          <a:off x="0" y="0"/>
+          <a:ext cx="0" cy="0"/>
+          <a:chOff x="0" y="0"/>
+          <a:chExt cx="0" cy="0"/>
+        </a:xfrm>
+      </p:grpSpPr>
+      <p:sp>
+        <p:nvSpPr>
+          <p:cNvPr id="2" name="Title 1">
+            <a:extLst>
+              <a:ext uri="{FF2B5EF4-FFF2-40B4-BE49-F238E27FC236}">
+                <a16:creationId xmlns:a16="http://schemas.microsoft.com/office/drawing/2014/main" id="{B92C0AE0-FFB9-4550-A310-F8E9135FD597}"/>
+              </a:ext>
+            </a:extLst>
+          </p:cNvPr>
+          <p:cNvSpPr>
+            <a:spLocks noGrp="1"/>
+          </p:cNvSpPr>
+          <p:nvPr>
+            <p:ph type="title"/>
+          </p:nvPr>
+        </p:nvSpPr>
+        <p:spPr/>
+        <p:txBody>
+          <a:bodyPr/>
+          <a:lstStyle/>
+          <a:p>
+            <a:r>
+              <a:rPr lang="en-US" dirty="0"/>
+              <a:t>HW Useful Resources. Slide 3.</a:t>
+            </a:r>
+          </a:p>
+        </p:txBody>
+      </p:sp>
+      <p:sp>
+        <p:nvSpPr>
+          <p:cNvPr id="3" name="Content Placeholder 2">
+            <a:extLst>
+              <a:ext uri="{FF2B5EF4-FFF2-40B4-BE49-F238E27FC236}">
+                <a16:creationId xmlns:a16="http://schemas.microsoft.com/office/drawing/2014/main" id="{F889A4F2-6FF6-4171-8106-1B17569B37A8}"/>
+              </a:ext>
+            </a:extLst>
+          </p:cNvPr>
+          <p:cNvSpPr>
+            <a:spLocks noGrp="1"/>
+          </p:cNvSpPr>
+          <p:nvPr>
+            <p:ph idx="1"/>
+          </p:nvPr>
+        </p:nvSpPr>
+        <p:spPr/>
+        <p:txBody>
+          <a:bodyPr>
+            <a:normAutofit/>
+          </a:bodyPr>
+          <a:lstStyle/>
+          <a:p>
+            <a:r>
+              <a:rPr lang="en-US" dirty="0"/>
+              <a:t>How to build a Python pipeline using </a:t>
+            </a:r>
+            <a:r>
+              <a:rPr lang="en-US" dirty="0" err="1"/>
+              <a:t>Sklearn</a:t>
+            </a:r>
+            <a:endParaRPr lang="en-US" dirty="0"/>
+          </a:p>
+          <a:p>
+            <a:pPr lvl="1"/>
+            <a:r>
+              <a:rPr lang="en-US" dirty="0"/>
+              <a:t>Preprocessing data.</a:t>
+            </a:r>
+          </a:p>
+          <a:p>
+            <a:pPr lvl="2"/>
+            <a:r>
+              <a:rPr lang="en-US" dirty="0"/>
+              <a:t>Normalization.</a:t>
+            </a:r>
+          </a:p>
+          <a:p>
+            <a:pPr lvl="2"/>
+            <a:r>
+              <a:rPr lang="en-US" dirty="0"/>
+              <a:t>Encoding categorical features.</a:t>
+            </a:r>
+          </a:p>
+          <a:p>
+            <a:pPr lvl="2"/>
+            <a:r>
+              <a:rPr lang="en-US" dirty="0"/>
+              <a:t>Discretization.</a:t>
+            </a:r>
+          </a:p>
+          <a:p>
+            <a:pPr lvl="2"/>
+            <a:r>
+              <a:rPr lang="en-US" dirty="0"/>
+              <a:t>Imputation of missing values.</a:t>
+            </a:r>
+          </a:p>
+          <a:p>
+            <a:pPr lvl="2"/>
+            <a:r>
+              <a:rPr lang="en-US" dirty="0"/>
+              <a:t>Generating </a:t>
+            </a:r>
+            <a:r>
+              <a:rPr lang="en-US" dirty="0" err="1"/>
+              <a:t>polynomal</a:t>
+            </a:r>
+            <a:r>
+              <a:rPr lang="en-US" dirty="0"/>
+              <a:t> features.</a:t>
+            </a:r>
+          </a:p>
+          <a:p>
+            <a:pPr lvl="2"/>
+            <a:r>
+              <a:rPr lang="en-US" dirty="0"/>
+              <a:t>Custom transformers.</a:t>
+            </a:r>
+          </a:p>
+          <a:p>
+            <a:pPr lvl="1"/>
+            <a:endParaRPr lang="en-US" dirty="0"/>
+          </a:p>
+        </p:txBody>
+      </p:sp>
+    </p:spTree>
+    <p:extLst>
+      <p:ext uri="{BB962C8B-B14F-4D97-AF65-F5344CB8AC3E}">
+        <p14:creationId xmlns:p14="http://schemas.microsoft.com/office/powerpoint/2010/main" val="2725037947"/>
+      </p:ext>
+    </p:extLst>
+  </p:cSld>
+  <p:clrMapOvr>
+    <a:masterClrMapping/>
+  </p:clrMapOvr>
+</p:sld>
+</file>
+
+<file path=ppt/slides/slide22.xml><?xml version="1.0" encoding="utf-8"?>
+<p:sld xmlns:a="http://schemas.openxmlformats.org/drawingml/2006/main" xmlns:r="http://schemas.openxmlformats.org/officeDocument/2006/relationships" xmlns:p="http://schemas.openxmlformats.org/presentationml/2006/main">
+  <p:cSld>
+    <p:spTree>
+      <p:nvGrpSpPr>
+        <p:cNvPr id="1" name=""/>
+        <p:cNvGrpSpPr/>
+        <p:nvPr/>
+      </p:nvGrpSpPr>
+      <p:grpSpPr>
+        <a:xfrm>
+          <a:off x="0" y="0"/>
+          <a:ext cx="0" cy="0"/>
+          <a:chOff x="0" y="0"/>
+          <a:chExt cx="0" cy="0"/>
+        </a:xfrm>
+      </p:grpSpPr>
+      <p:sp>
+        <p:nvSpPr>
+          <p:cNvPr id="2" name="Title 1">
+            <a:extLst>
+              <a:ext uri="{FF2B5EF4-FFF2-40B4-BE49-F238E27FC236}">
+                <a16:creationId xmlns:a16="http://schemas.microsoft.com/office/drawing/2014/main" id="{4605A9B6-FE88-4715-BFBE-610E3B901099}"/>
+              </a:ext>
+            </a:extLst>
+          </p:cNvPr>
+          <p:cNvSpPr>
+            <a:spLocks noGrp="1"/>
+          </p:cNvSpPr>
+          <p:nvPr>
+            <p:ph type="title"/>
+          </p:nvPr>
+        </p:nvSpPr>
+        <p:spPr/>
+        <p:txBody>
+          <a:bodyPr/>
+          <a:lstStyle/>
+          <a:p>
+            <a:r>
+              <a:rPr lang="en-US" dirty="0"/>
+              <a:t>HW Useful Resources. Slide 4.</a:t>
+            </a:r>
+          </a:p>
+        </p:txBody>
+      </p:sp>
+      <p:sp>
+        <p:nvSpPr>
+          <p:cNvPr id="3" name="Content Placeholder 2">
+            <a:extLst>
+              <a:ext uri="{FF2B5EF4-FFF2-40B4-BE49-F238E27FC236}">
+                <a16:creationId xmlns:a16="http://schemas.microsoft.com/office/drawing/2014/main" id="{F3C0A4FF-129A-4082-AA2E-64FE1790B7E8}"/>
+              </a:ext>
+            </a:extLst>
+          </p:cNvPr>
+          <p:cNvSpPr>
+            <a:spLocks noGrp="1"/>
+          </p:cNvSpPr>
+          <p:nvPr>
+            <p:ph idx="1"/>
+          </p:nvPr>
+        </p:nvSpPr>
+        <p:spPr/>
+        <p:txBody>
+          <a:bodyPr>
+            <a:normAutofit fontScale="92500" lnSpcReduction="10000"/>
+          </a:bodyPr>
+          <a:lstStyle/>
+          <a:p>
+            <a:r>
+              <a:rPr lang="en-US" dirty="0"/>
+              <a:t>How to build a Python pipeline using </a:t>
+            </a:r>
+            <a:r>
+              <a:rPr lang="en-US" dirty="0" err="1"/>
+              <a:t>Sklearn</a:t>
+            </a:r>
+            <a:endParaRPr lang="en-US" dirty="0"/>
+          </a:p>
+          <a:p>
+            <a:pPr lvl="1"/>
+            <a:r>
+              <a:rPr lang="en-US" dirty="0"/>
+              <a:t>Classification Accuracy is Not Enough: More Performance Measures You Can Use.</a:t>
+            </a:r>
+          </a:p>
+          <a:p>
+            <a:pPr lvl="2"/>
+            <a:r>
+              <a:rPr lang="en-US" dirty="0"/>
+              <a:t>Confusion matrix.</a:t>
+            </a:r>
+          </a:p>
+          <a:p>
+            <a:pPr lvl="2"/>
+            <a:r>
+              <a:rPr lang="en-US" dirty="0"/>
+              <a:t>CART Confusion matrix.</a:t>
+            </a:r>
+          </a:p>
+          <a:p>
+            <a:pPr lvl="2"/>
+            <a:r>
+              <a:rPr lang="en-US" dirty="0"/>
+              <a:t>Precision.</a:t>
+            </a:r>
+          </a:p>
+          <a:p>
+            <a:pPr lvl="2"/>
+            <a:r>
+              <a:rPr lang="en-US" dirty="0"/>
+              <a:t>Recall.</a:t>
+            </a:r>
+          </a:p>
+          <a:p>
+            <a:pPr lvl="2"/>
+            <a:r>
+              <a:rPr lang="en-US" dirty="0"/>
+              <a:t>F1 Score.</a:t>
+            </a:r>
+          </a:p>
+          <a:p>
+            <a:r>
+              <a:rPr lang="en-US" dirty="0"/>
+              <a:t>For Critical Thinking behind sanity checks.</a:t>
+            </a:r>
+          </a:p>
+          <a:p>
+            <a:pPr lvl="1"/>
+            <a:r>
+              <a:rPr lang="en-US" dirty="0"/>
+              <a:t>Sasha </a:t>
+            </a:r>
+            <a:r>
+              <a:rPr lang="en-US" dirty="0" err="1"/>
+              <a:t>Laundy</a:t>
+            </a:r>
+            <a:r>
+              <a:rPr lang="en-US" dirty="0"/>
+              <a:t>. How to make your future data scientists love you.</a:t>
+            </a:r>
+          </a:p>
+          <a:p>
+            <a:pPr marL="457200" lvl="1" indent="0">
+              <a:buNone/>
+            </a:pPr>
+            <a:endParaRPr lang="en-US" dirty="0"/>
+          </a:p>
+          <a:p>
+            <a:endParaRPr lang="en-US" dirty="0"/>
+          </a:p>
+          <a:p>
+            <a:endParaRPr lang="en-US" dirty="0"/>
+          </a:p>
+        </p:txBody>
+      </p:sp>
+    </p:spTree>
+    <p:extLst>
+      <p:ext uri="{BB962C8B-B14F-4D97-AF65-F5344CB8AC3E}">
+        <p14:creationId xmlns:p14="http://schemas.microsoft.com/office/powerpoint/2010/main" val="1609274437"/>
+      </p:ext>
+    </p:extLst>
+  </p:cSld>
+  <p:clrMapOvr>
+    <a:masterClrMapping/>
+  </p:clrMapOvr>
+</p:sld>
+</file>
+
+<file path=ppt/slides/slide23.xml><?xml version="1.0" encoding="utf-8"?>
+<p:sld xmlns:a="http://schemas.openxmlformats.org/drawingml/2006/main" xmlns:r="http://schemas.openxmlformats.org/officeDocument/2006/relationships" xmlns:p="http://schemas.openxmlformats.org/presentationml/2006/main">
+  <p:cSld>
+    <p:spTree>
+      <p:nvGrpSpPr>
+        <p:cNvPr id="1" name=""/>
+        <p:cNvGrpSpPr/>
+        <p:nvPr/>
+      </p:nvGrpSpPr>
+      <p:grpSpPr>
+        <a:xfrm>
+          <a:off x="0" y="0"/>
+          <a:ext cx="0" cy="0"/>
+          <a:chOff x="0" y="0"/>
+          <a:chExt cx="0" cy="0"/>
+        </a:xfrm>
+      </p:grpSpPr>
+      <p:sp>
+        <p:nvSpPr>
+          <p:cNvPr id="2" name="Title 1">
+            <a:extLst>
+              <a:ext uri="{FF2B5EF4-FFF2-40B4-BE49-F238E27FC236}">
+                <a16:creationId xmlns:a16="http://schemas.microsoft.com/office/drawing/2014/main" id="{26297B83-6600-48B1-B7D1-53AF0DEACC94}"/>
+              </a:ext>
+            </a:extLst>
+          </p:cNvPr>
+          <p:cNvSpPr>
+            <a:spLocks noGrp="1"/>
+          </p:cNvSpPr>
+          <p:nvPr>
+            <p:ph type="title"/>
+          </p:nvPr>
+        </p:nvSpPr>
+        <p:spPr/>
+        <p:txBody>
+          <a:bodyPr/>
+          <a:lstStyle/>
+          <a:p>
+            <a:r>
+              <a:rPr lang="en-US" dirty="0"/>
+              <a:t>HW Useful Resources. Slide 5.</a:t>
+            </a:r>
+          </a:p>
+        </p:txBody>
+      </p:sp>
+      <p:sp>
+        <p:nvSpPr>
+          <p:cNvPr id="3" name="Content Placeholder 2">
+            <a:extLst>
+              <a:ext uri="{FF2B5EF4-FFF2-40B4-BE49-F238E27FC236}">
+                <a16:creationId xmlns:a16="http://schemas.microsoft.com/office/drawing/2014/main" id="{0023C0E4-825C-4EF5-9EF4-26FC4B87B3AB}"/>
+              </a:ext>
+            </a:extLst>
+          </p:cNvPr>
+          <p:cNvSpPr>
+            <a:spLocks noGrp="1"/>
+          </p:cNvSpPr>
+          <p:nvPr>
+            <p:ph idx="1"/>
+          </p:nvPr>
+        </p:nvSpPr>
+        <p:spPr/>
+        <p:txBody>
+          <a:bodyPr>
+            <a:normAutofit lnSpcReduction="10000"/>
+          </a:bodyPr>
+          <a:lstStyle/>
+          <a:p>
+            <a:r>
+              <a:rPr lang="en-US" dirty="0"/>
+              <a:t>For Critical Thinking behind sanity checks</a:t>
+            </a:r>
+            <a:r>
+              <a:rPr lang="en-US" sz="2000" dirty="0"/>
+              <a:t>.</a:t>
+            </a:r>
+          </a:p>
+          <a:p>
+            <a:pPr lvl="1"/>
+            <a:r>
+              <a:rPr lang="en-US" sz="1800" dirty="0"/>
+              <a:t>Three best practices for building successful data pipelines</a:t>
+            </a:r>
+          </a:p>
+          <a:p>
+            <a:pPr lvl="2"/>
+            <a:r>
+              <a:rPr lang="en-US" sz="1700" dirty="0"/>
+              <a:t>Ensuring reproducibility by providing a reliable audit trail.</a:t>
+            </a:r>
+          </a:p>
+          <a:p>
+            <a:pPr lvl="3"/>
+            <a:r>
+              <a:rPr lang="en-US" sz="1500" dirty="0"/>
+              <a:t>Analysis code.</a:t>
+            </a:r>
+          </a:p>
+          <a:p>
+            <a:pPr lvl="3"/>
+            <a:r>
+              <a:rPr lang="en-US" sz="1500" dirty="0"/>
+              <a:t>Data sources.</a:t>
+            </a:r>
+          </a:p>
+          <a:p>
+            <a:pPr lvl="3"/>
+            <a:r>
+              <a:rPr lang="en-US" sz="1500" dirty="0"/>
+              <a:t>Algorithmic randomness.</a:t>
+            </a:r>
+          </a:p>
+          <a:p>
+            <a:pPr lvl="2"/>
+            <a:r>
+              <a:rPr lang="en-US" sz="1700" dirty="0"/>
+              <a:t>Establishing consistency in data.</a:t>
+            </a:r>
+          </a:p>
+          <a:p>
+            <a:pPr lvl="3"/>
+            <a:r>
+              <a:rPr lang="en-US" sz="1500" dirty="0"/>
+              <a:t>Small data sets.</a:t>
+            </a:r>
+          </a:p>
+          <a:p>
+            <a:pPr lvl="3"/>
+            <a:r>
+              <a:rPr lang="en-US" sz="1500" dirty="0"/>
+              <a:t>Regular analytics.</a:t>
+            </a:r>
+          </a:p>
+          <a:p>
+            <a:pPr lvl="3"/>
+            <a:r>
+              <a:rPr lang="en-US" sz="1500" dirty="0"/>
+              <a:t>Fixed sources.</a:t>
+            </a:r>
+          </a:p>
+          <a:p>
+            <a:pPr lvl="1"/>
+            <a:endParaRPr lang="en-US" sz="1900" dirty="0"/>
+          </a:p>
+          <a:p>
+            <a:pPr lvl="1"/>
+            <a:endParaRPr lang="en-US" dirty="0"/>
+          </a:p>
+        </p:txBody>
+      </p:sp>
+    </p:spTree>
+    <p:extLst>
+      <p:ext uri="{BB962C8B-B14F-4D97-AF65-F5344CB8AC3E}">
+        <p14:creationId xmlns:p14="http://schemas.microsoft.com/office/powerpoint/2010/main" val="272507973"/>
+      </p:ext>
+    </p:extLst>
+  </p:cSld>
+  <p:clrMapOvr>
+    <a:masterClrMapping/>
+  </p:clrMapOvr>
+</p:sld>
+</file>
+
+<file path=ppt/slides/slide24.xml><?xml version="1.0" encoding="utf-8"?>
+<p:sld xmlns:a="http://schemas.openxmlformats.org/drawingml/2006/main" xmlns:r="http://schemas.openxmlformats.org/officeDocument/2006/relationships" xmlns:p="http://schemas.openxmlformats.org/presentationml/2006/main">
+  <p:cSld>
+    <p:spTree>
+      <p:nvGrpSpPr>
+        <p:cNvPr id="1" name=""/>
+        <p:cNvGrpSpPr/>
+        <p:nvPr/>
+      </p:nvGrpSpPr>
+      <p:grpSpPr>
+        <a:xfrm>
+          <a:off x="0" y="0"/>
+          <a:ext cx="0" cy="0"/>
+          <a:chOff x="0" y="0"/>
+          <a:chExt cx="0" cy="0"/>
+        </a:xfrm>
+      </p:grpSpPr>
+      <p:sp>
+        <p:nvSpPr>
+          <p:cNvPr id="2" name="Title 1">
+            <a:extLst>
+              <a:ext uri="{FF2B5EF4-FFF2-40B4-BE49-F238E27FC236}">
+                <a16:creationId xmlns:a16="http://schemas.microsoft.com/office/drawing/2014/main" id="{D2073DED-F1AF-49B8-9BCB-F4FE180A2D29}"/>
+              </a:ext>
+            </a:extLst>
+          </p:cNvPr>
+          <p:cNvSpPr>
+            <a:spLocks noGrp="1"/>
+          </p:cNvSpPr>
+          <p:nvPr>
+            <p:ph type="title"/>
+          </p:nvPr>
+        </p:nvSpPr>
+        <p:spPr/>
+        <p:txBody>
+          <a:bodyPr/>
+          <a:lstStyle/>
+          <a:p>
+            <a:r>
+              <a:rPr lang="en-US" dirty="0"/>
+              <a:t>HW Useful Resources. Slide 6.</a:t>
+            </a:r>
+          </a:p>
+        </p:txBody>
+      </p:sp>
+      <p:sp>
+        <p:nvSpPr>
+          <p:cNvPr id="3" name="Content Placeholder 2">
+            <a:extLst>
+              <a:ext uri="{FF2B5EF4-FFF2-40B4-BE49-F238E27FC236}">
+                <a16:creationId xmlns:a16="http://schemas.microsoft.com/office/drawing/2014/main" id="{886B4417-AD86-4A3D-8546-2DC020BC6A75}"/>
+              </a:ext>
+            </a:extLst>
+          </p:cNvPr>
+          <p:cNvSpPr>
+            <a:spLocks noGrp="1"/>
+          </p:cNvSpPr>
+          <p:nvPr>
+            <p:ph idx="1"/>
+          </p:nvPr>
+        </p:nvSpPr>
+        <p:spPr/>
+        <p:txBody>
+          <a:bodyPr/>
+          <a:lstStyle/>
+          <a:p>
+            <a:r>
+              <a:rPr lang="en-US" dirty="0"/>
+              <a:t>For Critical Thinking behind sanity checks.</a:t>
+            </a:r>
+          </a:p>
+          <a:p>
+            <a:pPr lvl="1"/>
+            <a:r>
+              <a:rPr lang="en-US" sz="1800" dirty="0"/>
+              <a:t>Three best practices for building successful data pipelines</a:t>
+            </a:r>
+          </a:p>
+          <a:p>
+            <a:pPr lvl="2"/>
+            <a:r>
+              <a:rPr lang="en-US" sz="1600" dirty="0" err="1"/>
+              <a:t>Productionizability</a:t>
+            </a:r>
+            <a:r>
+              <a:rPr lang="en-US" sz="1600" dirty="0"/>
+              <a:t>: Developing a common ETL.</a:t>
+            </a:r>
+          </a:p>
+          <a:p>
+            <a:pPr lvl="3"/>
+            <a:r>
+              <a:rPr lang="en-US" sz="1500" dirty="0"/>
+              <a:t>Common data format.</a:t>
+            </a:r>
+          </a:p>
+          <a:p>
+            <a:pPr lvl="3"/>
+            <a:r>
+              <a:rPr lang="en-US" sz="1500" dirty="0"/>
+              <a:t>Isolating library dependencies</a:t>
+            </a:r>
+          </a:p>
+          <a:p>
+            <a:pPr lvl="1"/>
+            <a:r>
+              <a:rPr lang="en-US" b="1" dirty="0"/>
+              <a:t> </a:t>
+            </a:r>
+            <a:r>
+              <a:rPr lang="en-US" sz="1800" dirty="0"/>
+              <a:t>The Dataflow Model: A Practical Approach to Balancing Correctness, Latency, and Cost in Massive-Scale, Unbounded, Out-of-Order Data Processing </a:t>
+            </a:r>
+          </a:p>
+          <a:p>
+            <a:pPr lvl="1"/>
+            <a:r>
+              <a:rPr lang="en-US" dirty="0"/>
+              <a:t>We need to talk about bad data</a:t>
+            </a:r>
+          </a:p>
+          <a:p>
+            <a:pPr lvl="1"/>
+            <a:endParaRPr lang="en-US" sz="1800" b="1" dirty="0"/>
+          </a:p>
+          <a:p>
+            <a:pPr lvl="1"/>
+            <a:endParaRPr lang="en-US" dirty="0"/>
+          </a:p>
+        </p:txBody>
+      </p:sp>
+    </p:spTree>
+    <p:extLst>
+      <p:ext uri="{BB962C8B-B14F-4D97-AF65-F5344CB8AC3E}">
+        <p14:creationId xmlns:p14="http://schemas.microsoft.com/office/powerpoint/2010/main" val="4224580084"/>
+      </p:ext>
+    </p:extLst>
+  </p:cSld>
+  <p:clrMapOvr>
+    <a:masterClrMapping/>
+  </p:clrMapOvr>
+</p:sld>
+</file>
+
+<file path=ppt/slides/slide25.xml><?xml version="1.0" encoding="utf-8"?>
+<p:sld xmlns:a="http://schemas.openxmlformats.org/drawingml/2006/main" xmlns:r="http://schemas.openxmlformats.org/officeDocument/2006/relationships" xmlns:p="http://schemas.openxmlformats.org/presentationml/2006/main">
+  <p:cSld>
+    <p:spTree>
+      <p:nvGrpSpPr>
+        <p:cNvPr id="1" name=""/>
+        <p:cNvGrpSpPr/>
+        <p:nvPr/>
+      </p:nvGrpSpPr>
+      <p:grpSpPr>
+        <a:xfrm>
+          <a:off x="0" y="0"/>
+          <a:ext cx="0" cy="0"/>
+          <a:chOff x="0" y="0"/>
+          <a:chExt cx="0" cy="0"/>
+        </a:xfrm>
+      </p:grpSpPr>
+      <p:sp>
+        <p:nvSpPr>
+          <p:cNvPr id="2" name="Title 1">
+            <a:extLst>
+              <a:ext uri="{FF2B5EF4-FFF2-40B4-BE49-F238E27FC236}">
+                <a16:creationId xmlns:a16="http://schemas.microsoft.com/office/drawing/2014/main" id="{8D5AD174-BF20-4F9F-BC7E-626130F14037}"/>
+              </a:ext>
+            </a:extLst>
+          </p:cNvPr>
+          <p:cNvSpPr>
+            <a:spLocks noGrp="1"/>
+          </p:cNvSpPr>
+          <p:nvPr>
+            <p:ph type="title"/>
+          </p:nvPr>
+        </p:nvSpPr>
+        <p:spPr/>
+        <p:txBody>
+          <a:bodyPr/>
+          <a:lstStyle/>
+          <a:p>
+            <a:r>
+              <a:rPr lang="en-US" dirty="0"/>
+              <a:t>Meetup 2. Slide 1.</a:t>
+            </a:r>
+          </a:p>
+        </p:txBody>
+      </p:sp>
+      <p:sp>
+        <p:nvSpPr>
+          <p:cNvPr id="3" name="Content Placeholder 2">
+            <a:extLst>
+              <a:ext uri="{FF2B5EF4-FFF2-40B4-BE49-F238E27FC236}">
+                <a16:creationId xmlns:a16="http://schemas.microsoft.com/office/drawing/2014/main" id="{DB5F8229-7C97-4555-AB54-A75E0714E182}"/>
+              </a:ext>
+            </a:extLst>
+          </p:cNvPr>
+          <p:cNvSpPr>
+            <a:spLocks noGrp="1"/>
+          </p:cNvSpPr>
+          <p:nvPr>
+            <p:ph idx="1"/>
+          </p:nvPr>
+        </p:nvSpPr>
+        <p:spPr>
+          <a:xfrm>
+            <a:off x="1141412" y="2249486"/>
+            <a:ext cx="9905999" cy="4385229"/>
+          </a:xfrm>
+        </p:spPr>
+        <p:txBody>
+          <a:bodyPr>
+            <a:normAutofit/>
+          </a:bodyPr>
+          <a:lstStyle/>
+          <a:p>
+            <a:r>
+              <a:rPr lang="en-US" dirty="0"/>
+              <a:t>Docker.</a:t>
+            </a:r>
+          </a:p>
+          <a:p>
+            <a:pPr lvl="1"/>
+            <a:r>
+              <a:rPr lang="en-US" dirty="0" err="1"/>
+              <a:t>Standarized</a:t>
+            </a:r>
+            <a:r>
+              <a:rPr lang="en-US" dirty="0"/>
+              <a:t> across Linux, MacOS, Windows.</a:t>
+            </a:r>
+          </a:p>
+          <a:p>
+            <a:pPr lvl="1"/>
+            <a:r>
+              <a:rPr lang="en-US" dirty="0"/>
+              <a:t>Eliminates library conflicts stemming from version control.</a:t>
+            </a:r>
+          </a:p>
+          <a:p>
+            <a:pPr lvl="1"/>
+            <a:r>
+              <a:rPr lang="en-US" dirty="0"/>
+              <a:t>Allows multiple environments at the same time, for instance Python 2 and Python 3.</a:t>
+            </a:r>
+          </a:p>
+          <a:p>
+            <a:pPr lvl="2"/>
+            <a:r>
+              <a:rPr lang="en-US" dirty="0"/>
+              <a:t>Not as </a:t>
+            </a:r>
+            <a:r>
+              <a:rPr lang="en-US" dirty="0" err="1"/>
+              <a:t>vitualenv</a:t>
+            </a:r>
+            <a:r>
+              <a:rPr lang="en-US" dirty="0"/>
+              <a:t>, not just Python.</a:t>
+            </a:r>
+          </a:p>
+          <a:p>
+            <a:pPr lvl="2"/>
+            <a:r>
+              <a:rPr lang="en-US" dirty="0"/>
+              <a:t>Faster to build than VM</a:t>
+            </a:r>
+          </a:p>
+          <a:p>
+            <a:r>
+              <a:rPr lang="en-US" dirty="0"/>
+              <a:t>A Data Flow: Ingest Data</a:t>
+            </a:r>
+          </a:p>
+          <a:p>
+            <a:r>
+              <a:rPr lang="en-US" dirty="0"/>
+              <a:t>A simple example: Import CSV</a:t>
+            </a:r>
+          </a:p>
+          <a:p>
+            <a:r>
+              <a:rPr lang="en-US" dirty="0"/>
+              <a:t>More than one file: Parse data </a:t>
+            </a:r>
+          </a:p>
+          <a:p>
+            <a:endParaRPr lang="en-US" dirty="0"/>
+          </a:p>
+        </p:txBody>
+      </p:sp>
+      <p:sp>
+        <p:nvSpPr>
+          <p:cNvPr id="4" name="Arrow: Right 3">
+            <a:extLst>
+              <a:ext uri="{FF2B5EF4-FFF2-40B4-BE49-F238E27FC236}">
+                <a16:creationId xmlns:a16="http://schemas.microsoft.com/office/drawing/2014/main" id="{B2FA00F6-5739-4A84-8F4F-4D91D662342A}"/>
+              </a:ext>
+            </a:extLst>
+          </p:cNvPr>
+          <p:cNvSpPr/>
+          <p:nvPr/>
+        </p:nvSpPr>
+        <p:spPr>
+          <a:xfrm>
+            <a:off x="4720671" y="5006161"/>
+            <a:ext cx="574159" cy="265813"/>
+          </a:xfrm>
+          <a:prstGeom prst="rightArrow">
+            <a:avLst/>
+          </a:prstGeom>
+        </p:spPr>
+        <p:style>
+          <a:lnRef idx="2">
+            <a:schemeClr val="accent1">
+              <a:shade val="50000"/>
+            </a:schemeClr>
+          </a:lnRef>
+          <a:fillRef idx="1">
+            <a:schemeClr val="accent1"/>
+          </a:fillRef>
+          <a:effectRef idx="0">
+            <a:schemeClr val="accent1"/>
+          </a:effectRef>
+          <a:fontRef idx="minor">
+            <a:schemeClr val="lt1"/>
+          </a:fontRef>
+        </p:style>
+        <p:txBody>
+          <a:bodyPr rtlCol="0" anchor="ctr"/>
+          <a:lstStyle/>
+          <a:p>
+            <a:pPr algn="ctr"/>
+            <a:endParaRPr lang="en-US"/>
+          </a:p>
+        </p:txBody>
+      </p:sp>
+      <p:sp>
+        <p:nvSpPr>
+          <p:cNvPr id="5" name="TextBox 4">
+            <a:extLst>
+              <a:ext uri="{FF2B5EF4-FFF2-40B4-BE49-F238E27FC236}">
+                <a16:creationId xmlns:a16="http://schemas.microsoft.com/office/drawing/2014/main" id="{62FDECBE-7967-4BB6-9280-328B8093F6ED}"/>
+              </a:ext>
+            </a:extLst>
+          </p:cNvPr>
+          <p:cNvSpPr txBox="1"/>
+          <p:nvPr/>
+        </p:nvSpPr>
+        <p:spPr>
+          <a:xfrm>
+            <a:off x="5528929" y="4802374"/>
+            <a:ext cx="1559442" cy="588333"/>
+          </a:xfrm>
+          <a:prstGeom prst="rect">
+            <a:avLst/>
+          </a:prstGeom>
+          <a:noFill/>
+        </p:spPr>
+        <p:txBody>
+          <a:bodyPr wrap="square" rtlCol="0">
+            <a:noAutofit/>
+          </a:bodyPr>
+          <a:lstStyle/>
+          <a:p>
+            <a:r>
+              <a:rPr lang="en-US" dirty="0"/>
+              <a:t>Turn data into desired shape</a:t>
+            </a:r>
+          </a:p>
+        </p:txBody>
+      </p:sp>
+      <p:sp>
+        <p:nvSpPr>
+          <p:cNvPr id="6" name="Arrow: Right 5">
+            <a:extLst>
+              <a:ext uri="{FF2B5EF4-FFF2-40B4-BE49-F238E27FC236}">
+                <a16:creationId xmlns:a16="http://schemas.microsoft.com/office/drawing/2014/main" id="{1B0671D1-F278-410F-A1CA-44EB198A5F1B}"/>
+              </a:ext>
+            </a:extLst>
+          </p:cNvPr>
+          <p:cNvSpPr/>
+          <p:nvPr/>
+        </p:nvSpPr>
+        <p:spPr>
+          <a:xfrm>
+            <a:off x="7017488" y="4688958"/>
+            <a:ext cx="786809" cy="393405"/>
+          </a:xfrm>
+          <a:prstGeom prst="rightArrow">
+            <a:avLst/>
+          </a:prstGeom>
+        </p:spPr>
+        <p:style>
+          <a:lnRef idx="2">
+            <a:schemeClr val="accent1">
+              <a:shade val="50000"/>
+            </a:schemeClr>
+          </a:lnRef>
+          <a:fillRef idx="1">
+            <a:schemeClr val="accent1"/>
+          </a:fillRef>
+          <a:effectRef idx="0">
+            <a:schemeClr val="accent1"/>
+          </a:effectRef>
+          <a:fontRef idx="minor">
+            <a:schemeClr val="lt1"/>
+          </a:fontRef>
+        </p:style>
+        <p:txBody>
+          <a:bodyPr rtlCol="0" anchor="ctr"/>
+          <a:lstStyle/>
+          <a:p>
+            <a:pPr algn="ctr"/>
+            <a:endParaRPr lang="en-US" dirty="0"/>
+          </a:p>
+        </p:txBody>
+      </p:sp>
+      <p:sp>
+        <p:nvSpPr>
+          <p:cNvPr id="7" name="TextBox 6">
+            <a:extLst>
+              <a:ext uri="{FF2B5EF4-FFF2-40B4-BE49-F238E27FC236}">
+                <a16:creationId xmlns:a16="http://schemas.microsoft.com/office/drawing/2014/main" id="{1ABDCCA4-7139-4831-A2BE-80F684462E28}"/>
+              </a:ext>
+            </a:extLst>
+          </p:cNvPr>
+          <p:cNvSpPr txBox="1"/>
+          <p:nvPr/>
+        </p:nvSpPr>
+        <p:spPr>
+          <a:xfrm>
+            <a:off x="7931887" y="4295553"/>
+            <a:ext cx="2317899" cy="923331"/>
+          </a:xfrm>
+          <a:prstGeom prst="rect">
+            <a:avLst/>
+          </a:prstGeom>
+          <a:noFill/>
+        </p:spPr>
+        <p:txBody>
+          <a:bodyPr wrap="square" rtlCol="0">
+            <a:noAutofit/>
+          </a:bodyPr>
+          <a:lstStyle/>
+          <a:p>
+            <a:r>
+              <a:rPr lang="en-US" dirty="0"/>
+              <a:t>Perform Analysis and Distribute to stakeholders</a:t>
+            </a:r>
+          </a:p>
+        </p:txBody>
+      </p:sp>
+      <p:sp>
+        <p:nvSpPr>
+          <p:cNvPr id="8" name="Arrow: Right 7">
+            <a:extLst>
+              <a:ext uri="{FF2B5EF4-FFF2-40B4-BE49-F238E27FC236}">
+                <a16:creationId xmlns:a16="http://schemas.microsoft.com/office/drawing/2014/main" id="{B66E7557-1FA5-42A2-BF7D-AEA5300E54A4}"/>
+              </a:ext>
+            </a:extLst>
+          </p:cNvPr>
+          <p:cNvSpPr/>
+          <p:nvPr/>
+        </p:nvSpPr>
+        <p:spPr>
+          <a:xfrm>
+            <a:off x="5305646" y="5639444"/>
+            <a:ext cx="435934" cy="170121"/>
+          </a:xfrm>
+          <a:prstGeom prst="rightArrow">
+            <a:avLst/>
+          </a:prstGeom>
+        </p:spPr>
+        <p:style>
+          <a:lnRef idx="2">
+            <a:schemeClr val="accent1">
+              <a:shade val="50000"/>
+            </a:schemeClr>
+          </a:lnRef>
+          <a:fillRef idx="1">
+            <a:schemeClr val="accent1"/>
+          </a:fillRef>
+          <a:effectRef idx="0">
+            <a:schemeClr val="accent1"/>
+          </a:effectRef>
+          <a:fontRef idx="minor">
+            <a:schemeClr val="lt1"/>
+          </a:fontRef>
+        </p:style>
+        <p:txBody>
+          <a:bodyPr rtlCol="0" anchor="ctr"/>
+          <a:lstStyle/>
+          <a:p>
+            <a:pPr algn="ctr"/>
+            <a:endParaRPr lang="en-US"/>
+          </a:p>
+        </p:txBody>
+      </p:sp>
+      <p:sp>
+        <p:nvSpPr>
+          <p:cNvPr id="9" name="TextBox 8">
+            <a:extLst>
+              <a:ext uri="{FF2B5EF4-FFF2-40B4-BE49-F238E27FC236}">
+                <a16:creationId xmlns:a16="http://schemas.microsoft.com/office/drawing/2014/main" id="{2D1DEDFC-A22A-45C4-9FCA-6C0BEFE515D5}"/>
+              </a:ext>
+            </a:extLst>
+          </p:cNvPr>
+          <p:cNvSpPr txBox="1"/>
+          <p:nvPr/>
+        </p:nvSpPr>
+        <p:spPr>
+          <a:xfrm>
+            <a:off x="5901067" y="5491716"/>
+            <a:ext cx="1456661" cy="805819"/>
+          </a:xfrm>
+          <a:prstGeom prst="rect">
+            <a:avLst/>
+          </a:prstGeom>
+          <a:noFill/>
+        </p:spPr>
+        <p:txBody>
+          <a:bodyPr wrap="square" rtlCol="0">
+            <a:noAutofit/>
+          </a:bodyPr>
+          <a:lstStyle/>
+          <a:p>
+            <a:r>
+              <a:rPr lang="en-US" dirty="0"/>
+              <a:t>Aggregate and impute</a:t>
+            </a:r>
+          </a:p>
+        </p:txBody>
+      </p:sp>
+      <p:sp>
+        <p:nvSpPr>
+          <p:cNvPr id="10" name="Arrow: Right 9">
+            <a:extLst>
+              <a:ext uri="{FF2B5EF4-FFF2-40B4-BE49-F238E27FC236}">
+                <a16:creationId xmlns:a16="http://schemas.microsoft.com/office/drawing/2014/main" id="{A4672607-5759-4518-B7EA-3338DF2A5573}"/>
+              </a:ext>
+            </a:extLst>
+          </p:cNvPr>
+          <p:cNvSpPr/>
+          <p:nvPr/>
+        </p:nvSpPr>
+        <p:spPr>
+          <a:xfrm>
+            <a:off x="7246087" y="5547642"/>
+            <a:ext cx="786809" cy="265814"/>
+          </a:xfrm>
+          <a:prstGeom prst="rightArrow">
+            <a:avLst/>
+          </a:prstGeom>
+        </p:spPr>
+        <p:style>
+          <a:lnRef idx="2">
+            <a:schemeClr val="accent1">
+              <a:shade val="50000"/>
+            </a:schemeClr>
+          </a:lnRef>
+          <a:fillRef idx="1">
+            <a:schemeClr val="accent1"/>
+          </a:fillRef>
+          <a:effectRef idx="0">
+            <a:schemeClr val="accent1"/>
+          </a:effectRef>
+          <a:fontRef idx="minor">
+            <a:schemeClr val="lt1"/>
+          </a:fontRef>
+        </p:style>
+        <p:txBody>
+          <a:bodyPr rtlCol="0" anchor="ctr"/>
+          <a:lstStyle/>
+          <a:p>
+            <a:pPr algn="ctr"/>
+            <a:endParaRPr lang="en-US"/>
+          </a:p>
+        </p:txBody>
+      </p:sp>
+      <p:sp>
+        <p:nvSpPr>
+          <p:cNvPr id="11" name="TextBox 10">
+            <a:extLst>
+              <a:ext uri="{FF2B5EF4-FFF2-40B4-BE49-F238E27FC236}">
+                <a16:creationId xmlns:a16="http://schemas.microsoft.com/office/drawing/2014/main" id="{E576C2B2-E853-4962-B7D0-CB76716FEEEB}"/>
+              </a:ext>
+            </a:extLst>
+          </p:cNvPr>
+          <p:cNvSpPr txBox="1"/>
+          <p:nvPr/>
+        </p:nvSpPr>
+        <p:spPr>
+          <a:xfrm>
+            <a:off x="8176245" y="5403181"/>
+            <a:ext cx="2317899" cy="657378"/>
+          </a:xfrm>
+          <a:prstGeom prst="rect">
+            <a:avLst/>
+          </a:prstGeom>
+          <a:noFill/>
+        </p:spPr>
+        <p:txBody>
+          <a:bodyPr wrap="square" rtlCol="0">
+            <a:noAutofit/>
+          </a:bodyPr>
+          <a:lstStyle/>
+          <a:p>
+            <a:r>
+              <a:rPr lang="en-US" dirty="0"/>
+              <a:t>Summary analysis, modeling, visualization</a:t>
+            </a:r>
+          </a:p>
+        </p:txBody>
+      </p:sp>
+      <p:sp>
+        <p:nvSpPr>
+          <p:cNvPr id="12" name="Arrow: Right 11">
+            <a:extLst>
+              <a:ext uri="{FF2B5EF4-FFF2-40B4-BE49-F238E27FC236}">
+                <a16:creationId xmlns:a16="http://schemas.microsoft.com/office/drawing/2014/main" id="{78E30321-F65F-4DE2-8D67-78CAA1AACAE3}"/>
+              </a:ext>
+            </a:extLst>
+          </p:cNvPr>
+          <p:cNvSpPr/>
+          <p:nvPr/>
+        </p:nvSpPr>
+        <p:spPr>
+          <a:xfrm>
+            <a:off x="5294830" y="6239482"/>
+            <a:ext cx="584974" cy="170121"/>
+          </a:xfrm>
+          <a:prstGeom prst="rightArrow">
+            <a:avLst/>
+          </a:prstGeom>
+        </p:spPr>
+        <p:style>
+          <a:lnRef idx="2">
+            <a:schemeClr val="accent1">
+              <a:shade val="50000"/>
+            </a:schemeClr>
+          </a:lnRef>
+          <a:fillRef idx="1">
+            <a:schemeClr val="accent1"/>
+          </a:fillRef>
+          <a:effectRef idx="0">
+            <a:schemeClr val="accent1"/>
+          </a:effectRef>
+          <a:fontRef idx="minor">
+            <a:schemeClr val="lt1"/>
+          </a:fontRef>
+        </p:style>
+        <p:txBody>
+          <a:bodyPr rtlCol="0" anchor="ctr"/>
+          <a:lstStyle/>
+          <a:p>
+            <a:pPr algn="ctr"/>
+            <a:endParaRPr lang="en-US"/>
+          </a:p>
+        </p:txBody>
+      </p:sp>
+      <p:sp>
+        <p:nvSpPr>
+          <p:cNvPr id="13" name="TextBox 12">
+            <a:extLst>
+              <a:ext uri="{FF2B5EF4-FFF2-40B4-BE49-F238E27FC236}">
+                <a16:creationId xmlns:a16="http://schemas.microsoft.com/office/drawing/2014/main" id="{B1CA7411-0DE8-4258-80BD-2EC15F0E7F0C}"/>
+              </a:ext>
+            </a:extLst>
+          </p:cNvPr>
+          <p:cNvSpPr txBox="1"/>
+          <p:nvPr/>
+        </p:nvSpPr>
+        <p:spPr>
+          <a:xfrm>
+            <a:off x="6095999" y="6060558"/>
+            <a:ext cx="1282991" cy="1160307"/>
+          </a:xfrm>
+          <a:prstGeom prst="rect">
+            <a:avLst/>
+          </a:prstGeom>
+          <a:noFill/>
+        </p:spPr>
+        <p:txBody>
+          <a:bodyPr wrap="square" rtlCol="0">
+            <a:noAutofit/>
+          </a:bodyPr>
+          <a:lstStyle/>
+          <a:p>
+            <a:r>
+              <a:rPr lang="en-US" dirty="0"/>
+              <a:t>Query and join  data </a:t>
+            </a:r>
+          </a:p>
+        </p:txBody>
+      </p:sp>
+      <p:sp>
+        <p:nvSpPr>
+          <p:cNvPr id="14" name="Arrow: Right 13">
+            <a:extLst>
+              <a:ext uri="{FF2B5EF4-FFF2-40B4-BE49-F238E27FC236}">
+                <a16:creationId xmlns:a16="http://schemas.microsoft.com/office/drawing/2014/main" id="{75C7086C-0BCB-44BB-995B-6325FCC880D9}"/>
+              </a:ext>
+            </a:extLst>
+          </p:cNvPr>
+          <p:cNvSpPr/>
+          <p:nvPr/>
+        </p:nvSpPr>
+        <p:spPr>
+          <a:xfrm>
+            <a:off x="7357728" y="6239482"/>
+            <a:ext cx="675168" cy="142816"/>
+          </a:xfrm>
+          <a:prstGeom prst="rightArrow">
+            <a:avLst/>
+          </a:prstGeom>
+        </p:spPr>
+        <p:style>
+          <a:lnRef idx="2">
+            <a:schemeClr val="accent1">
+              <a:shade val="50000"/>
+            </a:schemeClr>
+          </a:lnRef>
+          <a:fillRef idx="1">
+            <a:schemeClr val="accent1"/>
+          </a:fillRef>
+          <a:effectRef idx="0">
+            <a:schemeClr val="accent1"/>
+          </a:effectRef>
+          <a:fontRef idx="minor">
+            <a:schemeClr val="lt1"/>
+          </a:fontRef>
+        </p:style>
+        <p:txBody>
+          <a:bodyPr rtlCol="0" anchor="ctr"/>
+          <a:lstStyle/>
+          <a:p>
+            <a:pPr algn="ctr"/>
+            <a:endParaRPr lang="en-US"/>
+          </a:p>
+        </p:txBody>
+      </p:sp>
+      <p:sp>
+        <p:nvSpPr>
+          <p:cNvPr id="15" name="TextBox 14">
+            <a:extLst>
+              <a:ext uri="{FF2B5EF4-FFF2-40B4-BE49-F238E27FC236}">
+                <a16:creationId xmlns:a16="http://schemas.microsoft.com/office/drawing/2014/main" id="{2E39E56A-5CB6-40A0-B6F4-B8EECCE26FA0}"/>
+              </a:ext>
+            </a:extLst>
+          </p:cNvPr>
+          <p:cNvSpPr txBox="1"/>
+          <p:nvPr/>
+        </p:nvSpPr>
+        <p:spPr>
+          <a:xfrm rot="10800000" flipV="1">
+            <a:off x="8197508" y="5952678"/>
+            <a:ext cx="2481368" cy="646331"/>
+          </a:xfrm>
+          <a:prstGeom prst="rect">
+            <a:avLst/>
+          </a:prstGeom>
+          <a:noFill/>
+        </p:spPr>
+        <p:txBody>
+          <a:bodyPr wrap="square" rtlCol="0">
+            <a:spAutoFit/>
+          </a:bodyPr>
+          <a:lstStyle/>
+          <a:p>
+            <a:r>
+              <a:rPr lang="en-US"/>
+              <a:t>Summary analysis, modeling, visualization</a:t>
+            </a:r>
+            <a:endParaRPr lang="en-US" dirty="0"/>
+          </a:p>
+        </p:txBody>
+      </p:sp>
+    </p:spTree>
+    <p:extLst>
+      <p:ext uri="{BB962C8B-B14F-4D97-AF65-F5344CB8AC3E}">
+        <p14:creationId xmlns:p14="http://schemas.microsoft.com/office/powerpoint/2010/main" val="2565484286"/>
+      </p:ext>
+    </p:extLst>
+  </p:cSld>
+  <p:clrMapOvr>
+    <a:masterClrMapping/>
+  </p:clrMapOvr>
+</p:sld>
+</file>
+
+<file path=ppt/slides/slide26.xml><?xml version="1.0" encoding="utf-8"?>
+<p:sld xmlns:a="http://schemas.openxmlformats.org/drawingml/2006/main" xmlns:r="http://schemas.openxmlformats.org/officeDocument/2006/relationships" xmlns:p="http://schemas.openxmlformats.org/presentationml/2006/main">
+  <p:cSld>
+    <p:spTree>
+      <p:nvGrpSpPr>
+        <p:cNvPr id="1" name=""/>
+        <p:cNvGrpSpPr/>
+        <p:nvPr/>
+      </p:nvGrpSpPr>
+      <p:grpSpPr>
+        <a:xfrm>
+          <a:off x="0" y="0"/>
+          <a:ext cx="0" cy="0"/>
+          <a:chOff x="0" y="0"/>
+          <a:chExt cx="0" cy="0"/>
+        </a:xfrm>
+      </p:grpSpPr>
+      <p:sp>
+        <p:nvSpPr>
+          <p:cNvPr id="2" name="Title 1">
+            <a:extLst>
+              <a:ext uri="{FF2B5EF4-FFF2-40B4-BE49-F238E27FC236}">
+                <a16:creationId xmlns:a16="http://schemas.microsoft.com/office/drawing/2014/main" id="{E42BE0D1-DCE0-45D4-9970-CF47434EA105}"/>
+              </a:ext>
+            </a:extLst>
+          </p:cNvPr>
+          <p:cNvSpPr>
+            <a:spLocks noGrp="1"/>
+          </p:cNvSpPr>
+          <p:nvPr>
+            <p:ph type="title"/>
+          </p:nvPr>
+        </p:nvSpPr>
+        <p:spPr/>
+        <p:txBody>
+          <a:bodyPr/>
+          <a:lstStyle/>
+          <a:p>
+            <a:r>
+              <a:rPr lang="en-US" dirty="0"/>
+              <a:t>Meetup 2. Slide 2.</a:t>
+            </a:r>
+          </a:p>
+        </p:txBody>
+      </p:sp>
+      <p:sp>
+        <p:nvSpPr>
+          <p:cNvPr id="3" name="Content Placeholder 2">
+            <a:extLst>
+              <a:ext uri="{FF2B5EF4-FFF2-40B4-BE49-F238E27FC236}">
+                <a16:creationId xmlns:a16="http://schemas.microsoft.com/office/drawing/2014/main" id="{31DEA0AD-396F-4B13-B4FB-CE90BB26E17C}"/>
+              </a:ext>
+            </a:extLst>
+          </p:cNvPr>
+          <p:cNvSpPr>
+            <a:spLocks noGrp="1"/>
+          </p:cNvSpPr>
+          <p:nvPr>
+            <p:ph idx="1"/>
+          </p:nvPr>
+        </p:nvSpPr>
+        <p:spPr/>
+        <p:txBody>
+          <a:bodyPr/>
+          <a:lstStyle/>
+          <a:p>
+            <a:r>
+              <a:rPr lang="en-US" dirty="0"/>
+              <a:t>DS workflow: make observations, come up with interesting questions, formulate hypothesis, develop testable predictions, gather data, refine hypothesis, develop general theories.</a:t>
+            </a:r>
+          </a:p>
+          <a:p>
+            <a:r>
+              <a:rPr lang="en-US" dirty="0"/>
+              <a:t>Agile in DS vs Agile in Engineering.</a:t>
+            </a:r>
+          </a:p>
+          <a:p>
+            <a:r>
+              <a:rPr lang="en-US" dirty="0"/>
+              <a:t>Data Value Pyramid: Records, Charts, Reports, Predictions, Actions.</a:t>
+            </a:r>
+          </a:p>
+          <a:p>
+            <a:r>
+              <a:rPr lang="en-US" dirty="0"/>
+              <a:t>Data Science, Cloud Computing, and Agile.</a:t>
+            </a:r>
+          </a:p>
+        </p:txBody>
+      </p:sp>
+    </p:spTree>
+    <p:extLst>
+      <p:ext uri="{BB962C8B-B14F-4D97-AF65-F5344CB8AC3E}">
+        <p14:creationId xmlns:p14="http://schemas.microsoft.com/office/powerpoint/2010/main" val="281832659"/>
+      </p:ext>
+    </p:extLst>
+  </p:cSld>
+  <p:clrMapOvr>
+    <a:masterClrMapping/>
+  </p:clrMapOvr>
+</p:sld>
+</file>
+
+<file path=ppt/slides/slide27.xml><?xml version="1.0" encoding="utf-8"?>
+<p:sld xmlns:a="http://schemas.openxmlformats.org/drawingml/2006/main" xmlns:r="http://schemas.openxmlformats.org/officeDocument/2006/relationships" xmlns:p="http://schemas.openxmlformats.org/presentationml/2006/main">
+  <p:cSld>
+    <p:spTree>
+      <p:nvGrpSpPr>
+        <p:cNvPr id="1" name=""/>
+        <p:cNvGrpSpPr/>
+        <p:nvPr/>
+      </p:nvGrpSpPr>
+      <p:grpSpPr>
+        <a:xfrm>
+          <a:off x="0" y="0"/>
+          <a:ext cx="0" cy="0"/>
+          <a:chOff x="0" y="0"/>
+          <a:chExt cx="0" cy="0"/>
+        </a:xfrm>
+      </p:grpSpPr>
+      <p:sp>
+        <p:nvSpPr>
+          <p:cNvPr id="2" name="Title 1">
+            <a:extLst>
+              <a:ext uri="{FF2B5EF4-FFF2-40B4-BE49-F238E27FC236}">
+                <a16:creationId xmlns:a16="http://schemas.microsoft.com/office/drawing/2014/main" id="{0FA9F80A-1E6B-4B47-9FD4-15901DDC33A3}"/>
+              </a:ext>
+            </a:extLst>
+          </p:cNvPr>
+          <p:cNvSpPr>
+            <a:spLocks noGrp="1"/>
+          </p:cNvSpPr>
+          <p:nvPr>
+            <p:ph type="title"/>
+          </p:nvPr>
+        </p:nvSpPr>
+        <p:spPr/>
+        <p:txBody>
+          <a:bodyPr/>
+          <a:lstStyle/>
+          <a:p>
+            <a:r>
+              <a:rPr lang="en-US" dirty="0"/>
+              <a:t>Deep Learning. Numerical Computation.</a:t>
+            </a:r>
+          </a:p>
+        </p:txBody>
+      </p:sp>
+      <p:sp>
+        <p:nvSpPr>
+          <p:cNvPr id="3" name="Content Placeholder 2">
+            <a:extLst>
+              <a:ext uri="{FF2B5EF4-FFF2-40B4-BE49-F238E27FC236}">
+                <a16:creationId xmlns:a16="http://schemas.microsoft.com/office/drawing/2014/main" id="{82F14EB8-AD6A-4BE5-8BF8-7B63CF10B286}"/>
+              </a:ext>
+            </a:extLst>
+          </p:cNvPr>
+          <p:cNvSpPr>
+            <a:spLocks noGrp="1"/>
+          </p:cNvSpPr>
+          <p:nvPr>
+            <p:ph idx="1"/>
+          </p:nvPr>
+        </p:nvSpPr>
+        <p:spPr/>
+        <p:txBody>
+          <a:bodyPr/>
+          <a:lstStyle/>
+          <a:p>
+            <a:r>
+              <a:rPr lang="en-US" dirty="0"/>
+              <a:t>Machine learning requires a lot of calculations. </a:t>
+            </a:r>
+          </a:p>
+          <a:p>
+            <a:r>
+              <a:rPr lang="en-US" dirty="0"/>
+              <a:t>Overflow and underflow</a:t>
+            </a:r>
+          </a:p>
+          <a:p>
+            <a:r>
+              <a:rPr lang="en-US" dirty="0"/>
+              <a:t>Poor conditioning</a:t>
+            </a:r>
+          </a:p>
+          <a:p>
+            <a:r>
+              <a:rPr lang="en-US" dirty="0"/>
+              <a:t>Gradient-Based Optimization.</a:t>
+            </a:r>
+          </a:p>
+          <a:p>
+            <a:r>
+              <a:rPr lang="en-US" dirty="0"/>
+              <a:t>Constrained Optimization.</a:t>
+            </a:r>
+          </a:p>
+          <a:p>
+            <a:r>
+              <a:rPr lang="en-US" dirty="0"/>
+              <a:t>Linear Least Squares.</a:t>
+            </a:r>
+          </a:p>
+        </p:txBody>
+      </p:sp>
+    </p:spTree>
+    <p:extLst>
+      <p:ext uri="{BB962C8B-B14F-4D97-AF65-F5344CB8AC3E}">
+        <p14:creationId xmlns:p14="http://schemas.microsoft.com/office/powerpoint/2010/main" val="3679429718"/>
+      </p:ext>
+    </p:extLst>
+  </p:cSld>
+  <p:clrMapOvr>
+    <a:masterClrMapping/>
+  </p:clrMapOvr>
+</p:sld>
+</file>
+
+<file path=ppt/slides/slide28.xml><?xml version="1.0" encoding="utf-8"?>
+<p:sld xmlns:a="http://schemas.openxmlformats.org/drawingml/2006/main" xmlns:r="http://schemas.openxmlformats.org/officeDocument/2006/relationships" xmlns:p="http://schemas.openxmlformats.org/presentationml/2006/main">
+  <p:cSld>
+    <p:spTree>
+      <p:nvGrpSpPr>
+        <p:cNvPr id="1" name=""/>
+        <p:cNvGrpSpPr/>
+        <p:nvPr/>
+      </p:nvGrpSpPr>
+      <p:grpSpPr>
+        <a:xfrm>
+          <a:off x="0" y="0"/>
+          <a:ext cx="0" cy="0"/>
+          <a:chOff x="0" y="0"/>
+          <a:chExt cx="0" cy="0"/>
+        </a:xfrm>
+      </p:grpSpPr>
+      <p:sp>
+        <p:nvSpPr>
+          <p:cNvPr id="2" name="Title 1">
+            <a:extLst>
+              <a:ext uri="{FF2B5EF4-FFF2-40B4-BE49-F238E27FC236}">
+                <a16:creationId xmlns:a16="http://schemas.microsoft.com/office/drawing/2014/main" id="{FE3375CB-4A6D-4981-A3C9-2DD2848C8F28}"/>
+              </a:ext>
+            </a:extLst>
+          </p:cNvPr>
+          <p:cNvSpPr>
+            <a:spLocks noGrp="1"/>
+          </p:cNvSpPr>
+          <p:nvPr>
+            <p:ph type="title"/>
+          </p:nvPr>
+        </p:nvSpPr>
+        <p:spPr>
+          <a:xfrm>
+            <a:off x="1141413" y="0"/>
+            <a:ext cx="10075936" cy="1786270"/>
+          </a:xfrm>
+        </p:spPr>
+        <p:txBody>
+          <a:bodyPr/>
+          <a:lstStyle/>
+          <a:p>
+            <a:r>
+              <a:rPr lang="en-US" dirty="0"/>
+              <a:t>Deep Learning. Machine Learning Basics. Slide 1.</a:t>
+            </a:r>
+          </a:p>
+        </p:txBody>
+      </p:sp>
+      <p:sp>
+        <p:nvSpPr>
+          <p:cNvPr id="3" name="Content Placeholder 2">
+            <a:extLst>
+              <a:ext uri="{FF2B5EF4-FFF2-40B4-BE49-F238E27FC236}">
+                <a16:creationId xmlns:a16="http://schemas.microsoft.com/office/drawing/2014/main" id="{53ACAD99-362C-4A1F-9CD2-601FB80CFAAF}"/>
+              </a:ext>
+            </a:extLst>
+          </p:cNvPr>
+          <p:cNvSpPr>
+            <a:spLocks noGrp="1"/>
+          </p:cNvSpPr>
+          <p:nvPr>
+            <p:ph idx="1"/>
+          </p:nvPr>
+        </p:nvSpPr>
+        <p:spPr>
+          <a:xfrm>
+            <a:off x="1141413" y="1786270"/>
+            <a:ext cx="9905999" cy="4720853"/>
+          </a:xfrm>
+        </p:spPr>
+        <p:txBody>
+          <a:bodyPr>
+            <a:normAutofit/>
+          </a:bodyPr>
+          <a:lstStyle/>
+          <a:p>
+            <a:r>
+              <a:rPr lang="en-US" dirty="0"/>
+              <a:t>Linear regression is an example of machine learning.</a:t>
+            </a:r>
+          </a:p>
+          <a:p>
+            <a:r>
+              <a:rPr lang="en-US" dirty="0"/>
+              <a:t>Learning Algorithms.</a:t>
+            </a:r>
+          </a:p>
+          <a:p>
+            <a:r>
+              <a:rPr lang="en-US" dirty="0"/>
+              <a:t>Capacity, Overfitting, and Underfitting.</a:t>
+            </a:r>
+          </a:p>
+          <a:p>
+            <a:r>
+              <a:rPr lang="en-US" dirty="0"/>
+              <a:t>Hyperparameters and Validation Sets.</a:t>
+            </a:r>
+          </a:p>
+          <a:p>
+            <a:r>
+              <a:rPr lang="en-US" dirty="0"/>
+              <a:t>Estimators, Bias, and Variance.</a:t>
+            </a:r>
+          </a:p>
+          <a:p>
+            <a:r>
+              <a:rPr lang="en-US" dirty="0"/>
+              <a:t>Maximum Likelihood Estimator.</a:t>
+            </a:r>
+          </a:p>
+          <a:p>
+            <a:r>
+              <a:rPr lang="en-US" dirty="0"/>
+              <a:t>Bayesian Statistics.</a:t>
+            </a:r>
+          </a:p>
+          <a:p>
+            <a:endParaRPr lang="en-US" dirty="0"/>
+          </a:p>
+        </p:txBody>
+      </p:sp>
+    </p:spTree>
+    <p:extLst>
+      <p:ext uri="{BB962C8B-B14F-4D97-AF65-F5344CB8AC3E}">
+        <p14:creationId xmlns:p14="http://schemas.microsoft.com/office/powerpoint/2010/main" val="300266888"/>
+      </p:ext>
+    </p:extLst>
+  </p:cSld>
+  <p:clrMapOvr>
+    <a:masterClrMapping/>
+  </p:clrMapOvr>
+</p:sld>
+</file>
+
+<file path=ppt/slides/slide29.xml><?xml version="1.0" encoding="utf-8"?>
+<p:sld xmlns:a="http://schemas.openxmlformats.org/drawingml/2006/main" xmlns:r="http://schemas.openxmlformats.org/officeDocument/2006/relationships" xmlns:p="http://schemas.openxmlformats.org/presentationml/2006/main">
+  <p:cSld>
+    <p:spTree>
+      <p:nvGrpSpPr>
+        <p:cNvPr id="1" name=""/>
+        <p:cNvGrpSpPr/>
+        <p:nvPr/>
+      </p:nvGrpSpPr>
+      <p:grpSpPr>
+        <a:xfrm>
+          <a:off x="0" y="0"/>
+          <a:ext cx="0" cy="0"/>
+          <a:chOff x="0" y="0"/>
+          <a:chExt cx="0" cy="0"/>
+        </a:xfrm>
+      </p:grpSpPr>
+      <p:sp>
+        <p:nvSpPr>
+          <p:cNvPr id="2" name="Title 1">
+            <a:extLst>
+              <a:ext uri="{FF2B5EF4-FFF2-40B4-BE49-F238E27FC236}">
+                <a16:creationId xmlns:a16="http://schemas.microsoft.com/office/drawing/2014/main" id="{B188A86C-AF2E-4006-98D0-08B9079F53F7}"/>
+              </a:ext>
+            </a:extLst>
+          </p:cNvPr>
+          <p:cNvSpPr>
+            <a:spLocks noGrp="1"/>
+          </p:cNvSpPr>
+          <p:nvPr>
+            <p:ph type="title"/>
+          </p:nvPr>
+        </p:nvSpPr>
+        <p:spPr/>
+        <p:txBody>
+          <a:bodyPr/>
+          <a:lstStyle/>
+          <a:p>
+            <a:r>
+              <a:rPr lang="en-US" dirty="0"/>
+              <a:t>Deep Learning. Machine Learning Basics. Slide 2.</a:t>
+            </a:r>
+          </a:p>
+        </p:txBody>
+      </p:sp>
+      <p:sp>
+        <p:nvSpPr>
+          <p:cNvPr id="3" name="Content Placeholder 2">
+            <a:extLst>
+              <a:ext uri="{FF2B5EF4-FFF2-40B4-BE49-F238E27FC236}">
+                <a16:creationId xmlns:a16="http://schemas.microsoft.com/office/drawing/2014/main" id="{33591FFC-42E7-476C-9332-20374F9B7EBD}"/>
+              </a:ext>
+            </a:extLst>
+          </p:cNvPr>
+          <p:cNvSpPr>
+            <a:spLocks noGrp="1"/>
+          </p:cNvSpPr>
+          <p:nvPr>
+            <p:ph idx="1"/>
+          </p:nvPr>
+        </p:nvSpPr>
+        <p:spPr/>
+        <p:txBody>
+          <a:bodyPr/>
+          <a:lstStyle/>
+          <a:p>
+            <a:r>
+              <a:rPr lang="en-US" dirty="0"/>
+              <a:t>Supervised Learning Algorithms.</a:t>
+            </a:r>
+          </a:p>
+          <a:p>
+            <a:r>
+              <a:rPr lang="en-US" dirty="0"/>
+              <a:t>Unsupervised Learning Algorithms.</a:t>
+            </a:r>
+          </a:p>
+          <a:p>
+            <a:r>
+              <a:rPr lang="en-US" dirty="0"/>
+              <a:t>Stochastic Gradient Descent.</a:t>
+            </a:r>
+          </a:p>
+          <a:p>
+            <a:r>
+              <a:rPr lang="en-US" dirty="0"/>
+              <a:t>Building a Machine Learning Algorithm.</a:t>
+            </a:r>
+          </a:p>
+          <a:p>
+            <a:r>
+              <a:rPr lang="en-US" dirty="0"/>
+              <a:t>Challenges Motivating Deep Learning.</a:t>
+            </a:r>
+          </a:p>
+          <a:p>
+            <a:endParaRPr lang="en-US" dirty="0"/>
+          </a:p>
+        </p:txBody>
+      </p:sp>
+    </p:spTree>
+    <p:extLst>
+      <p:ext uri="{BB962C8B-B14F-4D97-AF65-F5344CB8AC3E}">
+        <p14:creationId xmlns:p14="http://schemas.microsoft.com/office/powerpoint/2010/main" val="3121639374"/>
+      </p:ext>
+    </p:extLst>
+  </p:cSld>
+  <p:clrMapOvr>
+    <a:masterClrMapping/>
+  </p:clrMapOvr>
+</p:sld>
+</file>
+
 <file path=ppt/slides/slide3.xml><?xml version="1.0" encoding="utf-8"?>
 <p:sld xmlns:a="http://schemas.openxmlformats.org/drawingml/2006/main" xmlns:r="http://schemas.openxmlformats.org/officeDocument/2006/relationships" xmlns:p="http://schemas.openxmlformats.org/presentationml/2006/main">
   <p:cSld>
@@ -13142,6 +16720,1536 @@
     <p:extLst>
       <p:ext uri="{BB962C8B-B14F-4D97-AF65-F5344CB8AC3E}">
         <p14:creationId xmlns:p14="http://schemas.microsoft.com/office/powerpoint/2010/main" val="1000481304"/>
+      </p:ext>
+    </p:extLst>
+  </p:cSld>
+  <p:clrMapOvr>
+    <a:masterClrMapping/>
+  </p:clrMapOvr>
+</p:sld>
+</file>
+
+<file path=ppt/slides/slide30.xml><?xml version="1.0" encoding="utf-8"?>
+<p:sld xmlns:a="http://schemas.openxmlformats.org/drawingml/2006/main" xmlns:r="http://schemas.openxmlformats.org/officeDocument/2006/relationships" xmlns:p="http://schemas.openxmlformats.org/presentationml/2006/main">
+  <p:cSld>
+    <p:spTree>
+      <p:nvGrpSpPr>
+        <p:cNvPr id="1" name=""/>
+        <p:cNvGrpSpPr/>
+        <p:nvPr/>
+      </p:nvGrpSpPr>
+      <p:grpSpPr>
+        <a:xfrm>
+          <a:off x="0" y="0"/>
+          <a:ext cx="0" cy="0"/>
+          <a:chOff x="0" y="0"/>
+          <a:chExt cx="0" cy="0"/>
+        </a:xfrm>
+      </p:grpSpPr>
+      <p:sp>
+        <p:nvSpPr>
+          <p:cNvPr id="2" name="Title 1">
+            <a:extLst>
+              <a:ext uri="{FF2B5EF4-FFF2-40B4-BE49-F238E27FC236}">
+                <a16:creationId xmlns:a16="http://schemas.microsoft.com/office/drawing/2014/main" id="{F18AC868-CDDD-49F9-A1EC-1FD2C571AA74}"/>
+              </a:ext>
+            </a:extLst>
+          </p:cNvPr>
+          <p:cNvSpPr>
+            <a:spLocks noGrp="1"/>
+          </p:cNvSpPr>
+          <p:nvPr>
+            <p:ph type="title"/>
+          </p:nvPr>
+        </p:nvSpPr>
+        <p:spPr/>
+        <p:txBody>
+          <a:bodyPr/>
+          <a:lstStyle/>
+          <a:p>
+            <a:r>
+              <a:rPr lang="en-US" dirty="0"/>
+              <a:t>Week 5-6: Big Data Infrastructure. </a:t>
+            </a:r>
+          </a:p>
+        </p:txBody>
+      </p:sp>
+      <p:sp>
+        <p:nvSpPr>
+          <p:cNvPr id="3" name="Content Placeholder 2">
+            <a:extLst>
+              <a:ext uri="{FF2B5EF4-FFF2-40B4-BE49-F238E27FC236}">
+                <a16:creationId xmlns:a16="http://schemas.microsoft.com/office/drawing/2014/main" id="{F9949EBB-AE14-406B-9670-99FE28DB7C64}"/>
+              </a:ext>
+            </a:extLst>
+          </p:cNvPr>
+          <p:cNvSpPr>
+            <a:spLocks noGrp="1"/>
+          </p:cNvSpPr>
+          <p:nvPr>
+            <p:ph idx="1"/>
+          </p:nvPr>
+        </p:nvSpPr>
+        <p:spPr/>
+        <p:txBody>
+          <a:bodyPr>
+            <a:normAutofit fontScale="70000" lnSpcReduction="20000"/>
+          </a:bodyPr>
+          <a:lstStyle/>
+          <a:p>
+            <a:r>
+              <a:rPr lang="en-US" dirty="0"/>
+              <a:t>Hadoop and Spark.</a:t>
+            </a:r>
+          </a:p>
+          <a:p>
+            <a:pPr lvl="1"/>
+            <a:r>
+              <a:rPr lang="en-US" dirty="0"/>
+              <a:t>Big data is too big for a single machine.</a:t>
+            </a:r>
+          </a:p>
+          <a:p>
+            <a:pPr lvl="1"/>
+            <a:r>
+              <a:rPr lang="en-US" dirty="0"/>
+              <a:t>Big data = big volume, big velocity, and high variety.</a:t>
+            </a:r>
+          </a:p>
+          <a:p>
+            <a:r>
+              <a:rPr lang="en-US" dirty="0"/>
+              <a:t>Hadoop Ecosystem.</a:t>
+            </a:r>
+          </a:p>
+          <a:p>
+            <a:pPr lvl="1"/>
+            <a:r>
+              <a:rPr lang="en-US" dirty="0"/>
+              <a:t>Distributed Filesystem.</a:t>
+            </a:r>
+          </a:p>
+          <a:p>
+            <a:pPr lvl="2"/>
+            <a:r>
+              <a:rPr lang="en-US" dirty="0"/>
+              <a:t>Apache HDFS.</a:t>
+            </a:r>
+          </a:p>
+          <a:p>
+            <a:pPr lvl="2"/>
+            <a:r>
+              <a:rPr lang="en-US" dirty="0"/>
+              <a:t>Red Hat </a:t>
+            </a:r>
+            <a:r>
+              <a:rPr lang="en-US" dirty="0" err="1"/>
+              <a:t>GlusterFS</a:t>
+            </a:r>
+            <a:endParaRPr lang="en-US" dirty="0"/>
+          </a:p>
+          <a:p>
+            <a:pPr lvl="2"/>
+            <a:r>
+              <a:rPr lang="en-US" dirty="0"/>
+              <a:t>Quantcast File System</a:t>
+            </a:r>
+          </a:p>
+          <a:p>
+            <a:pPr lvl="2"/>
+            <a:r>
+              <a:rPr lang="en-US" dirty="0" err="1"/>
+              <a:t>Ceph</a:t>
+            </a:r>
+            <a:r>
+              <a:rPr lang="en-US" dirty="0"/>
+              <a:t> Filesystem</a:t>
+            </a:r>
+          </a:p>
+          <a:p>
+            <a:pPr lvl="1"/>
+            <a:r>
+              <a:rPr lang="en-US" dirty="0"/>
+              <a:t>Distributed programming</a:t>
+            </a:r>
+          </a:p>
+          <a:p>
+            <a:pPr lvl="1"/>
+            <a:r>
+              <a:rPr lang="en-US" dirty="0"/>
+              <a:t>NoSQL DB.</a:t>
+            </a:r>
+          </a:p>
+          <a:p>
+            <a:pPr lvl="1"/>
+            <a:r>
+              <a:rPr lang="en-US" dirty="0"/>
+              <a:t>Others</a:t>
+            </a:r>
+          </a:p>
+          <a:p>
+            <a:pPr lvl="2"/>
+            <a:endParaRPr lang="en-US" dirty="0"/>
+          </a:p>
+        </p:txBody>
+      </p:sp>
+    </p:spTree>
+    <p:extLst>
+      <p:ext uri="{BB962C8B-B14F-4D97-AF65-F5344CB8AC3E}">
+        <p14:creationId xmlns:p14="http://schemas.microsoft.com/office/powerpoint/2010/main" val="1380672604"/>
+      </p:ext>
+    </p:extLst>
+  </p:cSld>
+  <p:clrMapOvr>
+    <a:masterClrMapping/>
+  </p:clrMapOvr>
+</p:sld>
+</file>
+
+<file path=ppt/slides/slide31.xml><?xml version="1.0" encoding="utf-8"?>
+<p:sld xmlns:a="http://schemas.openxmlformats.org/drawingml/2006/main" xmlns:r="http://schemas.openxmlformats.org/officeDocument/2006/relationships" xmlns:p="http://schemas.openxmlformats.org/presentationml/2006/main">
+  <p:cSld>
+    <p:spTree>
+      <p:nvGrpSpPr>
+        <p:cNvPr id="1" name=""/>
+        <p:cNvGrpSpPr/>
+        <p:nvPr/>
+      </p:nvGrpSpPr>
+      <p:grpSpPr>
+        <a:xfrm>
+          <a:off x="0" y="0"/>
+          <a:ext cx="0" cy="0"/>
+          <a:chOff x="0" y="0"/>
+          <a:chExt cx="0" cy="0"/>
+        </a:xfrm>
+      </p:grpSpPr>
+      <p:sp>
+        <p:nvSpPr>
+          <p:cNvPr id="2" name="Title 1">
+            <a:extLst>
+              <a:ext uri="{FF2B5EF4-FFF2-40B4-BE49-F238E27FC236}">
+                <a16:creationId xmlns:a16="http://schemas.microsoft.com/office/drawing/2014/main" id="{C0C5EDA8-0FC8-4878-881D-0AF17AC7BA9C}"/>
+              </a:ext>
+            </a:extLst>
+          </p:cNvPr>
+          <p:cNvSpPr>
+            <a:spLocks noGrp="1"/>
+          </p:cNvSpPr>
+          <p:nvPr>
+            <p:ph type="title"/>
+          </p:nvPr>
+        </p:nvSpPr>
+        <p:spPr/>
+        <p:txBody>
+          <a:bodyPr/>
+          <a:lstStyle/>
+          <a:p>
+            <a:r>
+              <a:rPr lang="en-US" dirty="0"/>
+              <a:t>Meetup 3. Slide 1.</a:t>
+            </a:r>
+          </a:p>
+        </p:txBody>
+      </p:sp>
+      <p:sp>
+        <p:nvSpPr>
+          <p:cNvPr id="3" name="Content Placeholder 2">
+            <a:extLst>
+              <a:ext uri="{FF2B5EF4-FFF2-40B4-BE49-F238E27FC236}">
+                <a16:creationId xmlns:a16="http://schemas.microsoft.com/office/drawing/2014/main" id="{F18C7F86-A2EE-41AD-9774-14F42F5B2A8F}"/>
+              </a:ext>
+            </a:extLst>
+          </p:cNvPr>
+          <p:cNvSpPr>
+            <a:spLocks noGrp="1"/>
+          </p:cNvSpPr>
+          <p:nvPr>
+            <p:ph idx="1"/>
+          </p:nvPr>
+        </p:nvSpPr>
+        <p:spPr/>
+        <p:txBody>
+          <a:bodyPr/>
+          <a:lstStyle/>
+          <a:p>
+            <a:r>
+              <a:rPr lang="en-US" dirty="0"/>
+              <a:t>Challenges of big data.</a:t>
+            </a:r>
+          </a:p>
+          <a:p>
+            <a:pPr lvl="1"/>
+            <a:r>
+              <a:rPr lang="en-US" dirty="0"/>
+              <a:t>Volume. Cost of storage.</a:t>
+            </a:r>
+          </a:p>
+          <a:p>
+            <a:pPr lvl="1"/>
+            <a:r>
+              <a:rPr lang="en-US" dirty="0"/>
+              <a:t>Variety. Many different sources/formats.</a:t>
+            </a:r>
+          </a:p>
+          <a:p>
+            <a:pPr lvl="1"/>
+            <a:r>
+              <a:rPr lang="en-US" dirty="0"/>
+              <a:t>Velocity. Speed of data generation/storage/processing.</a:t>
+            </a:r>
+          </a:p>
+          <a:p>
+            <a:r>
+              <a:rPr lang="en-US" dirty="0"/>
+              <a:t>History of Hadoop.</a:t>
+            </a:r>
+          </a:p>
+          <a:p>
+            <a:pPr lvl="1"/>
+            <a:r>
+              <a:rPr lang="en-US" dirty="0"/>
+              <a:t>Concept came from Google in 2003/2004.</a:t>
+            </a:r>
+          </a:p>
+          <a:p>
+            <a:pPr lvl="1"/>
+            <a:r>
+              <a:rPr lang="en-US" dirty="0"/>
+              <a:t>Truly developed by Yahoo and was later released as open source.</a:t>
+            </a:r>
+          </a:p>
+        </p:txBody>
+      </p:sp>
+    </p:spTree>
+    <p:extLst>
+      <p:ext uri="{BB962C8B-B14F-4D97-AF65-F5344CB8AC3E}">
+        <p14:creationId xmlns:p14="http://schemas.microsoft.com/office/powerpoint/2010/main" val="408964947"/>
+      </p:ext>
+    </p:extLst>
+  </p:cSld>
+  <p:clrMapOvr>
+    <a:masterClrMapping/>
+  </p:clrMapOvr>
+</p:sld>
+</file>
+
+<file path=ppt/slides/slide32.xml><?xml version="1.0" encoding="utf-8"?>
+<p:sld xmlns:a="http://schemas.openxmlformats.org/drawingml/2006/main" xmlns:r="http://schemas.openxmlformats.org/officeDocument/2006/relationships" xmlns:p="http://schemas.openxmlformats.org/presentationml/2006/main">
+  <p:cSld>
+    <p:spTree>
+      <p:nvGrpSpPr>
+        <p:cNvPr id="1" name=""/>
+        <p:cNvGrpSpPr/>
+        <p:nvPr/>
+      </p:nvGrpSpPr>
+      <p:grpSpPr>
+        <a:xfrm>
+          <a:off x="0" y="0"/>
+          <a:ext cx="0" cy="0"/>
+          <a:chOff x="0" y="0"/>
+          <a:chExt cx="0" cy="0"/>
+        </a:xfrm>
+      </p:grpSpPr>
+      <p:sp>
+        <p:nvSpPr>
+          <p:cNvPr id="2" name="Title 1">
+            <a:extLst>
+              <a:ext uri="{FF2B5EF4-FFF2-40B4-BE49-F238E27FC236}">
+                <a16:creationId xmlns:a16="http://schemas.microsoft.com/office/drawing/2014/main" id="{BF0B4055-BD43-4215-A465-EE8E52633B09}"/>
+              </a:ext>
+            </a:extLst>
+          </p:cNvPr>
+          <p:cNvSpPr>
+            <a:spLocks noGrp="1"/>
+          </p:cNvSpPr>
+          <p:nvPr>
+            <p:ph type="title"/>
+          </p:nvPr>
+        </p:nvSpPr>
+        <p:spPr/>
+        <p:txBody>
+          <a:bodyPr/>
+          <a:lstStyle/>
+          <a:p>
+            <a:r>
+              <a:rPr lang="en-US" dirty="0"/>
+              <a:t>Meetup 3. slide 2. </a:t>
+            </a:r>
+          </a:p>
+        </p:txBody>
+      </p:sp>
+      <p:sp>
+        <p:nvSpPr>
+          <p:cNvPr id="3" name="Content Placeholder 2">
+            <a:extLst>
+              <a:ext uri="{FF2B5EF4-FFF2-40B4-BE49-F238E27FC236}">
+                <a16:creationId xmlns:a16="http://schemas.microsoft.com/office/drawing/2014/main" id="{2BC95E61-909D-4DE8-8742-A0E648F4248A}"/>
+              </a:ext>
+            </a:extLst>
+          </p:cNvPr>
+          <p:cNvSpPr>
+            <a:spLocks noGrp="1"/>
+          </p:cNvSpPr>
+          <p:nvPr>
+            <p:ph idx="1"/>
+          </p:nvPr>
+        </p:nvSpPr>
+        <p:spPr/>
+        <p:txBody>
+          <a:bodyPr>
+            <a:normAutofit fontScale="92500" lnSpcReduction="20000"/>
+          </a:bodyPr>
+          <a:lstStyle/>
+          <a:p>
+            <a:r>
+              <a:rPr lang="en-US" dirty="0"/>
+              <a:t>Hadoop.</a:t>
+            </a:r>
+          </a:p>
+          <a:p>
+            <a:pPr lvl="1"/>
+            <a:r>
+              <a:rPr lang="en-US" dirty="0"/>
+              <a:t>Open source software framework.</a:t>
+            </a:r>
+          </a:p>
+          <a:p>
+            <a:pPr lvl="1"/>
+            <a:r>
+              <a:rPr lang="en-US" dirty="0"/>
+              <a:t>Designed to store and analyze big data.</a:t>
+            </a:r>
+          </a:p>
+          <a:p>
+            <a:pPr lvl="1"/>
+            <a:r>
+              <a:rPr lang="en-US" dirty="0"/>
+              <a:t>Uses distributed computing environment.</a:t>
+            </a:r>
+          </a:p>
+          <a:p>
+            <a:pPr lvl="1"/>
+            <a:r>
+              <a:rPr lang="en-US" dirty="0"/>
+              <a:t>Takes into account hardware failure.</a:t>
+            </a:r>
+          </a:p>
+          <a:p>
+            <a:r>
+              <a:rPr lang="en-US" dirty="0"/>
+              <a:t>Advantages of Hadoop.</a:t>
+            </a:r>
+          </a:p>
+          <a:p>
+            <a:pPr lvl="1"/>
+            <a:r>
+              <a:rPr lang="en-US" dirty="0"/>
+              <a:t>Cheaper to buy many small computers, than big one.</a:t>
+            </a:r>
+          </a:p>
+          <a:p>
+            <a:pPr lvl="1"/>
+            <a:r>
+              <a:rPr lang="en-US" dirty="0"/>
+              <a:t>It is cheaper to move code to data, than data to code.</a:t>
+            </a:r>
+          </a:p>
+          <a:p>
+            <a:pPr lvl="1"/>
+            <a:r>
+              <a:rPr lang="en-US" dirty="0"/>
+              <a:t>Easy to scale up.</a:t>
+            </a:r>
+          </a:p>
+        </p:txBody>
+      </p:sp>
+    </p:spTree>
+    <p:extLst>
+      <p:ext uri="{BB962C8B-B14F-4D97-AF65-F5344CB8AC3E}">
+        <p14:creationId xmlns:p14="http://schemas.microsoft.com/office/powerpoint/2010/main" val="3121936641"/>
+      </p:ext>
+    </p:extLst>
+  </p:cSld>
+  <p:clrMapOvr>
+    <a:masterClrMapping/>
+  </p:clrMapOvr>
+</p:sld>
+</file>
+
+<file path=ppt/slides/slide33.xml><?xml version="1.0" encoding="utf-8"?>
+<p:sld xmlns:a="http://schemas.openxmlformats.org/drawingml/2006/main" xmlns:r="http://schemas.openxmlformats.org/officeDocument/2006/relationships" xmlns:p="http://schemas.openxmlformats.org/presentationml/2006/main">
+  <p:cSld>
+    <p:spTree>
+      <p:nvGrpSpPr>
+        <p:cNvPr id="1" name=""/>
+        <p:cNvGrpSpPr/>
+        <p:nvPr/>
+      </p:nvGrpSpPr>
+      <p:grpSpPr>
+        <a:xfrm>
+          <a:off x="0" y="0"/>
+          <a:ext cx="0" cy="0"/>
+          <a:chOff x="0" y="0"/>
+          <a:chExt cx="0" cy="0"/>
+        </a:xfrm>
+      </p:grpSpPr>
+      <p:sp>
+        <p:nvSpPr>
+          <p:cNvPr id="2" name="Title 1">
+            <a:extLst>
+              <a:ext uri="{FF2B5EF4-FFF2-40B4-BE49-F238E27FC236}">
+                <a16:creationId xmlns:a16="http://schemas.microsoft.com/office/drawing/2014/main" id="{AC1F1BBB-ECBE-484D-B6EB-CB548F60B615}"/>
+              </a:ext>
+            </a:extLst>
+          </p:cNvPr>
+          <p:cNvSpPr>
+            <a:spLocks noGrp="1"/>
+          </p:cNvSpPr>
+          <p:nvPr>
+            <p:ph type="title"/>
+          </p:nvPr>
+        </p:nvSpPr>
+        <p:spPr>
+          <a:xfrm>
+            <a:off x="1143001" y="159488"/>
+            <a:ext cx="9905998" cy="1637414"/>
+          </a:xfrm>
+        </p:spPr>
+        <p:txBody>
+          <a:bodyPr/>
+          <a:lstStyle/>
+          <a:p>
+            <a:r>
+              <a:rPr lang="en-US" dirty="0"/>
+              <a:t>Meetup 3. slide 3.</a:t>
+            </a:r>
+          </a:p>
+        </p:txBody>
+      </p:sp>
+      <p:sp>
+        <p:nvSpPr>
+          <p:cNvPr id="3" name="Content Placeholder 2">
+            <a:extLst>
+              <a:ext uri="{FF2B5EF4-FFF2-40B4-BE49-F238E27FC236}">
+                <a16:creationId xmlns:a16="http://schemas.microsoft.com/office/drawing/2014/main" id="{CAAFD46C-952C-4E5F-9F8F-A61344A6C26B}"/>
+              </a:ext>
+            </a:extLst>
+          </p:cNvPr>
+          <p:cNvSpPr>
+            <a:spLocks noGrp="1"/>
+          </p:cNvSpPr>
+          <p:nvPr>
+            <p:ph idx="1"/>
+          </p:nvPr>
+        </p:nvSpPr>
+        <p:spPr>
+          <a:xfrm>
+            <a:off x="1141412" y="1690577"/>
+            <a:ext cx="9905999" cy="4784652"/>
+          </a:xfrm>
+        </p:spPr>
+        <p:txBody>
+          <a:bodyPr>
+            <a:normAutofit fontScale="85000" lnSpcReduction="20000"/>
+          </a:bodyPr>
+          <a:lstStyle/>
+          <a:p>
+            <a:r>
+              <a:rPr lang="en-US" dirty="0"/>
+              <a:t>Core components of Hadoop.</a:t>
+            </a:r>
+          </a:p>
+          <a:p>
+            <a:pPr lvl="1"/>
+            <a:r>
+              <a:rPr lang="en-US" dirty="0"/>
+              <a:t>HDFS.</a:t>
+            </a:r>
+          </a:p>
+          <a:p>
+            <a:pPr lvl="1"/>
+            <a:r>
+              <a:rPr lang="en-US" dirty="0"/>
+              <a:t>MapReduce.</a:t>
+            </a:r>
+          </a:p>
+          <a:p>
+            <a:pPr lvl="1"/>
+            <a:r>
+              <a:rPr lang="en-US" dirty="0"/>
+              <a:t>YARN.</a:t>
+            </a:r>
+          </a:p>
+          <a:p>
+            <a:r>
+              <a:rPr lang="en-US" dirty="0"/>
+              <a:t>Material Covered:</a:t>
+            </a:r>
+          </a:p>
+          <a:p>
+            <a:pPr lvl="1"/>
+            <a:r>
+              <a:rPr lang="en-US" dirty="0"/>
+              <a:t>Streamlining Data Pipelines.</a:t>
+            </a:r>
+          </a:p>
+          <a:p>
+            <a:pPr lvl="1"/>
+            <a:r>
+              <a:rPr lang="en-US" dirty="0"/>
+              <a:t>Model Deployment.</a:t>
+            </a:r>
+          </a:p>
+          <a:p>
+            <a:pPr lvl="1"/>
+            <a:r>
+              <a:rPr lang="en-US" dirty="0"/>
+              <a:t>Distributed Computing.</a:t>
+            </a:r>
+          </a:p>
+          <a:p>
+            <a:pPr lvl="1"/>
+            <a:r>
+              <a:rPr lang="en-US" dirty="0"/>
+              <a:t>Cloud Computing</a:t>
+            </a:r>
+          </a:p>
+          <a:p>
+            <a:r>
+              <a:rPr lang="en-US" dirty="0"/>
+              <a:t>Next topic:</a:t>
+            </a:r>
+          </a:p>
+          <a:p>
+            <a:pPr lvl="1"/>
+            <a:r>
+              <a:rPr lang="en-US" dirty="0"/>
+              <a:t>Dimension Reduction.</a:t>
+            </a:r>
+          </a:p>
+          <a:p>
+            <a:pPr lvl="1"/>
+            <a:r>
+              <a:rPr lang="en-US" dirty="0" err="1"/>
+              <a:t>Ensembling</a:t>
+            </a:r>
+            <a:endParaRPr lang="en-US" dirty="0"/>
+          </a:p>
+          <a:p>
+            <a:pPr lvl="1"/>
+            <a:r>
+              <a:rPr lang="en-US" dirty="0"/>
+              <a:t>Deep learning.</a:t>
+            </a:r>
+          </a:p>
+        </p:txBody>
+      </p:sp>
+    </p:spTree>
+    <p:extLst>
+      <p:ext uri="{BB962C8B-B14F-4D97-AF65-F5344CB8AC3E}">
+        <p14:creationId xmlns:p14="http://schemas.microsoft.com/office/powerpoint/2010/main" val="2849094703"/>
+      </p:ext>
+    </p:extLst>
+  </p:cSld>
+  <p:clrMapOvr>
+    <a:masterClrMapping/>
+  </p:clrMapOvr>
+</p:sld>
+</file>
+
+<file path=ppt/slides/slide34.xml><?xml version="1.0" encoding="utf-8"?>
+<p:sld xmlns:a="http://schemas.openxmlformats.org/drawingml/2006/main" xmlns:r="http://schemas.openxmlformats.org/officeDocument/2006/relationships" xmlns:p="http://schemas.openxmlformats.org/presentationml/2006/main">
+  <p:cSld>
+    <p:spTree>
+      <p:nvGrpSpPr>
+        <p:cNvPr id="1" name=""/>
+        <p:cNvGrpSpPr/>
+        <p:nvPr/>
+      </p:nvGrpSpPr>
+      <p:grpSpPr>
+        <a:xfrm>
+          <a:off x="0" y="0"/>
+          <a:ext cx="0" cy="0"/>
+          <a:chOff x="0" y="0"/>
+          <a:chExt cx="0" cy="0"/>
+        </a:xfrm>
+      </p:grpSpPr>
+      <p:sp>
+        <p:nvSpPr>
+          <p:cNvPr id="2" name="Title 1">
+            <a:extLst>
+              <a:ext uri="{FF2B5EF4-FFF2-40B4-BE49-F238E27FC236}">
+                <a16:creationId xmlns:a16="http://schemas.microsoft.com/office/drawing/2014/main" id="{02B7CA99-63DF-4149-9026-5A240B1D7CFD}"/>
+              </a:ext>
+            </a:extLst>
+          </p:cNvPr>
+          <p:cNvSpPr>
+            <a:spLocks noGrp="1"/>
+          </p:cNvSpPr>
+          <p:nvPr>
+            <p:ph type="title"/>
+          </p:nvPr>
+        </p:nvSpPr>
+        <p:spPr/>
+        <p:txBody>
+          <a:bodyPr/>
+          <a:lstStyle/>
+          <a:p>
+            <a:r>
+              <a:rPr lang="en-US" dirty="0"/>
+              <a:t>Deep learning. Deep Feedforward Networks.</a:t>
+            </a:r>
+          </a:p>
+        </p:txBody>
+      </p:sp>
+      <p:sp>
+        <p:nvSpPr>
+          <p:cNvPr id="3" name="Content Placeholder 2">
+            <a:extLst>
+              <a:ext uri="{FF2B5EF4-FFF2-40B4-BE49-F238E27FC236}">
+                <a16:creationId xmlns:a16="http://schemas.microsoft.com/office/drawing/2014/main" id="{0AD48F11-B9CB-461E-812F-40AA7FE77B86}"/>
+              </a:ext>
+            </a:extLst>
+          </p:cNvPr>
+          <p:cNvSpPr>
+            <a:spLocks noGrp="1"/>
+          </p:cNvSpPr>
+          <p:nvPr>
+            <p:ph idx="1"/>
+          </p:nvPr>
+        </p:nvSpPr>
+        <p:spPr>
+          <a:xfrm>
+            <a:off x="1141412" y="2249486"/>
+            <a:ext cx="9905999" cy="3736643"/>
+          </a:xfrm>
+        </p:spPr>
+        <p:txBody>
+          <a:bodyPr/>
+          <a:lstStyle/>
+          <a:p>
+            <a:r>
+              <a:rPr lang="en-US" dirty="0"/>
+              <a:t>Learning XOR.</a:t>
+            </a:r>
+          </a:p>
+          <a:p>
+            <a:r>
+              <a:rPr lang="en-US" dirty="0"/>
+              <a:t>Gradient Based Learning.</a:t>
+            </a:r>
+          </a:p>
+          <a:p>
+            <a:r>
+              <a:rPr lang="en-US" dirty="0"/>
+              <a:t>Hidden Units.</a:t>
+            </a:r>
+          </a:p>
+          <a:p>
+            <a:r>
+              <a:rPr lang="en-US" dirty="0"/>
+              <a:t>Architecture Design.</a:t>
+            </a:r>
+          </a:p>
+          <a:p>
+            <a:r>
+              <a:rPr lang="en-US" dirty="0"/>
+              <a:t>Back-Propagation and Other Diﬀerentiation Algorithms</a:t>
+            </a:r>
+          </a:p>
+          <a:p>
+            <a:r>
+              <a:rPr lang="en-US" dirty="0"/>
+              <a:t>Historical Notes.</a:t>
+            </a:r>
+          </a:p>
+          <a:p>
+            <a:endParaRPr lang="en-US" dirty="0"/>
+          </a:p>
+        </p:txBody>
+      </p:sp>
+    </p:spTree>
+    <p:extLst>
+      <p:ext uri="{BB962C8B-B14F-4D97-AF65-F5344CB8AC3E}">
+        <p14:creationId xmlns:p14="http://schemas.microsoft.com/office/powerpoint/2010/main" val="3538408467"/>
+      </p:ext>
+    </p:extLst>
+  </p:cSld>
+  <p:clrMapOvr>
+    <a:masterClrMapping/>
+  </p:clrMapOvr>
+</p:sld>
+</file>
+
+<file path=ppt/slides/slide35.xml><?xml version="1.0" encoding="utf-8"?>
+<p:sld xmlns:a="http://schemas.openxmlformats.org/drawingml/2006/main" xmlns:r="http://schemas.openxmlformats.org/officeDocument/2006/relationships" xmlns:p="http://schemas.openxmlformats.org/presentationml/2006/main">
+  <p:cSld>
+    <p:spTree>
+      <p:nvGrpSpPr>
+        <p:cNvPr id="1" name=""/>
+        <p:cNvGrpSpPr/>
+        <p:nvPr/>
+      </p:nvGrpSpPr>
+      <p:grpSpPr>
+        <a:xfrm>
+          <a:off x="0" y="0"/>
+          <a:ext cx="0" cy="0"/>
+          <a:chOff x="0" y="0"/>
+          <a:chExt cx="0" cy="0"/>
+        </a:xfrm>
+      </p:grpSpPr>
+      <p:sp>
+        <p:nvSpPr>
+          <p:cNvPr id="2" name="Title 1">
+            <a:extLst>
+              <a:ext uri="{FF2B5EF4-FFF2-40B4-BE49-F238E27FC236}">
+                <a16:creationId xmlns:a16="http://schemas.microsoft.com/office/drawing/2014/main" id="{2ABF7849-79B7-41CF-8D53-4B7C54198287}"/>
+              </a:ext>
+            </a:extLst>
+          </p:cNvPr>
+          <p:cNvSpPr>
+            <a:spLocks noGrp="1"/>
+          </p:cNvSpPr>
+          <p:nvPr>
+            <p:ph type="title"/>
+          </p:nvPr>
+        </p:nvSpPr>
+        <p:spPr/>
+        <p:txBody>
+          <a:bodyPr/>
+          <a:lstStyle/>
+          <a:p>
+            <a:r>
+              <a:rPr lang="en-US" dirty="0"/>
+              <a:t>Deep learning. Regularization for deep learning. Slide 1.</a:t>
+            </a:r>
+          </a:p>
+        </p:txBody>
+      </p:sp>
+      <p:sp>
+        <p:nvSpPr>
+          <p:cNvPr id="3" name="Content Placeholder 2">
+            <a:extLst>
+              <a:ext uri="{FF2B5EF4-FFF2-40B4-BE49-F238E27FC236}">
+                <a16:creationId xmlns:a16="http://schemas.microsoft.com/office/drawing/2014/main" id="{DBF637C0-D571-41C7-BD96-04367020A3CE}"/>
+              </a:ext>
+            </a:extLst>
+          </p:cNvPr>
+          <p:cNvSpPr>
+            <a:spLocks noGrp="1"/>
+          </p:cNvSpPr>
+          <p:nvPr>
+            <p:ph idx="1"/>
+          </p:nvPr>
+        </p:nvSpPr>
+        <p:spPr/>
+        <p:txBody>
+          <a:bodyPr>
+            <a:normAutofit fontScale="92500" lnSpcReduction="10000"/>
+          </a:bodyPr>
+          <a:lstStyle/>
+          <a:p>
+            <a:r>
+              <a:rPr lang="en-US" dirty="0"/>
+              <a:t>Parameter Norm Penalties.</a:t>
+            </a:r>
+          </a:p>
+          <a:p>
+            <a:r>
+              <a:rPr lang="en-US" dirty="0"/>
+              <a:t>Norm Penalties as Constrained Optimization.</a:t>
+            </a:r>
+          </a:p>
+          <a:p>
+            <a:r>
+              <a:rPr lang="en-US" dirty="0"/>
+              <a:t>Regularization and Under-Constrained Problems.</a:t>
+            </a:r>
+          </a:p>
+          <a:p>
+            <a:r>
+              <a:rPr lang="en-US" dirty="0"/>
+              <a:t>Dataset Augmentation.</a:t>
+            </a:r>
+          </a:p>
+          <a:p>
+            <a:r>
+              <a:rPr lang="en-US" dirty="0"/>
+              <a:t>Noise Robustness.</a:t>
+            </a:r>
+          </a:p>
+          <a:p>
+            <a:r>
+              <a:rPr lang="en-US" dirty="0"/>
+              <a:t>Semi-Supervised Learning.</a:t>
+            </a:r>
+          </a:p>
+          <a:p>
+            <a:r>
+              <a:rPr lang="en-US" dirty="0"/>
+              <a:t>Multitask Learning.</a:t>
+            </a:r>
+          </a:p>
+          <a:p>
+            <a:endParaRPr lang="en-US" dirty="0"/>
+          </a:p>
+        </p:txBody>
+      </p:sp>
+    </p:spTree>
+    <p:extLst>
+      <p:ext uri="{BB962C8B-B14F-4D97-AF65-F5344CB8AC3E}">
+        <p14:creationId xmlns:p14="http://schemas.microsoft.com/office/powerpoint/2010/main" val="2891186297"/>
+      </p:ext>
+    </p:extLst>
+  </p:cSld>
+  <p:clrMapOvr>
+    <a:masterClrMapping/>
+  </p:clrMapOvr>
+</p:sld>
+</file>
+
+<file path=ppt/slides/slide36.xml><?xml version="1.0" encoding="utf-8"?>
+<p:sld xmlns:a="http://schemas.openxmlformats.org/drawingml/2006/main" xmlns:r="http://schemas.openxmlformats.org/officeDocument/2006/relationships" xmlns:p="http://schemas.openxmlformats.org/presentationml/2006/main">
+  <p:cSld>
+    <p:spTree>
+      <p:nvGrpSpPr>
+        <p:cNvPr id="1" name=""/>
+        <p:cNvGrpSpPr/>
+        <p:nvPr/>
+      </p:nvGrpSpPr>
+      <p:grpSpPr>
+        <a:xfrm>
+          <a:off x="0" y="0"/>
+          <a:ext cx="0" cy="0"/>
+          <a:chOff x="0" y="0"/>
+          <a:chExt cx="0" cy="0"/>
+        </a:xfrm>
+      </p:grpSpPr>
+      <p:sp>
+        <p:nvSpPr>
+          <p:cNvPr id="2" name="Title 1">
+            <a:extLst>
+              <a:ext uri="{FF2B5EF4-FFF2-40B4-BE49-F238E27FC236}">
+                <a16:creationId xmlns:a16="http://schemas.microsoft.com/office/drawing/2014/main" id="{5C689049-7671-4BF4-9D7D-0AF63FAF93F9}"/>
+              </a:ext>
+            </a:extLst>
+          </p:cNvPr>
+          <p:cNvSpPr>
+            <a:spLocks noGrp="1"/>
+          </p:cNvSpPr>
+          <p:nvPr>
+            <p:ph type="title"/>
+          </p:nvPr>
+        </p:nvSpPr>
+        <p:spPr/>
+        <p:txBody>
+          <a:bodyPr/>
+          <a:lstStyle/>
+          <a:p>
+            <a:r>
+              <a:rPr lang="en-US" dirty="0"/>
+              <a:t>Deep learning. Regularization for deep learning. Slide 2.</a:t>
+            </a:r>
+          </a:p>
+        </p:txBody>
+      </p:sp>
+      <p:sp>
+        <p:nvSpPr>
+          <p:cNvPr id="3" name="Content Placeholder 2">
+            <a:extLst>
+              <a:ext uri="{FF2B5EF4-FFF2-40B4-BE49-F238E27FC236}">
+                <a16:creationId xmlns:a16="http://schemas.microsoft.com/office/drawing/2014/main" id="{9202F959-ACFE-47AB-82E6-F88428DFE4B4}"/>
+              </a:ext>
+            </a:extLst>
+          </p:cNvPr>
+          <p:cNvSpPr>
+            <a:spLocks noGrp="1"/>
+          </p:cNvSpPr>
+          <p:nvPr>
+            <p:ph idx="1"/>
+          </p:nvPr>
+        </p:nvSpPr>
+        <p:spPr/>
+        <p:txBody>
+          <a:bodyPr>
+            <a:normAutofit fontScale="92500" lnSpcReduction="10000"/>
+          </a:bodyPr>
+          <a:lstStyle/>
+          <a:p>
+            <a:r>
+              <a:rPr lang="en-US" dirty="0"/>
+              <a:t>Early Stopping.</a:t>
+            </a:r>
+          </a:p>
+          <a:p>
+            <a:r>
+              <a:rPr lang="en-US" dirty="0"/>
+              <a:t>Parameter Tying and Parameter Sharing.</a:t>
+            </a:r>
+          </a:p>
+          <a:p>
+            <a:r>
+              <a:rPr lang="en-US" dirty="0"/>
+              <a:t>Sparse Representation.</a:t>
+            </a:r>
+          </a:p>
+          <a:p>
+            <a:r>
+              <a:rPr lang="en-US" dirty="0"/>
+              <a:t>Bagging and Other Ensemble Methods.</a:t>
+            </a:r>
+          </a:p>
+          <a:p>
+            <a:r>
+              <a:rPr lang="en-US" dirty="0"/>
+              <a:t>Dropout.</a:t>
+            </a:r>
+          </a:p>
+          <a:p>
+            <a:r>
+              <a:rPr lang="en-US" dirty="0"/>
+              <a:t>Adversarial Training.</a:t>
+            </a:r>
+          </a:p>
+          <a:p>
+            <a:r>
+              <a:rPr lang="en-US" dirty="0"/>
+              <a:t>Tangent Distance, Tangent Prop and Manifold Tangent Classiﬁer.</a:t>
+            </a:r>
+          </a:p>
+          <a:p>
+            <a:endParaRPr lang="en-US" dirty="0"/>
+          </a:p>
+        </p:txBody>
+      </p:sp>
+    </p:spTree>
+    <p:extLst>
+      <p:ext uri="{BB962C8B-B14F-4D97-AF65-F5344CB8AC3E}">
+        <p14:creationId xmlns:p14="http://schemas.microsoft.com/office/powerpoint/2010/main" val="1906137703"/>
+      </p:ext>
+    </p:extLst>
+  </p:cSld>
+  <p:clrMapOvr>
+    <a:masterClrMapping/>
+  </p:clrMapOvr>
+</p:sld>
+</file>
+
+<file path=ppt/slides/slide37.xml><?xml version="1.0" encoding="utf-8"?>
+<p:sld xmlns:a="http://schemas.openxmlformats.org/drawingml/2006/main" xmlns:r="http://schemas.openxmlformats.org/officeDocument/2006/relationships" xmlns:p="http://schemas.openxmlformats.org/presentationml/2006/main">
+  <p:cSld>
+    <p:spTree>
+      <p:nvGrpSpPr>
+        <p:cNvPr id="1" name=""/>
+        <p:cNvGrpSpPr/>
+        <p:nvPr/>
+      </p:nvGrpSpPr>
+      <p:grpSpPr>
+        <a:xfrm>
+          <a:off x="0" y="0"/>
+          <a:ext cx="0" cy="0"/>
+          <a:chOff x="0" y="0"/>
+          <a:chExt cx="0" cy="0"/>
+        </a:xfrm>
+      </p:grpSpPr>
+      <p:sp>
+        <p:nvSpPr>
+          <p:cNvPr id="2" name="Title 1">
+            <a:extLst>
+              <a:ext uri="{FF2B5EF4-FFF2-40B4-BE49-F238E27FC236}">
+                <a16:creationId xmlns:a16="http://schemas.microsoft.com/office/drawing/2014/main" id="{D0AF6C1E-C70A-46CE-9B52-EE7C87F9F0C3}"/>
+              </a:ext>
+            </a:extLst>
+          </p:cNvPr>
+          <p:cNvSpPr>
+            <a:spLocks noGrp="1"/>
+          </p:cNvSpPr>
+          <p:nvPr>
+            <p:ph type="title"/>
+          </p:nvPr>
+        </p:nvSpPr>
+        <p:spPr>
+          <a:xfrm>
+            <a:off x="1141413" y="382772"/>
+            <a:ext cx="9905998" cy="489098"/>
+          </a:xfrm>
+        </p:spPr>
+        <p:txBody>
+          <a:bodyPr>
+            <a:normAutofit fontScale="90000"/>
+          </a:bodyPr>
+          <a:lstStyle/>
+          <a:p>
+            <a:r>
+              <a:rPr lang="en-US" dirty="0"/>
+              <a:t>Week 7-8. dimension reduction. Slide 1.</a:t>
+            </a:r>
+          </a:p>
+        </p:txBody>
+      </p:sp>
+      <p:sp>
+        <p:nvSpPr>
+          <p:cNvPr id="3" name="Content Placeholder 2">
+            <a:extLst>
+              <a:ext uri="{FF2B5EF4-FFF2-40B4-BE49-F238E27FC236}">
+                <a16:creationId xmlns:a16="http://schemas.microsoft.com/office/drawing/2014/main" id="{7EF34760-26C4-4764-99ED-03213C7FA4F8}"/>
+              </a:ext>
+            </a:extLst>
+          </p:cNvPr>
+          <p:cNvSpPr>
+            <a:spLocks noGrp="1"/>
+          </p:cNvSpPr>
+          <p:nvPr>
+            <p:ph idx="1"/>
+          </p:nvPr>
+        </p:nvSpPr>
+        <p:spPr>
+          <a:xfrm>
+            <a:off x="1141412" y="1201479"/>
+            <a:ext cx="9905999" cy="5167423"/>
+          </a:xfrm>
+        </p:spPr>
+        <p:txBody>
+          <a:bodyPr>
+            <a:normAutofit/>
+          </a:bodyPr>
+          <a:lstStyle/>
+          <a:p>
+            <a:r>
+              <a:rPr lang="en-US" dirty="0"/>
+              <a:t>PDF. Overview: Conventional Methods for Working with Medium to Large Datasets.</a:t>
+            </a:r>
+          </a:p>
+          <a:p>
+            <a:pPr lvl="1"/>
+            <a:r>
+              <a:rPr lang="en-US" dirty="0"/>
+              <a:t>Real-world data.</a:t>
+            </a:r>
+          </a:p>
+          <a:p>
+            <a:pPr lvl="2"/>
+            <a:r>
+              <a:rPr lang="en-US" dirty="0"/>
+              <a:t>Redundancy.</a:t>
+            </a:r>
+          </a:p>
+          <a:p>
+            <a:pPr lvl="2"/>
+            <a:r>
+              <a:rPr lang="en-US" dirty="0"/>
+              <a:t>Noisy.</a:t>
+            </a:r>
+          </a:p>
+          <a:p>
+            <a:pPr lvl="1"/>
+            <a:r>
+              <a:rPr lang="en-US" dirty="0"/>
+              <a:t>High-Dimensional Data.</a:t>
+            </a:r>
+          </a:p>
+          <a:p>
+            <a:pPr lvl="2"/>
+            <a:r>
+              <a:rPr lang="en-US" dirty="0"/>
+              <a:t>Large datasets, such as image processing, document classification, streaming data.</a:t>
+            </a:r>
+          </a:p>
+          <a:p>
+            <a:pPr lvl="2"/>
+            <a:r>
+              <a:rPr lang="en-US" dirty="0"/>
+              <a:t>High dimensional datasets.</a:t>
+            </a:r>
+          </a:p>
+          <a:p>
+            <a:pPr lvl="3"/>
+            <a:r>
+              <a:rPr lang="en-US" dirty="0"/>
+              <a:t>P=number of input variables (columns)</a:t>
+            </a:r>
+          </a:p>
+          <a:p>
+            <a:pPr lvl="3"/>
+            <a:r>
+              <a:rPr lang="en-US" dirty="0"/>
+              <a:t>N=number of samples (rows)</a:t>
+            </a:r>
+          </a:p>
+          <a:p>
+            <a:pPr lvl="3"/>
+            <a:r>
+              <a:rPr lang="en-US" dirty="0"/>
+              <a:t>P is large and P&gt;N</a:t>
+            </a:r>
+          </a:p>
+          <a:p>
+            <a:pPr lvl="1"/>
+            <a:r>
+              <a:rPr lang="en-US" dirty="0"/>
+              <a:t>High-Dimensional Data Challenges: accuracy vs interpretability.</a:t>
+            </a:r>
+          </a:p>
+          <a:p>
+            <a:pPr lvl="3"/>
+            <a:endParaRPr lang="en-US" dirty="0"/>
+          </a:p>
+        </p:txBody>
+      </p:sp>
+    </p:spTree>
+    <p:extLst>
+      <p:ext uri="{BB962C8B-B14F-4D97-AF65-F5344CB8AC3E}">
+        <p14:creationId xmlns:p14="http://schemas.microsoft.com/office/powerpoint/2010/main" val="59327963"/>
+      </p:ext>
+    </p:extLst>
+  </p:cSld>
+  <p:clrMapOvr>
+    <a:masterClrMapping/>
+  </p:clrMapOvr>
+</p:sld>
+</file>
+
+<file path=ppt/slides/slide38.xml><?xml version="1.0" encoding="utf-8"?>
+<p:sld xmlns:a="http://schemas.openxmlformats.org/drawingml/2006/main" xmlns:r="http://schemas.openxmlformats.org/officeDocument/2006/relationships" xmlns:p="http://schemas.openxmlformats.org/presentationml/2006/main">
+  <p:cSld>
+    <p:spTree>
+      <p:nvGrpSpPr>
+        <p:cNvPr id="1" name=""/>
+        <p:cNvGrpSpPr/>
+        <p:nvPr/>
+      </p:nvGrpSpPr>
+      <p:grpSpPr>
+        <a:xfrm>
+          <a:off x="0" y="0"/>
+          <a:ext cx="0" cy="0"/>
+          <a:chOff x="0" y="0"/>
+          <a:chExt cx="0" cy="0"/>
+        </a:xfrm>
+      </p:grpSpPr>
+      <p:sp>
+        <p:nvSpPr>
+          <p:cNvPr id="2" name="Title 1">
+            <a:extLst>
+              <a:ext uri="{FF2B5EF4-FFF2-40B4-BE49-F238E27FC236}">
+                <a16:creationId xmlns:a16="http://schemas.microsoft.com/office/drawing/2014/main" id="{A9C4D987-3577-4559-922E-F060469A19F5}"/>
+              </a:ext>
+            </a:extLst>
+          </p:cNvPr>
+          <p:cNvSpPr>
+            <a:spLocks noGrp="1"/>
+          </p:cNvSpPr>
+          <p:nvPr>
+            <p:ph type="title"/>
+          </p:nvPr>
+        </p:nvSpPr>
+        <p:spPr>
+          <a:xfrm>
+            <a:off x="1141413" y="202020"/>
+            <a:ext cx="9905998" cy="691116"/>
+          </a:xfrm>
+        </p:spPr>
+        <p:txBody>
+          <a:bodyPr/>
+          <a:lstStyle/>
+          <a:p>
+            <a:r>
+              <a:rPr lang="en-US" dirty="0"/>
+              <a:t>Week 7-8. dimension reduction. Slide 2.</a:t>
+            </a:r>
+          </a:p>
+        </p:txBody>
+      </p:sp>
+      <p:sp>
+        <p:nvSpPr>
+          <p:cNvPr id="3" name="Content Placeholder 2">
+            <a:extLst>
+              <a:ext uri="{FF2B5EF4-FFF2-40B4-BE49-F238E27FC236}">
+                <a16:creationId xmlns:a16="http://schemas.microsoft.com/office/drawing/2014/main" id="{EA7C10FB-4881-479C-948D-26D910F9C8A2}"/>
+              </a:ext>
+            </a:extLst>
+          </p:cNvPr>
+          <p:cNvSpPr>
+            <a:spLocks noGrp="1"/>
+          </p:cNvSpPr>
+          <p:nvPr>
+            <p:ph idx="1"/>
+          </p:nvPr>
+        </p:nvSpPr>
+        <p:spPr>
+          <a:xfrm>
+            <a:off x="1141412" y="1052624"/>
+            <a:ext cx="9905999" cy="5186858"/>
+          </a:xfrm>
+        </p:spPr>
+        <p:txBody>
+          <a:bodyPr>
+            <a:normAutofit/>
+          </a:bodyPr>
+          <a:lstStyle/>
+          <a:p>
+            <a:r>
+              <a:rPr lang="en-US" dirty="0"/>
+              <a:t>PDF. Overview: Conventional Methods for Working with Medium to Large Datasets.</a:t>
+            </a:r>
+          </a:p>
+          <a:p>
+            <a:pPr lvl="1"/>
+            <a:r>
+              <a:rPr lang="en-US" dirty="0"/>
+              <a:t>Solutions</a:t>
+            </a:r>
+          </a:p>
+          <a:p>
+            <a:pPr lvl="2"/>
+            <a:r>
+              <a:rPr lang="en-US" dirty="0"/>
+              <a:t>Manually subset variables.</a:t>
+            </a:r>
+          </a:p>
+          <a:p>
+            <a:pPr lvl="2"/>
+            <a:r>
+              <a:rPr lang="en-US" dirty="0"/>
+              <a:t>Variable Selection. Regularization. LASSO, </a:t>
+            </a:r>
+            <a:r>
+              <a:rPr lang="en-US" dirty="0" err="1"/>
+              <a:t>ElasticNet</a:t>
+            </a:r>
+            <a:r>
+              <a:rPr lang="en-US" dirty="0"/>
+              <a:t>.</a:t>
+            </a:r>
+          </a:p>
+          <a:p>
+            <a:pPr lvl="2"/>
+            <a:r>
+              <a:rPr lang="en-US" dirty="0"/>
+              <a:t>Feature Extraction. Transforming variables. PCA, LDA.</a:t>
+            </a:r>
+          </a:p>
+          <a:p>
+            <a:pPr lvl="2"/>
+            <a:r>
+              <a:rPr lang="en-US" dirty="0"/>
+              <a:t>Ensemble Modeling. Combining multiple models into one.</a:t>
+            </a:r>
+          </a:p>
+          <a:p>
+            <a:pPr lvl="1"/>
+            <a:r>
+              <a:rPr lang="en-US" dirty="0"/>
+              <a:t>Regularization requires model to be linear.</a:t>
+            </a:r>
+          </a:p>
+          <a:p>
+            <a:pPr lvl="1"/>
+            <a:r>
+              <a:rPr lang="en-US" dirty="0"/>
+              <a:t>LASSO</a:t>
+            </a:r>
+          </a:p>
+          <a:p>
+            <a:pPr lvl="2"/>
+            <a:r>
+              <a:rPr lang="en-US" dirty="0"/>
+              <a:t>Simple model/robust solution.</a:t>
+            </a:r>
+          </a:p>
+          <a:p>
+            <a:pPr lvl="2"/>
+            <a:r>
+              <a:rPr lang="en-US" dirty="0"/>
+              <a:t>Does not handle multicollinearity well.</a:t>
+            </a:r>
+          </a:p>
+          <a:p>
+            <a:pPr lvl="2"/>
+            <a:endParaRPr lang="en-US" dirty="0"/>
+          </a:p>
+          <a:p>
+            <a:pPr lvl="2"/>
+            <a:endParaRPr lang="en-US" dirty="0"/>
+          </a:p>
+          <a:p>
+            <a:pPr lvl="2"/>
+            <a:endParaRPr lang="en-US" dirty="0"/>
+          </a:p>
+          <a:p>
+            <a:pPr lvl="2"/>
+            <a:endParaRPr lang="en-US" dirty="0"/>
+          </a:p>
+          <a:p>
+            <a:endParaRPr lang="en-US" dirty="0"/>
+          </a:p>
+        </p:txBody>
+      </p:sp>
+    </p:spTree>
+    <p:extLst>
+      <p:ext uri="{BB962C8B-B14F-4D97-AF65-F5344CB8AC3E}">
+        <p14:creationId xmlns:p14="http://schemas.microsoft.com/office/powerpoint/2010/main" val="4139241387"/>
+      </p:ext>
+    </p:extLst>
+  </p:cSld>
+  <p:clrMapOvr>
+    <a:masterClrMapping/>
+  </p:clrMapOvr>
+</p:sld>
+</file>
+
+<file path=ppt/slides/slide39.xml><?xml version="1.0" encoding="utf-8"?>
+<p:sld xmlns:a="http://schemas.openxmlformats.org/drawingml/2006/main" xmlns:r="http://schemas.openxmlformats.org/officeDocument/2006/relationships" xmlns:p="http://schemas.openxmlformats.org/presentationml/2006/main">
+  <p:cSld>
+    <p:spTree>
+      <p:nvGrpSpPr>
+        <p:cNvPr id="1" name=""/>
+        <p:cNvGrpSpPr/>
+        <p:nvPr/>
+      </p:nvGrpSpPr>
+      <p:grpSpPr>
+        <a:xfrm>
+          <a:off x="0" y="0"/>
+          <a:ext cx="0" cy="0"/>
+          <a:chOff x="0" y="0"/>
+          <a:chExt cx="0" cy="0"/>
+        </a:xfrm>
+      </p:grpSpPr>
+      <p:sp>
+        <p:nvSpPr>
+          <p:cNvPr id="2" name="Title 1">
+            <a:extLst>
+              <a:ext uri="{FF2B5EF4-FFF2-40B4-BE49-F238E27FC236}">
+                <a16:creationId xmlns:a16="http://schemas.microsoft.com/office/drawing/2014/main" id="{9557E237-1E89-463C-9762-0370F12BB770}"/>
+              </a:ext>
+            </a:extLst>
+          </p:cNvPr>
+          <p:cNvSpPr>
+            <a:spLocks noGrp="1"/>
+          </p:cNvSpPr>
+          <p:nvPr>
+            <p:ph type="title"/>
+          </p:nvPr>
+        </p:nvSpPr>
+        <p:spPr/>
+        <p:txBody>
+          <a:bodyPr/>
+          <a:lstStyle/>
+          <a:p>
+            <a:r>
+              <a:rPr lang="en-US" dirty="0"/>
+              <a:t>Week 7-8. dimension reduction. Slide 3.</a:t>
+            </a:r>
+          </a:p>
+        </p:txBody>
+      </p:sp>
+      <p:sp>
+        <p:nvSpPr>
+          <p:cNvPr id="3" name="Content Placeholder 2">
+            <a:extLst>
+              <a:ext uri="{FF2B5EF4-FFF2-40B4-BE49-F238E27FC236}">
+                <a16:creationId xmlns:a16="http://schemas.microsoft.com/office/drawing/2014/main" id="{5F774E09-9A86-4220-AC04-C2222AC8C67F}"/>
+              </a:ext>
+            </a:extLst>
+          </p:cNvPr>
+          <p:cNvSpPr>
+            <a:spLocks noGrp="1"/>
+          </p:cNvSpPr>
+          <p:nvPr>
+            <p:ph idx="1"/>
+          </p:nvPr>
+        </p:nvSpPr>
+        <p:spPr/>
+        <p:txBody>
+          <a:bodyPr>
+            <a:normAutofit fontScale="92500" lnSpcReduction="10000"/>
+          </a:bodyPr>
+          <a:lstStyle/>
+          <a:p>
+            <a:r>
+              <a:rPr lang="en-US" dirty="0"/>
+              <a:t>PDF. Overview: Conventional Methods for Working with Medium to Large Datasets</a:t>
+            </a:r>
+          </a:p>
+          <a:p>
+            <a:pPr lvl="1"/>
+            <a:r>
+              <a:rPr lang="en-US" dirty="0" err="1"/>
+              <a:t>Ensembling</a:t>
+            </a:r>
+            <a:r>
+              <a:rPr lang="en-US" dirty="0"/>
+              <a:t>: Pluses and minuses.</a:t>
+            </a:r>
+          </a:p>
+          <a:p>
+            <a:pPr lvl="2"/>
+            <a:r>
+              <a:rPr lang="en-US" dirty="0"/>
+              <a:t>Plus – increases accuracy</a:t>
+            </a:r>
+          </a:p>
+          <a:p>
+            <a:pPr lvl="2"/>
+            <a:r>
+              <a:rPr lang="en-US" dirty="0"/>
+              <a:t>Wins most Kaggle competitions.</a:t>
+            </a:r>
+          </a:p>
+          <a:p>
+            <a:pPr lvl="2"/>
+            <a:r>
+              <a:rPr lang="en-US" dirty="0"/>
+              <a:t>Bagging prevents outliers.</a:t>
+            </a:r>
+          </a:p>
+          <a:p>
+            <a:pPr lvl="1"/>
+            <a:r>
+              <a:rPr lang="en-US" dirty="0" err="1"/>
+              <a:t>Ensembling</a:t>
+            </a:r>
+            <a:r>
+              <a:rPr lang="en-US" dirty="0"/>
+              <a:t> libraries</a:t>
+            </a:r>
+          </a:p>
+          <a:p>
+            <a:pPr lvl="2"/>
+            <a:r>
+              <a:rPr lang="en-US" dirty="0" err="1"/>
+              <a:t>Sklearn</a:t>
+            </a:r>
+            <a:endParaRPr lang="en-US" dirty="0"/>
+          </a:p>
+          <a:p>
+            <a:pPr lvl="2"/>
+            <a:r>
+              <a:rPr lang="en-US" dirty="0"/>
+              <a:t>H2o</a:t>
+            </a:r>
+          </a:p>
+          <a:p>
+            <a:pPr lvl="2"/>
+            <a:r>
+              <a:rPr lang="en-US" dirty="0" err="1"/>
+              <a:t>Xgboost</a:t>
+            </a:r>
+            <a:endParaRPr lang="en-US" dirty="0"/>
+          </a:p>
+          <a:p>
+            <a:pPr lvl="1"/>
+            <a:endParaRPr lang="en-US" dirty="0"/>
+          </a:p>
+          <a:p>
+            <a:pPr lvl="1"/>
+            <a:endParaRPr lang="en-US" dirty="0"/>
+          </a:p>
+        </p:txBody>
+      </p:sp>
+    </p:spTree>
+    <p:extLst>
+      <p:ext uri="{BB962C8B-B14F-4D97-AF65-F5344CB8AC3E}">
+        <p14:creationId xmlns:p14="http://schemas.microsoft.com/office/powerpoint/2010/main" val="3743358238"/>
       </p:ext>
     </p:extLst>
   </p:cSld>
@@ -13303,6 +18411,237 @@
     <p:extLst>
       <p:ext uri="{BB962C8B-B14F-4D97-AF65-F5344CB8AC3E}">
         <p14:creationId xmlns:p14="http://schemas.microsoft.com/office/powerpoint/2010/main" val="2073006545"/>
+      </p:ext>
+    </p:extLst>
+  </p:cSld>
+  <p:clrMapOvr>
+    <a:masterClrMapping/>
+  </p:clrMapOvr>
+</p:sld>
+</file>
+
+<file path=ppt/slides/slide40.xml><?xml version="1.0" encoding="utf-8"?>
+<p:sld xmlns:a="http://schemas.openxmlformats.org/drawingml/2006/main" xmlns:r="http://schemas.openxmlformats.org/officeDocument/2006/relationships" xmlns:p="http://schemas.openxmlformats.org/presentationml/2006/main">
+  <p:cSld>
+    <p:spTree>
+      <p:nvGrpSpPr>
+        <p:cNvPr id="1" name=""/>
+        <p:cNvGrpSpPr/>
+        <p:nvPr/>
+      </p:nvGrpSpPr>
+      <p:grpSpPr>
+        <a:xfrm>
+          <a:off x="0" y="0"/>
+          <a:ext cx="0" cy="0"/>
+          <a:chOff x="0" y="0"/>
+          <a:chExt cx="0" cy="0"/>
+        </a:xfrm>
+      </p:grpSpPr>
+      <p:sp>
+        <p:nvSpPr>
+          <p:cNvPr id="2" name="Title 1">
+            <a:extLst>
+              <a:ext uri="{FF2B5EF4-FFF2-40B4-BE49-F238E27FC236}">
+                <a16:creationId xmlns:a16="http://schemas.microsoft.com/office/drawing/2014/main" id="{B8AE3023-94D3-45D2-B42E-70B9F2F0D064}"/>
+              </a:ext>
+            </a:extLst>
+          </p:cNvPr>
+          <p:cNvSpPr>
+            <a:spLocks noGrp="1"/>
+          </p:cNvSpPr>
+          <p:nvPr>
+            <p:ph type="title"/>
+          </p:nvPr>
+        </p:nvSpPr>
+        <p:spPr/>
+        <p:txBody>
+          <a:bodyPr/>
+          <a:lstStyle/>
+          <a:p>
+            <a:r>
+              <a:rPr lang="en-US" dirty="0"/>
+              <a:t>Week 11-16. neural networks &amp; deep learning.</a:t>
+            </a:r>
+          </a:p>
+        </p:txBody>
+      </p:sp>
+      <p:sp>
+        <p:nvSpPr>
+          <p:cNvPr id="3" name="Content Placeholder 2">
+            <a:extLst>
+              <a:ext uri="{FF2B5EF4-FFF2-40B4-BE49-F238E27FC236}">
+                <a16:creationId xmlns:a16="http://schemas.microsoft.com/office/drawing/2014/main" id="{8E7580F1-867A-471A-935B-EC6956139147}"/>
+              </a:ext>
+            </a:extLst>
+          </p:cNvPr>
+          <p:cNvSpPr>
+            <a:spLocks noGrp="1"/>
+          </p:cNvSpPr>
+          <p:nvPr>
+            <p:ph idx="1"/>
+          </p:nvPr>
+        </p:nvSpPr>
+        <p:spPr/>
+        <p:txBody>
+          <a:bodyPr/>
+          <a:lstStyle/>
+          <a:p>
+            <a:r>
+              <a:rPr lang="en-US" dirty="0"/>
+              <a:t>Final Project.</a:t>
+            </a:r>
+          </a:p>
+          <a:p>
+            <a:pPr lvl="1"/>
+            <a:r>
+              <a:rPr lang="en-US" dirty="0"/>
+              <a:t>Due Date 12/15/2019</a:t>
+            </a:r>
+          </a:p>
+          <a:p>
+            <a:pPr lvl="1"/>
+            <a:r>
+              <a:rPr lang="en-US" dirty="0"/>
+              <a:t>30% of Total Grade.</a:t>
+            </a:r>
+          </a:p>
+          <a:p>
+            <a:pPr lvl="1"/>
+            <a:r>
+              <a:rPr lang="en-US" dirty="0"/>
+              <a:t>Instructions.</a:t>
+            </a:r>
+          </a:p>
+          <a:p>
+            <a:pPr lvl="2"/>
+            <a:r>
+              <a:rPr lang="en-US" dirty="0"/>
+              <a:t>Build an image recognition model (20 points). </a:t>
+            </a:r>
+          </a:p>
+          <a:p>
+            <a:pPr lvl="2"/>
+            <a:r>
+              <a:rPr lang="en-US" dirty="0"/>
+              <a:t>Read the online textbook “</a:t>
+            </a:r>
+            <a:r>
+              <a:rPr lang="en-US" i="1" dirty="0"/>
+              <a:t>Neural Networks and Deep Learning”</a:t>
+            </a:r>
+            <a:endParaRPr lang="en-US" dirty="0"/>
+          </a:p>
+        </p:txBody>
+      </p:sp>
+    </p:spTree>
+    <p:extLst>
+      <p:ext uri="{BB962C8B-B14F-4D97-AF65-F5344CB8AC3E}">
+        <p14:creationId xmlns:p14="http://schemas.microsoft.com/office/powerpoint/2010/main" val="1590135044"/>
+      </p:ext>
+    </p:extLst>
+  </p:cSld>
+  <p:clrMapOvr>
+    <a:masterClrMapping/>
+  </p:clrMapOvr>
+</p:sld>
+</file>
+
+<file path=ppt/slides/slide41.xml><?xml version="1.0" encoding="utf-8"?>
+<p:sld xmlns:a="http://schemas.openxmlformats.org/drawingml/2006/main" xmlns:r="http://schemas.openxmlformats.org/officeDocument/2006/relationships" xmlns:p="http://schemas.openxmlformats.org/presentationml/2006/main">
+  <p:cSld>
+    <p:spTree>
+      <p:nvGrpSpPr>
+        <p:cNvPr id="1" name=""/>
+        <p:cNvGrpSpPr/>
+        <p:nvPr/>
+      </p:nvGrpSpPr>
+      <p:grpSpPr>
+        <a:xfrm>
+          <a:off x="0" y="0"/>
+          <a:ext cx="0" cy="0"/>
+          <a:chOff x="0" y="0"/>
+          <a:chExt cx="0" cy="0"/>
+        </a:xfrm>
+      </p:grpSpPr>
+      <p:sp>
+        <p:nvSpPr>
+          <p:cNvPr id="2" name="Title 1">
+            <a:extLst>
+              <a:ext uri="{FF2B5EF4-FFF2-40B4-BE49-F238E27FC236}">
+                <a16:creationId xmlns:a16="http://schemas.microsoft.com/office/drawing/2014/main" id="{C98D5517-E238-4557-9919-A6CA7535E830}"/>
+              </a:ext>
+            </a:extLst>
+          </p:cNvPr>
+          <p:cNvSpPr>
+            <a:spLocks noGrp="1"/>
+          </p:cNvSpPr>
+          <p:nvPr>
+            <p:ph type="title"/>
+          </p:nvPr>
+        </p:nvSpPr>
+        <p:spPr/>
+        <p:txBody>
+          <a:bodyPr/>
+          <a:lstStyle/>
+          <a:p>
+            <a:r>
+              <a:rPr lang="en-US" i="1" dirty="0"/>
+              <a:t>Neural Networks and Deep Learning</a:t>
+            </a:r>
+            <a:endParaRPr lang="en-US" dirty="0"/>
+          </a:p>
+        </p:txBody>
+      </p:sp>
+      <p:sp>
+        <p:nvSpPr>
+          <p:cNvPr id="3" name="Content Placeholder 2">
+            <a:extLst>
+              <a:ext uri="{FF2B5EF4-FFF2-40B4-BE49-F238E27FC236}">
+                <a16:creationId xmlns:a16="http://schemas.microsoft.com/office/drawing/2014/main" id="{D6D59ED7-7880-4E77-B940-84849DD5DFBC}"/>
+              </a:ext>
+            </a:extLst>
+          </p:cNvPr>
+          <p:cNvSpPr>
+            <a:spLocks noGrp="1"/>
+          </p:cNvSpPr>
+          <p:nvPr>
+            <p:ph idx="1"/>
+          </p:nvPr>
+        </p:nvSpPr>
+        <p:spPr/>
+        <p:txBody>
+          <a:bodyPr/>
+          <a:lstStyle/>
+          <a:p>
+            <a:r>
+              <a:rPr lang="en-US" dirty="0"/>
+              <a:t>Summary</a:t>
+            </a:r>
+          </a:p>
+          <a:p>
+            <a:pPr lvl="1"/>
+            <a:r>
+              <a:rPr lang="en-US" dirty="0"/>
+              <a:t>Neural Networks</a:t>
+            </a:r>
+          </a:p>
+          <a:p>
+            <a:pPr lvl="1"/>
+            <a:r>
+              <a:rPr lang="en-US"/>
+              <a:t>Deep Learning.</a:t>
+            </a:r>
+          </a:p>
+          <a:p>
+            <a:pPr lvl="1"/>
+            <a:endParaRPr lang="en-US"/>
+          </a:p>
+        </p:txBody>
+      </p:sp>
+    </p:spTree>
+    <p:extLst>
+      <p:ext uri="{BB962C8B-B14F-4D97-AF65-F5344CB8AC3E}">
+        <p14:creationId xmlns:p14="http://schemas.microsoft.com/office/powerpoint/2010/main" val="2514637659"/>
       </p:ext>
     </p:extLst>
   </p:cSld>
